--- a/CIS4250_Retrospective.pptx
+++ b/CIS4250_Retrospective.pptx
@@ -1,6 +1,6 @@
 
 <file path=ppt/presentation.xml><?xml version="1.0" encoding="utf-8"?>
-<p:presentation xmlns:a="http://schemas.openxmlformats.org/drawingml/2006/main" xmlns:r="http://schemas.openxmlformats.org/officeDocument/2006/relationships" xmlns:mc="http://schemas.openxmlformats.org/markup-compatibility/2006" xmlns:mv="urn:schemas-microsoft-com:mac:vml" xmlns:p="http://schemas.openxmlformats.org/presentationml/2006/main" xmlns:c="http://schemas.openxmlformats.org/drawingml/2006/chart" xmlns:dgm="http://schemas.openxmlformats.org/drawingml/2006/diagram" xmlns:o="urn:schemas-microsoft-com:office:office" xmlns:v="urn:schemas-microsoft-com:vml" xmlns:pvml="urn:schemas-microsoft-com:office:powerpoint" xmlns:com="http://schemas.openxmlformats.org/drawingml/2006/compatibility" xmlns:p14="http://schemas.microsoft.com/office/powerpoint/2010/main" xmlns:p15="http://schemas.microsoft.com/office/powerpoint/2012/main" xmlns:ahyp="http://schemas.microsoft.com/office/drawing/2018/hyperlinkcolor" autoCompressPictures="0" strictFirstAndLastChars="0" saveSubsetFonts="1">
+<p:presentation xmlns:a="http://schemas.openxmlformats.org/drawingml/2006/main" xmlns:r="http://schemas.openxmlformats.org/officeDocument/2006/relationships" xmlns:mc="http://schemas.openxmlformats.org/markup-compatibility/2006" xmlns:mv="urn:schemas-microsoft-com:mac:vml" xmlns:p="http://schemas.openxmlformats.org/presentationml/2006/main" xmlns:c="http://schemas.openxmlformats.org/drawingml/2006/chart" xmlns:dgm="http://schemas.openxmlformats.org/drawingml/2006/diagram" xmlns:o="urn:schemas-microsoft-com:office:office" xmlns:v="urn:schemas-microsoft-com:vml" xmlns:pvml="urn:schemas-microsoft-com:office:powerpoint" xmlns:com="http://schemas.openxmlformats.org/drawingml/2006/compatibility" xmlns:p14="http://schemas.microsoft.com/office/powerpoint/2010/main" xmlns:p15="http://schemas.microsoft.com/office/powerpoint/2012/main" xmlns:ahyp="http://schemas.microsoft.com/office/drawing/2018/hyperlinkcolor" autoCompressPictures="0" embedTrueTypeFonts="1" strictFirstAndLastChars="0" saveSubsetFonts="1">
   <p:sldMasterIdLst>
     <p:sldMasterId id="2147483660" r:id="rId3"/>
   </p:sldMasterIdLst>
@@ -24,6 +24,17 @@
   </p:sldIdLst>
   <p:sldSz cy="6858000" cx="12192000"/>
   <p:notesSz cx="6858000" cy="9144000"/>
+  <p:embeddedFontLst>
+    <p:embeddedFont>
+      <p:font typeface="Average"/>
+      <p:regular r:id="rId18"/>
+    </p:embeddedFont>
+    <p:embeddedFont>
+      <p:font typeface="Oswald"/>
+      <p:regular r:id="rId19"/>
+      <p:bold r:id="rId20"/>
+    </p:embeddedFont>
+  </p:embeddedFontLst>
   <p:defaultTextStyle>
     <a:defPPr lvl="0" marR="0" rtl="0" algn="l">
       <a:lnSpc>
@@ -1480,7 +1491,106 @@
       </p:grpSpPr>
       <p:sp>
         <p:nvSpPr>
-          <p:cNvPr id="80" name="Google Shape;80;g2b19aebb51d_0_0:notes"/>
+          <p:cNvPr id="80" name="Google Shape;80;p4:notes"/>
+          <p:cNvSpPr txBox="1"/>
+          <p:nvPr>
+            <p:ph idx="1" type="body"/>
+          </p:nvPr>
+        </p:nvSpPr>
+        <p:spPr>
+          <a:xfrm>
+            <a:off x="685800" y="4343400"/>
+            <a:ext cx="5486400" cy="4114800"/>
+          </a:xfrm>
+          <a:prstGeom prst="rect">
+            <a:avLst/>
+          </a:prstGeom>
+        </p:spPr>
+        <p:txBody>
+          <a:bodyPr anchorCtr="0" anchor="t" bIns="91425" lIns="91425" spcFirstLastPara="1" rIns="91425" wrap="square" tIns="91425">
+            <a:noAutofit/>
+          </a:bodyPr>
+          <a:lstStyle/>
+          <a:p>
+            <a:pPr indent="0" lvl="0" marL="0" rtl="0" algn="l">
+              <a:spcBef>
+                <a:spcPts val="0"/>
+              </a:spcBef>
+              <a:spcAft>
+                <a:spcPts val="0"/>
+              </a:spcAft>
+              <a:buNone/>
+            </a:pPr>
+            <a:r>
+              <a:t/>
+            </a:r>
+            <a:endParaRPr/>
+          </a:p>
+        </p:txBody>
+      </p:sp>
+      <p:sp>
+        <p:nvSpPr>
+          <p:cNvPr id="81" name="Google Shape;81;p4:notes"/>
+          <p:cNvSpPr/>
+          <p:nvPr>
+            <p:ph idx="2" type="sldImg"/>
+          </p:nvPr>
+        </p:nvSpPr>
+        <p:spPr>
+          <a:xfrm>
+            <a:off x="1143225" y="685800"/>
+            <a:ext cx="4572225" cy="3429000"/>
+          </a:xfrm>
+          <a:custGeom>
+            <a:rect b="b" l="l" r="r" t="t"/>
+            <a:pathLst>
+              <a:path extrusionOk="0" h="120000" w="120000">
+                <a:moveTo>
+                  <a:pt x="0" y="0"/>
+                </a:moveTo>
+                <a:lnTo>
+                  <a:pt x="120000" y="0"/>
+                </a:lnTo>
+                <a:lnTo>
+                  <a:pt x="120000" y="120000"/>
+                </a:lnTo>
+                <a:lnTo>
+                  <a:pt x="0" y="120000"/>
+                </a:lnTo>
+                <a:close/>
+              </a:path>
+            </a:pathLst>
+          </a:custGeom>
+        </p:spPr>
+      </p:sp>
+    </p:spTree>
+  </p:cSld>
+  <p:clrMapOvr>
+    <a:masterClrMapping/>
+  </p:clrMapOvr>
+</p:notes>
+</file>
+
+<file path=ppt/notesSlides/notesSlide5.xml><?xml version="1.0" encoding="utf-8"?>
+<p:notes xmlns:a="http://schemas.openxmlformats.org/drawingml/2006/main" xmlns:r="http://schemas.openxmlformats.org/officeDocument/2006/relationships" xmlns:mc="http://schemas.openxmlformats.org/markup-compatibility/2006" xmlns:mv="urn:schemas-microsoft-com:mac:vml" xmlns:p="http://schemas.openxmlformats.org/presentationml/2006/main" xmlns:c="http://schemas.openxmlformats.org/drawingml/2006/chart" xmlns:dgm="http://schemas.openxmlformats.org/drawingml/2006/diagram" xmlns:o="urn:schemas-microsoft-com:office:office" xmlns:v="urn:schemas-microsoft-com:vml" xmlns:pvml="urn:schemas-microsoft-com:office:powerpoint" xmlns:com="http://schemas.openxmlformats.org/drawingml/2006/compatibility" xmlns:p14="http://schemas.microsoft.com/office/powerpoint/2010/main" xmlns:p15="http://schemas.microsoft.com/office/powerpoint/2012/main" xmlns:ahyp="http://schemas.microsoft.com/office/drawing/2018/hyperlinkcolor" showMasterPhAnim="0" showMasterSp="0">
+  <p:cSld>
+    <p:spTree>
+      <p:nvGrpSpPr>
+        <p:cNvPr id="85" name="Shape 85"/>
+        <p:cNvGrpSpPr/>
+        <p:nvPr/>
+      </p:nvGrpSpPr>
+      <p:grpSpPr>
+        <a:xfrm>
+          <a:off x="0" y="0"/>
+          <a:ext cx="0" cy="0"/>
+          <a:chOff x="0" y="0"/>
+          <a:chExt cx="0" cy="0"/>
+        </a:xfrm>
+      </p:grpSpPr>
+      <p:sp>
+        <p:nvSpPr>
+          <p:cNvPr id="86" name="Google Shape;86;g2b19aebb51d_0_0:notes"/>
           <p:cNvSpPr/>
           <p:nvPr>
             <p:ph idx="2" type="sldImg"/>
@@ -1515,7 +1625,7 @@
       </p:sp>
       <p:sp>
         <p:nvSpPr>
-          <p:cNvPr id="81" name="Google Shape;81;g2b19aebb51d_0_0:notes"/>
+          <p:cNvPr id="87" name="Google Shape;87;g2b19aebb51d_0_0:notes"/>
           <p:cNvSpPr txBox="1"/>
           <p:nvPr>
             <p:ph idx="1" type="body"/>
@@ -1551,105 +1661,6 @@
             <a:endParaRPr/>
           </a:p>
         </p:txBody>
-      </p:sp>
-    </p:spTree>
-  </p:cSld>
-  <p:clrMapOvr>
-    <a:masterClrMapping/>
-  </p:clrMapOvr>
-</p:notes>
-</file>
-
-<file path=ppt/notesSlides/notesSlide5.xml><?xml version="1.0" encoding="utf-8"?>
-<p:notes xmlns:a="http://schemas.openxmlformats.org/drawingml/2006/main" xmlns:r="http://schemas.openxmlformats.org/officeDocument/2006/relationships" xmlns:mc="http://schemas.openxmlformats.org/markup-compatibility/2006" xmlns:mv="urn:schemas-microsoft-com:mac:vml" xmlns:p="http://schemas.openxmlformats.org/presentationml/2006/main" xmlns:c="http://schemas.openxmlformats.org/drawingml/2006/chart" xmlns:dgm="http://schemas.openxmlformats.org/drawingml/2006/diagram" xmlns:o="urn:schemas-microsoft-com:office:office" xmlns:v="urn:schemas-microsoft-com:vml" xmlns:pvml="urn:schemas-microsoft-com:office:powerpoint" xmlns:com="http://schemas.openxmlformats.org/drawingml/2006/compatibility" xmlns:p14="http://schemas.microsoft.com/office/powerpoint/2010/main" xmlns:p15="http://schemas.microsoft.com/office/powerpoint/2012/main" xmlns:ahyp="http://schemas.microsoft.com/office/drawing/2018/hyperlinkcolor" showMasterPhAnim="0" showMasterSp="0">
-  <p:cSld>
-    <p:spTree>
-      <p:nvGrpSpPr>
-        <p:cNvPr id="85" name="Shape 85"/>
-        <p:cNvGrpSpPr/>
-        <p:nvPr/>
-      </p:nvGrpSpPr>
-      <p:grpSpPr>
-        <a:xfrm>
-          <a:off x="0" y="0"/>
-          <a:ext cx="0" cy="0"/>
-          <a:chOff x="0" y="0"/>
-          <a:chExt cx="0" cy="0"/>
-        </a:xfrm>
-      </p:grpSpPr>
-      <p:sp>
-        <p:nvSpPr>
-          <p:cNvPr id="86" name="Google Shape;86;p4:notes"/>
-          <p:cNvSpPr txBox="1"/>
-          <p:nvPr>
-            <p:ph idx="1" type="body"/>
-          </p:nvPr>
-        </p:nvSpPr>
-        <p:spPr>
-          <a:xfrm>
-            <a:off x="685800" y="4343400"/>
-            <a:ext cx="5486400" cy="4114800"/>
-          </a:xfrm>
-          <a:prstGeom prst="rect">
-            <a:avLst/>
-          </a:prstGeom>
-        </p:spPr>
-        <p:txBody>
-          <a:bodyPr anchorCtr="0" anchor="t" bIns="91425" lIns="91425" spcFirstLastPara="1" rIns="91425" wrap="square" tIns="91425">
-            <a:noAutofit/>
-          </a:bodyPr>
-          <a:lstStyle/>
-          <a:p>
-            <a:pPr indent="0" lvl="0" marL="0" rtl="0" algn="l">
-              <a:spcBef>
-                <a:spcPts val="0"/>
-              </a:spcBef>
-              <a:spcAft>
-                <a:spcPts val="0"/>
-              </a:spcAft>
-              <a:buNone/>
-            </a:pPr>
-            <a:r>
-              <a:t/>
-            </a:r>
-            <a:endParaRPr/>
-          </a:p>
-        </p:txBody>
-      </p:sp>
-      <p:sp>
-        <p:nvSpPr>
-          <p:cNvPr id="87" name="Google Shape;87;p4:notes"/>
-          <p:cNvSpPr/>
-          <p:nvPr>
-            <p:ph idx="2" type="sldImg"/>
-          </p:nvPr>
-        </p:nvSpPr>
-        <p:spPr>
-          <a:xfrm>
-            <a:off x="1143225" y="685800"/>
-            <a:ext cx="4572225" cy="3429000"/>
-          </a:xfrm>
-          <a:custGeom>
-            <a:rect b="b" l="l" r="r" t="t"/>
-            <a:pathLst>
-              <a:path extrusionOk="0" h="120000" w="120000">
-                <a:moveTo>
-                  <a:pt x="0" y="0"/>
-                </a:moveTo>
-                <a:lnTo>
-                  <a:pt x="120000" y="0"/>
-                </a:lnTo>
-                <a:lnTo>
-                  <a:pt x="120000" y="120000"/>
-                </a:lnTo>
-                <a:lnTo>
-                  <a:pt x="0" y="120000"/>
-                </a:lnTo>
-                <a:close/>
-              </a:path>
-            </a:pathLst>
-          </a:custGeom>
-        </p:spPr>
       </p:sp>
     </p:spTree>
   </p:cSld>
@@ -8323,7 +8334,7 @@
             </a:pPr>
             <a:r>
               <a:rPr lang="en-US"/>
-              <a:t>Docker</a:t>
+              <a:t>Local Dev &amp; Docker</a:t>
             </a:r>
             <a:endParaRPr/>
           </a:p>
@@ -8891,10 +8902,10 @@
               <a:buChar char="●"/>
             </a:pPr>
             <a:r>
-              <a:rPr lang="en-US"/>
+              <a:rPr b="1" lang="en-US"/>
               <a:t>For sprint 1:</a:t>
             </a:r>
-            <a:endParaRPr/>
+            <a:endParaRPr b="1"/>
           </a:p>
           <a:p>
             <a:pPr indent="-228600" lvl="1" marL="685800" rtl="0" algn="l">
@@ -9063,23 +9074,22 @@
       </p:sp>
       <p:pic>
         <p:nvPicPr>
-          <p:cNvPr descr="A screenshot of a graph&#10;&#10;Description automatically generated" id="78" name="Google Shape;78;p16"/>
+          <p:cNvPr id="78" name="Google Shape;78;p16"/>
           <p:cNvPicPr preferRelativeResize="0"/>
-          <p:nvPr>
-            <p:ph idx="1" type="body"/>
-          </p:nvPr>
+          <p:nvPr/>
         </p:nvPicPr>
-        <p:blipFill rotWithShape="1">
+        <p:blipFill>
           <a:blip r:embed="rId3">
             <a:alphaModFix/>
           </a:blip>
-          <a:srcRect b="0" l="0" r="0" t="0"/>
-          <a:stretch/>
+          <a:stretch>
+            <a:fillRect/>
+          </a:stretch>
         </p:blipFill>
         <p:spPr>
           <a:xfrm>
-            <a:off x="2347783" y="1466654"/>
-            <a:ext cx="7068065" cy="5396330"/>
+            <a:off x="1097250" y="1599035"/>
+            <a:ext cx="9476750" cy="5050341"/>
           </a:xfrm>
           <a:prstGeom prst="rect">
             <a:avLst/>
@@ -9126,11 +9136,15 @@
         <p:spPr>
           <a:xfrm>
             <a:off x="838200" y="365125"/>
-            <a:ext cx="10515600" cy="1325700"/>
+            <a:ext cx="10515600" cy="1325563"/>
           </a:xfrm>
           <a:prstGeom prst="rect">
             <a:avLst/>
           </a:prstGeom>
+          <a:noFill/>
+          <a:ln>
+            <a:noFill/>
+          </a:ln>
         </p:spPr>
         <p:txBody>
           <a:bodyPr anchorCtr="0" anchor="ctr" bIns="45700" lIns="91425" spcFirstLastPara="1" rIns="91425" wrap="square" tIns="45700">
@@ -9139,17 +9153,25 @@
           <a:lstStyle/>
           <a:p>
             <a:pPr indent="0" lvl="0" marL="0" rtl="0" algn="l">
-              <a:spcBef>
-                <a:spcPts val="0"/>
-              </a:spcBef>
-              <a:spcAft>
-                <a:spcPts val="0"/>
-              </a:spcAft>
+              <a:lnSpc>
+                <a:spcPct val="90000"/>
+              </a:lnSpc>
+              <a:spcBef>
+                <a:spcPts val="0"/>
+              </a:spcBef>
+              <a:spcAft>
+                <a:spcPts val="0"/>
+              </a:spcAft>
+              <a:buClr>
+                <a:schemeClr val="dk1"/>
+              </a:buClr>
+              <a:buSzPts val="4400"/>
+              <a:buFont typeface="Calibri"/>
               <a:buNone/>
             </a:pPr>
             <a:r>
               <a:rPr lang="en-US"/>
-              <a:t>Nour- Weights Completed: 12</a:t>
+              <a:t>Rehan - Weights Completed: 17</a:t>
             </a:r>
             <a:endParaRPr/>
           </a:p>
@@ -9166,11 +9188,15 @@
         <p:spPr>
           <a:xfrm>
             <a:off x="838200" y="1825625"/>
-            <a:ext cx="10515600" cy="4351200"/>
+            <a:ext cx="10515600" cy="4351338"/>
           </a:xfrm>
           <a:prstGeom prst="rect">
             <a:avLst/>
           </a:prstGeom>
+          <a:noFill/>
+          <a:ln>
+            <a:noFill/>
+          </a:ln>
         </p:spPr>
         <p:txBody>
           <a:bodyPr anchorCtr="0" anchor="t" bIns="45700" lIns="91425" spcFirstLastPara="1" rIns="91425" wrap="square" tIns="45700">
@@ -9183,7 +9209,7 @@
                 <a:spcPct val="150000"/>
               </a:lnSpc>
               <a:spcBef>
-                <a:spcPts val="1000"/>
+                <a:spcPts val="0"/>
               </a:spcBef>
               <a:spcAft>
                 <a:spcPts val="0"/>
@@ -9193,7 +9219,7 @@
             </a:pPr>
             <a:r>
               <a:rPr lang="en-US"/>
-              <a:t>Completed About Me Section</a:t>
+              <a:t>Research + setting up local development using Docker with Ivan</a:t>
             </a:r>
             <a:endParaRPr/>
           </a:p>
@@ -9213,7 +9239,27 @@
             </a:pPr>
             <a:r>
               <a:rPr lang="en-US"/>
-              <a:t>Did a research for CI/CD</a:t>
+              <a:t>Merged/consolidated code regarding the About Us page with Ivan</a:t>
+            </a:r>
+            <a:endParaRPr/>
+          </a:p>
+          <a:p>
+            <a:pPr indent="-342900" lvl="1" marL="914400" rtl="0" algn="l">
+              <a:lnSpc>
+                <a:spcPct val="150000"/>
+              </a:lnSpc>
+              <a:spcBef>
+                <a:spcPts val="0"/>
+              </a:spcBef>
+              <a:spcAft>
+                <a:spcPts val="0"/>
+              </a:spcAft>
+              <a:buSzPts val="1800"/>
+              <a:buChar char="○"/>
+            </a:pPr>
+            <a:r>
+              <a:rPr lang="en-US"/>
+              <a:t>Created folder structure, linked and cleaned up pages</a:t>
             </a:r>
             <a:endParaRPr/>
           </a:p>
@@ -9233,7 +9279,27 @@
             </a:pPr>
             <a:r>
               <a:rPr lang="en-US"/>
-              <a:t>Setting up the CI/CD Pipeline </a:t>
+              <a:t>Completed About Me snippet</a:t>
+            </a:r>
+            <a:endParaRPr/>
+          </a:p>
+          <a:p>
+            <a:pPr indent="-342900" lvl="0" marL="457200" rtl="0" algn="l">
+              <a:lnSpc>
+                <a:spcPct val="150000"/>
+              </a:lnSpc>
+              <a:spcBef>
+                <a:spcPts val="0"/>
+              </a:spcBef>
+              <a:spcAft>
+                <a:spcPts val="0"/>
+              </a:spcAft>
+              <a:buSzPts val="1800"/>
+              <a:buChar char="●"/>
+            </a:pPr>
+            <a:r>
+              <a:rPr lang="en-US"/>
+              <a:t>Managed tickets and tasks</a:t>
             </a:r>
             <a:endParaRPr/>
           </a:p>
@@ -9275,15 +9341,11 @@
         <p:spPr>
           <a:xfrm>
             <a:off x="838200" y="365125"/>
-            <a:ext cx="10515600" cy="1325563"/>
+            <a:ext cx="10515600" cy="1325700"/>
           </a:xfrm>
           <a:prstGeom prst="rect">
             <a:avLst/>
           </a:prstGeom>
-          <a:noFill/>
-          <a:ln>
-            <a:noFill/>
-          </a:ln>
         </p:spPr>
         <p:txBody>
           <a:bodyPr anchorCtr="0" anchor="ctr" bIns="45700" lIns="91425" spcFirstLastPara="1" rIns="91425" wrap="square" tIns="45700">
@@ -9292,25 +9354,17 @@
           <a:lstStyle/>
           <a:p>
             <a:pPr indent="0" lvl="0" marL="0" rtl="0" algn="l">
-              <a:lnSpc>
-                <a:spcPct val="90000"/>
-              </a:lnSpc>
-              <a:spcBef>
-                <a:spcPts val="0"/>
-              </a:spcBef>
-              <a:spcAft>
-                <a:spcPts val="0"/>
-              </a:spcAft>
-              <a:buClr>
-                <a:schemeClr val="dk1"/>
-              </a:buClr>
-              <a:buSzPts val="4400"/>
-              <a:buFont typeface="Calibri"/>
+              <a:spcBef>
+                <a:spcPts val="0"/>
+              </a:spcBef>
+              <a:spcAft>
+                <a:spcPts val="0"/>
+              </a:spcAft>
               <a:buNone/>
             </a:pPr>
             <a:r>
               <a:rPr lang="en-US"/>
-              <a:t>Rehan - Weights Completed: 16?</a:t>
+              <a:t>Nour- Weights Completed: 12</a:t>
             </a:r>
             <a:endParaRPr/>
           </a:p>
@@ -9327,15 +9381,11 @@
         <p:spPr>
           <a:xfrm>
             <a:off x="838200" y="1825625"/>
-            <a:ext cx="10515600" cy="4351338"/>
+            <a:ext cx="10515600" cy="4351200"/>
           </a:xfrm>
           <a:prstGeom prst="rect">
             <a:avLst/>
           </a:prstGeom>
-          <a:noFill/>
-          <a:ln>
-            <a:noFill/>
-          </a:ln>
         </p:spPr>
         <p:txBody>
           <a:bodyPr anchorCtr="0" anchor="t" bIns="45700" lIns="91425" spcFirstLastPara="1" rIns="91425" wrap="square" tIns="45700">
@@ -9348,7 +9398,7 @@
                 <a:spcPct val="150000"/>
               </a:lnSpc>
               <a:spcBef>
-                <a:spcPts val="0"/>
+                <a:spcPts val="1000"/>
               </a:spcBef>
               <a:spcAft>
                 <a:spcPts val="0"/>
@@ -9358,7 +9408,7 @@
             </a:pPr>
             <a:r>
               <a:rPr lang="en-US"/>
-              <a:t>Research + setting up local development using Docker with Ivan</a:t>
+              <a:t>Completed About Me Section</a:t>
             </a:r>
             <a:endParaRPr/>
           </a:p>
@@ -9378,27 +9428,7 @@
             </a:pPr>
             <a:r>
               <a:rPr lang="en-US"/>
-              <a:t>Merged/consolidated code regarding the About Us page with Ivan</a:t>
-            </a:r>
-            <a:endParaRPr/>
-          </a:p>
-          <a:p>
-            <a:pPr indent="-342900" lvl="1" marL="914400" rtl="0" algn="l">
-              <a:lnSpc>
-                <a:spcPct val="150000"/>
-              </a:lnSpc>
-              <a:spcBef>
-                <a:spcPts val="0"/>
-              </a:spcBef>
-              <a:spcAft>
-                <a:spcPts val="0"/>
-              </a:spcAft>
-              <a:buSzPts val="1800"/>
-              <a:buChar char="○"/>
-            </a:pPr>
-            <a:r>
-              <a:rPr lang="en-US"/>
-              <a:t>Created folder structure, linked and cleaned up pages</a:t>
+              <a:t>Did a research for CI/CD</a:t>
             </a:r>
             <a:endParaRPr/>
           </a:p>
@@ -9418,27 +9448,7 @@
             </a:pPr>
             <a:r>
               <a:rPr lang="en-US"/>
-              <a:t>Completed About Me snippet</a:t>
-            </a:r>
-            <a:endParaRPr/>
-          </a:p>
-          <a:p>
-            <a:pPr indent="-342900" lvl="0" marL="457200" rtl="0" algn="l">
-              <a:lnSpc>
-                <a:spcPct val="150000"/>
-              </a:lnSpc>
-              <a:spcBef>
-                <a:spcPts val="0"/>
-              </a:spcBef>
-              <a:spcAft>
-                <a:spcPts val="0"/>
-              </a:spcAft>
-              <a:buSzPts val="1800"/>
-              <a:buChar char="●"/>
-            </a:pPr>
-            <a:r>
-              <a:rPr lang="en-US"/>
-              <a:t>Managed tickets and tasks</a:t>
+              <a:t>Setting up the CI/CD Pipeline </a:t>
             </a:r>
             <a:endParaRPr/>
           </a:p>

--- a/CIS4250_Retrospective.pptx
+++ b/CIS4250_Retrospective.pptx
@@ -797,7 +797,7 @@
   <p:cSld>
     <p:spTree>
       <p:nvGrpSpPr>
-        <p:cNvPr id="115" name="Shape 115"/>
+        <p:cNvPr id="116" name="Shape 116"/>
         <p:cNvGrpSpPr/>
         <p:nvPr/>
       </p:nvGrpSpPr>
@@ -811,7 +811,7 @@
       </p:grpSpPr>
       <p:sp>
         <p:nvSpPr>
-          <p:cNvPr id="116" name="Google Shape;116;p5:notes"/>
+          <p:cNvPr id="117" name="Google Shape;117;p5:notes"/>
           <p:cNvSpPr txBox="1"/>
           <p:nvPr>
             <p:ph idx="1" type="body"/>
@@ -850,7 +850,7 @@
       </p:sp>
       <p:sp>
         <p:nvSpPr>
-          <p:cNvPr id="117" name="Google Shape;117;p5:notes"/>
+          <p:cNvPr id="118" name="Google Shape;118;p5:notes"/>
           <p:cNvSpPr/>
           <p:nvPr>
             <p:ph idx="2" type="sldImg"/>
@@ -896,7 +896,7 @@
   <p:cSld>
     <p:spTree>
       <p:nvGrpSpPr>
-        <p:cNvPr id="121" name="Shape 121"/>
+        <p:cNvPr id="122" name="Shape 122"/>
         <p:cNvGrpSpPr/>
         <p:nvPr/>
       </p:nvGrpSpPr>
@@ -910,7 +910,7 @@
       </p:grpSpPr>
       <p:sp>
         <p:nvSpPr>
-          <p:cNvPr id="122" name="Google Shape;122;p6:notes"/>
+          <p:cNvPr id="123" name="Google Shape;123;p6:notes"/>
           <p:cNvSpPr txBox="1"/>
           <p:nvPr>
             <p:ph idx="1" type="body"/>
@@ -949,7 +949,7 @@
       </p:sp>
       <p:sp>
         <p:nvSpPr>
-          <p:cNvPr id="123" name="Google Shape;123;p6:notes"/>
+          <p:cNvPr id="124" name="Google Shape;124;p6:notes"/>
           <p:cNvSpPr/>
           <p:nvPr>
             <p:ph idx="2" type="sldImg"/>
@@ -995,7 +995,7 @@
   <p:cSld>
     <p:spTree>
       <p:nvGrpSpPr>
-        <p:cNvPr id="127" name="Shape 127"/>
+        <p:cNvPr id="128" name="Shape 128"/>
         <p:cNvGrpSpPr/>
         <p:nvPr/>
       </p:nvGrpSpPr>
@@ -1009,7 +1009,7 @@
       </p:grpSpPr>
       <p:sp>
         <p:nvSpPr>
-          <p:cNvPr id="128" name="Google Shape;128;p7:notes"/>
+          <p:cNvPr id="129" name="Google Shape;129;p7:notes"/>
           <p:cNvSpPr txBox="1"/>
           <p:nvPr>
             <p:ph idx="1" type="body"/>
@@ -1048,7 +1048,7 @@
       </p:sp>
       <p:sp>
         <p:nvSpPr>
-          <p:cNvPr id="129" name="Google Shape;129;p7:notes"/>
+          <p:cNvPr id="130" name="Google Shape;130;p7:notes"/>
           <p:cNvSpPr/>
           <p:nvPr>
             <p:ph idx="2" type="sldImg"/>
@@ -1094,7 +1094,7 @@
   <p:cSld>
     <p:spTree>
       <p:nvGrpSpPr>
-        <p:cNvPr id="133" name="Shape 133"/>
+        <p:cNvPr id="134" name="Shape 134"/>
         <p:cNvGrpSpPr/>
         <p:nvPr/>
       </p:nvGrpSpPr>
@@ -1108,7 +1108,7 @@
       </p:grpSpPr>
       <p:sp>
         <p:nvSpPr>
-          <p:cNvPr id="134" name="Google Shape;134;g2b19aebaf4f_0_5:notes"/>
+          <p:cNvPr id="135" name="Google Shape;135;g2b19aebaf4f_0_5:notes"/>
           <p:cNvSpPr/>
           <p:nvPr>
             <p:ph idx="2" type="sldImg"/>
@@ -1143,7 +1143,7 @@
       </p:sp>
       <p:sp>
         <p:nvSpPr>
-          <p:cNvPr id="135" name="Google Shape;135;g2b19aebaf4f_0_5:notes"/>
+          <p:cNvPr id="136" name="Google Shape;136;g2b19aebaf4f_0_5:notes"/>
           <p:cNvSpPr txBox="1"/>
           <p:nvPr>
             <p:ph idx="1" type="body"/>
@@ -1477,7 +1477,7 @@
   <p:cSld>
     <p:spTree>
       <p:nvGrpSpPr>
-        <p:cNvPr id="79" name="Shape 79"/>
+        <p:cNvPr id="80" name="Shape 80"/>
         <p:cNvGrpSpPr/>
         <p:nvPr/>
       </p:nvGrpSpPr>
@@ -1491,7 +1491,7 @@
       </p:grpSpPr>
       <p:sp>
         <p:nvSpPr>
-          <p:cNvPr id="80" name="Google Shape;80;p4:notes"/>
+          <p:cNvPr id="81" name="Google Shape;81;p4:notes"/>
           <p:cNvSpPr txBox="1"/>
           <p:nvPr>
             <p:ph idx="1" type="body"/>
@@ -1530,7 +1530,7 @@
       </p:sp>
       <p:sp>
         <p:nvSpPr>
-          <p:cNvPr id="81" name="Google Shape;81;p4:notes"/>
+          <p:cNvPr id="82" name="Google Shape;82;p4:notes"/>
           <p:cNvSpPr/>
           <p:nvPr>
             <p:ph idx="2" type="sldImg"/>
@@ -1576,7 +1576,7 @@
   <p:cSld>
     <p:spTree>
       <p:nvGrpSpPr>
-        <p:cNvPr id="85" name="Shape 85"/>
+        <p:cNvPr id="86" name="Shape 86"/>
         <p:cNvGrpSpPr/>
         <p:nvPr/>
       </p:nvGrpSpPr>
@@ -1590,7 +1590,7 @@
       </p:grpSpPr>
       <p:sp>
         <p:nvSpPr>
-          <p:cNvPr id="86" name="Google Shape;86;g2b19aebb51d_0_0:notes"/>
+          <p:cNvPr id="87" name="Google Shape;87;g2b19aebb51d_0_0:notes"/>
           <p:cNvSpPr/>
           <p:nvPr>
             <p:ph idx="2" type="sldImg"/>
@@ -1625,7 +1625,7 @@
       </p:sp>
       <p:sp>
         <p:nvSpPr>
-          <p:cNvPr id="87" name="Google Shape;87;g2b19aebb51d_0_0:notes"/>
+          <p:cNvPr id="88" name="Google Shape;88;g2b19aebb51d_0_0:notes"/>
           <p:cNvSpPr txBox="1"/>
           <p:nvPr>
             <p:ph idx="1" type="body"/>
@@ -1675,7 +1675,7 @@
   <p:cSld>
     <p:spTree>
       <p:nvGrpSpPr>
-        <p:cNvPr id="91" name="Shape 91"/>
+        <p:cNvPr id="92" name="Shape 92"/>
         <p:cNvGrpSpPr/>
         <p:nvPr/>
       </p:nvGrpSpPr>
@@ -1689,7 +1689,7 @@
       </p:grpSpPr>
       <p:sp>
         <p:nvSpPr>
-          <p:cNvPr id="92" name="Google Shape;92;g2b1a2e806fe_0_0:notes"/>
+          <p:cNvPr id="93" name="Google Shape;93;g2b1a2e806fe_0_0:notes"/>
           <p:cNvSpPr txBox="1"/>
           <p:nvPr>
             <p:ph idx="1" type="body"/>
@@ -1728,7 +1728,7 @@
       </p:sp>
       <p:sp>
         <p:nvSpPr>
-          <p:cNvPr id="93" name="Google Shape;93;g2b1a2e806fe_0_0:notes"/>
+          <p:cNvPr id="94" name="Google Shape;94;g2b1a2e806fe_0_0:notes"/>
           <p:cNvSpPr/>
           <p:nvPr>
             <p:ph idx="2" type="sldImg"/>
@@ -1774,7 +1774,7 @@
   <p:cSld>
     <p:spTree>
       <p:nvGrpSpPr>
-        <p:cNvPr id="97" name="Shape 97"/>
+        <p:cNvPr id="98" name="Shape 98"/>
         <p:cNvGrpSpPr/>
         <p:nvPr/>
       </p:nvGrpSpPr>
@@ -1788,7 +1788,7 @@
       </p:grpSpPr>
       <p:sp>
         <p:nvSpPr>
-          <p:cNvPr id="98" name="Google Shape;98;g2664875a435_5_0:notes"/>
+          <p:cNvPr id="99" name="Google Shape;99;g2664875a435_5_0:notes"/>
           <p:cNvSpPr txBox="1"/>
           <p:nvPr>
             <p:ph idx="1" type="body"/>
@@ -1827,7 +1827,7 @@
       </p:sp>
       <p:sp>
         <p:nvSpPr>
-          <p:cNvPr id="99" name="Google Shape;99;g2664875a435_5_0:notes"/>
+          <p:cNvPr id="100" name="Google Shape;100;g2664875a435_5_0:notes"/>
           <p:cNvSpPr/>
           <p:nvPr>
             <p:ph idx="2" type="sldImg"/>
@@ -1873,7 +1873,7 @@
   <p:cSld>
     <p:spTree>
       <p:nvGrpSpPr>
-        <p:cNvPr id="103" name="Shape 103"/>
+        <p:cNvPr id="104" name="Shape 104"/>
         <p:cNvGrpSpPr/>
         <p:nvPr/>
       </p:nvGrpSpPr>
@@ -1887,7 +1887,7 @@
       </p:grpSpPr>
       <p:sp>
         <p:nvSpPr>
-          <p:cNvPr id="104" name="Google Shape;104;g2664875a435_4_0:notes"/>
+          <p:cNvPr id="105" name="Google Shape;105;g2664875a435_4_0:notes"/>
           <p:cNvSpPr/>
           <p:nvPr>
             <p:ph idx="2" type="sldImg"/>
@@ -1922,7 +1922,7 @@
       </p:sp>
       <p:sp>
         <p:nvSpPr>
-          <p:cNvPr id="105" name="Google Shape;105;g2664875a435_4_0:notes"/>
+          <p:cNvPr id="106" name="Google Shape;106;g2664875a435_4_0:notes"/>
           <p:cNvSpPr txBox="1"/>
           <p:nvPr>
             <p:ph idx="1" type="body"/>
@@ -1972,7 +1972,7 @@
   <p:cSld>
     <p:spTree>
       <p:nvGrpSpPr>
-        <p:cNvPr id="109" name="Shape 109"/>
+        <p:cNvPr id="110" name="Shape 110"/>
         <p:cNvGrpSpPr/>
         <p:nvPr/>
       </p:nvGrpSpPr>
@@ -1986,7 +1986,7 @@
       </p:grpSpPr>
       <p:sp>
         <p:nvSpPr>
-          <p:cNvPr id="110" name="Google Shape;110;g26649be14ca_0_5:notes"/>
+          <p:cNvPr id="111" name="Google Shape;111;g26649be14ca_0_5:notes"/>
           <p:cNvSpPr/>
           <p:nvPr>
             <p:ph idx="2" type="sldImg"/>
@@ -2021,7 +2021,7 @@
       </p:sp>
       <p:sp>
         <p:nvSpPr>
-          <p:cNvPr id="111" name="Google Shape;111;g26649be14ca_0_5:notes"/>
+          <p:cNvPr id="112" name="Google Shape;112;g26649be14ca_0_5:notes"/>
           <p:cNvSpPr txBox="1"/>
           <p:nvPr>
             <p:ph idx="1" type="body"/>
@@ -8188,7 +8188,7 @@
   <p:cSld>
     <p:spTree>
       <p:nvGrpSpPr>
-        <p:cNvPr id="118" name="Shape 118"/>
+        <p:cNvPr id="119" name="Shape 119"/>
         <p:cNvGrpSpPr/>
         <p:nvPr/>
       </p:nvGrpSpPr>
@@ -8202,7 +8202,7 @@
       </p:grpSpPr>
       <p:sp>
         <p:nvSpPr>
-          <p:cNvPr id="119" name="Google Shape;119;p23"/>
+          <p:cNvPr id="120" name="Google Shape;120;p23"/>
           <p:cNvSpPr txBox="1"/>
           <p:nvPr>
             <p:ph type="title"/>
@@ -8254,7 +8254,7 @@
       </p:sp>
       <p:sp>
         <p:nvSpPr>
-          <p:cNvPr id="120" name="Google Shape;120;p23"/>
+          <p:cNvPr id="121" name="Google Shape;121;p23"/>
           <p:cNvSpPr txBox="1"/>
           <p:nvPr>
             <p:ph idx="1" type="body"/>
@@ -8353,7 +8353,7 @@
   <p:cSld>
     <p:spTree>
       <p:nvGrpSpPr>
-        <p:cNvPr id="124" name="Shape 124"/>
+        <p:cNvPr id="125" name="Shape 125"/>
         <p:cNvGrpSpPr/>
         <p:nvPr/>
       </p:nvGrpSpPr>
@@ -8367,7 +8367,7 @@
       </p:grpSpPr>
       <p:sp>
         <p:nvSpPr>
-          <p:cNvPr id="125" name="Google Shape;125;p24"/>
+          <p:cNvPr id="126" name="Google Shape;126;p24"/>
           <p:cNvSpPr txBox="1"/>
           <p:nvPr>
             <p:ph type="title"/>
@@ -8419,7 +8419,7 @@
       </p:sp>
       <p:sp>
         <p:nvSpPr>
-          <p:cNvPr id="126" name="Google Shape;126;p24"/>
+          <p:cNvPr id="127" name="Google Shape;127;p24"/>
           <p:cNvSpPr txBox="1"/>
           <p:nvPr>
             <p:ph idx="1" type="body"/>
@@ -8538,7 +8538,7 @@
   <p:cSld>
     <p:spTree>
       <p:nvGrpSpPr>
-        <p:cNvPr id="130" name="Shape 130"/>
+        <p:cNvPr id="131" name="Shape 131"/>
         <p:cNvGrpSpPr/>
         <p:nvPr/>
       </p:nvGrpSpPr>
@@ -8552,7 +8552,7 @@
       </p:grpSpPr>
       <p:sp>
         <p:nvSpPr>
-          <p:cNvPr id="131" name="Google Shape;131;p25"/>
+          <p:cNvPr id="132" name="Google Shape;132;p25"/>
           <p:cNvSpPr txBox="1"/>
           <p:nvPr>
             <p:ph type="title"/>
@@ -8604,7 +8604,7 @@
       </p:sp>
       <p:sp>
         <p:nvSpPr>
-          <p:cNvPr id="132" name="Google Shape;132;p25"/>
+          <p:cNvPr id="133" name="Google Shape;133;p25"/>
           <p:cNvSpPr txBox="1"/>
           <p:nvPr>
             <p:ph idx="1" type="body"/>
@@ -8683,7 +8683,7 @@
   <p:cSld>
     <p:spTree>
       <p:nvGrpSpPr>
-        <p:cNvPr id="136" name="Shape 136"/>
+        <p:cNvPr id="137" name="Shape 137"/>
         <p:cNvGrpSpPr/>
         <p:nvPr/>
       </p:nvGrpSpPr>
@@ -8697,7 +8697,7 @@
       </p:grpSpPr>
       <p:sp>
         <p:nvSpPr>
-          <p:cNvPr id="137" name="Google Shape;137;p26"/>
+          <p:cNvPr id="138" name="Google Shape;138;p26"/>
           <p:cNvSpPr txBox="1"/>
           <p:nvPr>
             <p:ph type="title"/>
@@ -8737,7 +8737,7 @@
       </p:sp>
       <p:pic>
         <p:nvPicPr>
-          <p:cNvPr id="138" name="Google Shape;138;p26"/>
+          <p:cNvPr id="139" name="Google Shape;139;p26"/>
           <p:cNvPicPr preferRelativeResize="0"/>
           <p:nvPr/>
         </p:nvPicPr>
@@ -9088,8 +9088,36 @@
         </p:blipFill>
         <p:spPr>
           <a:xfrm>
-            <a:off x="1097250" y="1599035"/>
+            <a:off x="1122675" y="1502860"/>
             <a:ext cx="9476750" cy="5050341"/>
+          </a:xfrm>
+          <a:prstGeom prst="rect">
+            <a:avLst/>
+          </a:prstGeom>
+          <a:noFill/>
+          <a:ln>
+            <a:noFill/>
+          </a:ln>
+        </p:spPr>
+      </p:pic>
+      <p:pic>
+        <p:nvPicPr>
+          <p:cNvPr id="79" name="Google Shape;79;p16"/>
+          <p:cNvPicPr preferRelativeResize="0"/>
+          <p:nvPr/>
+        </p:nvPicPr>
+        <p:blipFill>
+          <a:blip r:embed="rId3">
+            <a:alphaModFix/>
+          </a:blip>
+          <a:stretch>
+            <a:fillRect/>
+          </a:stretch>
+        </p:blipFill>
+        <p:spPr>
+          <a:xfrm>
+            <a:off x="1546650" y="1603589"/>
+            <a:ext cx="9098700" cy="4848874"/>
           </a:xfrm>
           <a:prstGeom prst="rect">
             <a:avLst/>
@@ -9113,7 +9141,7 @@
   <p:cSld>
     <p:spTree>
       <p:nvGrpSpPr>
-        <p:cNvPr id="82" name="Shape 82"/>
+        <p:cNvPr id="83" name="Shape 83"/>
         <p:cNvGrpSpPr/>
         <p:nvPr/>
       </p:nvGrpSpPr>
@@ -9127,7 +9155,7 @@
       </p:grpSpPr>
       <p:sp>
         <p:nvSpPr>
-          <p:cNvPr id="83" name="Google Shape;83;p17"/>
+          <p:cNvPr id="84" name="Google Shape;84;p17"/>
           <p:cNvSpPr txBox="1"/>
           <p:nvPr>
             <p:ph type="title"/>
@@ -9179,7 +9207,7 @@
       </p:sp>
       <p:sp>
         <p:nvSpPr>
-          <p:cNvPr id="84" name="Google Shape;84;p17"/>
+          <p:cNvPr id="85" name="Google Shape;85;p17"/>
           <p:cNvSpPr txBox="1"/>
           <p:nvPr>
             <p:ph idx="1" type="body"/>
@@ -9279,7 +9307,7 @@
             </a:pPr>
             <a:r>
               <a:rPr lang="en-US"/>
-              <a:t>Completed About Me snippet</a:t>
+              <a:t>Completed About Us snippet</a:t>
             </a:r>
             <a:endParaRPr/>
           </a:p>
@@ -9318,7 +9346,7 @@
   <p:cSld>
     <p:spTree>
       <p:nvGrpSpPr>
-        <p:cNvPr id="88" name="Shape 88"/>
+        <p:cNvPr id="89" name="Shape 89"/>
         <p:cNvGrpSpPr/>
         <p:nvPr/>
       </p:nvGrpSpPr>
@@ -9332,7 +9360,7 @@
       </p:grpSpPr>
       <p:sp>
         <p:nvSpPr>
-          <p:cNvPr id="89" name="Google Shape;89;p18"/>
+          <p:cNvPr id="90" name="Google Shape;90;p18"/>
           <p:cNvSpPr txBox="1"/>
           <p:nvPr>
             <p:ph type="title"/>
@@ -9364,7 +9392,7 @@
             </a:pPr>
             <a:r>
               <a:rPr lang="en-US"/>
-              <a:t>Nour- Weights Completed: 12</a:t>
+              <a:t>Nour - Weights Completed: 12</a:t>
             </a:r>
             <a:endParaRPr/>
           </a:p>
@@ -9372,7 +9400,7 @@
       </p:sp>
       <p:sp>
         <p:nvSpPr>
-          <p:cNvPr id="90" name="Google Shape;90;p18"/>
+          <p:cNvPr id="91" name="Google Shape;91;p18"/>
           <p:cNvSpPr txBox="1"/>
           <p:nvPr>
             <p:ph idx="1" type="body"/>
@@ -9408,7 +9436,7 @@
             </a:pPr>
             <a:r>
               <a:rPr lang="en-US"/>
-              <a:t>Completed About Me Section</a:t>
+              <a:t>Completed About Us Section</a:t>
             </a:r>
             <a:endParaRPr/>
           </a:p>
@@ -9428,7 +9456,7 @@
             </a:pPr>
             <a:r>
               <a:rPr lang="en-US"/>
-              <a:t>Did a research for CI/CD</a:t>
+              <a:t>Did research for CI/CD</a:t>
             </a:r>
             <a:endParaRPr/>
           </a:p>
@@ -9448,7 +9476,7 @@
             </a:pPr>
             <a:r>
               <a:rPr lang="en-US"/>
-              <a:t>Setting up the CI/CD Pipeline </a:t>
+              <a:t>Set up the CI/CD Pipeline </a:t>
             </a:r>
             <a:endParaRPr/>
           </a:p>
@@ -9467,7 +9495,7 @@
   <p:cSld>
     <p:spTree>
       <p:nvGrpSpPr>
-        <p:cNvPr id="94" name="Shape 94"/>
+        <p:cNvPr id="95" name="Shape 95"/>
         <p:cNvGrpSpPr/>
         <p:nvPr/>
       </p:nvGrpSpPr>
@@ -9481,7 +9509,7 @@
       </p:grpSpPr>
       <p:sp>
         <p:nvSpPr>
-          <p:cNvPr id="95" name="Google Shape;95;p19"/>
+          <p:cNvPr id="96" name="Google Shape;96;p19"/>
           <p:cNvSpPr txBox="1"/>
           <p:nvPr>
             <p:ph type="title"/>
@@ -9537,7 +9565,7 @@
       </p:sp>
       <p:sp>
         <p:nvSpPr>
-          <p:cNvPr id="96" name="Google Shape;96;p19"/>
+          <p:cNvPr id="97" name="Google Shape;97;p19"/>
           <p:cNvSpPr txBox="1"/>
           <p:nvPr>
             <p:ph idx="1" type="body"/>
@@ -9577,7 +9605,7 @@
             </a:pPr>
             <a:r>
               <a:rPr lang="en-US"/>
-              <a:t>Created About Us page for our project.</a:t>
+              <a:t>Created About Us page</a:t>
             </a:r>
             <a:endParaRPr/>
           </a:p>
@@ -9597,7 +9625,7 @@
             </a:pPr>
             <a:r>
               <a:rPr lang="en-US"/>
-              <a:t>Updated styling for the profile cards and incorporated social media links.</a:t>
+              <a:t>Updated styling for the profile cards and incorporated social media links</a:t>
             </a:r>
             <a:endParaRPr/>
           </a:p>
@@ -9617,7 +9645,7 @@
             </a:pPr>
             <a:r>
               <a:rPr lang="en-US"/>
-              <a:t>Completed About Me snippet.</a:t>
+              <a:t>Completed About Us snippet</a:t>
             </a:r>
             <a:endParaRPr/>
           </a:p>
@@ -9637,7 +9665,7 @@
             </a:pPr>
             <a:r>
               <a:rPr lang="en-US"/>
-              <a:t>Contributed to group meetings and standups. </a:t>
+              <a:t>Contributed to group meetings and standups</a:t>
             </a:r>
             <a:endParaRPr/>
           </a:p>
@@ -9674,7 +9702,7 @@
   <p:cSld>
     <p:spTree>
       <p:nvGrpSpPr>
-        <p:cNvPr id="100" name="Shape 100"/>
+        <p:cNvPr id="101" name="Shape 101"/>
         <p:cNvGrpSpPr/>
         <p:nvPr/>
       </p:nvGrpSpPr>
@@ -9688,7 +9716,7 @@
       </p:grpSpPr>
       <p:sp>
         <p:nvSpPr>
-          <p:cNvPr id="101" name="Google Shape;101;p20"/>
+          <p:cNvPr id="102" name="Google Shape;102;p20"/>
           <p:cNvSpPr txBox="1"/>
           <p:nvPr>
             <p:ph type="title"/>
@@ -9740,7 +9768,7 @@
       </p:sp>
       <p:sp>
         <p:nvSpPr>
-          <p:cNvPr id="102" name="Google Shape;102;p20"/>
+          <p:cNvPr id="103" name="Google Shape;103;p20"/>
           <p:cNvSpPr txBox="1"/>
           <p:nvPr>
             <p:ph idx="1" type="body"/>
@@ -9864,7 +9892,7 @@
             </a:pPr>
             <a:r>
               <a:rPr lang="en-US"/>
-              <a:t>Completed About Me snippet</a:t>
+              <a:t>Completed About Us snippet</a:t>
             </a:r>
             <a:endParaRPr/>
           </a:p>
@@ -9883,7 +9911,7 @@
   <p:cSld>
     <p:spTree>
       <p:nvGrpSpPr>
-        <p:cNvPr id="106" name="Shape 106"/>
+        <p:cNvPr id="107" name="Shape 107"/>
         <p:cNvGrpSpPr/>
         <p:nvPr/>
       </p:nvGrpSpPr>
@@ -9897,7 +9925,7 @@
       </p:grpSpPr>
       <p:sp>
         <p:nvSpPr>
-          <p:cNvPr id="107" name="Google Shape;107;p21"/>
+          <p:cNvPr id="108" name="Google Shape;108;p21"/>
           <p:cNvSpPr txBox="1"/>
           <p:nvPr>
             <p:ph type="title"/>
@@ -9929,7 +9957,7 @@
             </a:pPr>
             <a:r>
               <a:rPr lang="en-US"/>
-              <a:t>Harir</a:t>
+              <a:t>Harir </a:t>
             </a:r>
             <a:r>
               <a:rPr lang="en-US"/>
@@ -9949,7 +9977,7 @@
       </p:sp>
       <p:sp>
         <p:nvSpPr>
-          <p:cNvPr id="108" name="Google Shape;108;p21"/>
+          <p:cNvPr id="109" name="Google Shape;109;p21"/>
           <p:cNvSpPr txBox="1"/>
           <p:nvPr>
             <p:ph idx="1" type="body"/>
@@ -9985,7 +10013,7 @@
             </a:pPr>
             <a:r>
               <a:rPr lang="en-US"/>
-              <a:t>Developed and design the landing page </a:t>
+              <a:t>Developed and designed the landing page </a:t>
             </a:r>
             <a:endParaRPr/>
           </a:p>
@@ -10005,7 +10033,7 @@
             </a:pPr>
             <a:r>
               <a:rPr lang="en-US"/>
-              <a:t>Adding the navigation bar/linking the pages</a:t>
+              <a:t>Added the navigation bar + linked website pages</a:t>
             </a:r>
             <a:endParaRPr/>
           </a:p>
@@ -10025,7 +10053,7 @@
             </a:pPr>
             <a:r>
               <a:rPr lang="en-US"/>
-              <a:t>Worked on writing the read me</a:t>
+              <a:t>Wrote the Readme</a:t>
             </a:r>
             <a:endParaRPr/>
           </a:p>
@@ -10045,7 +10073,7 @@
             </a:pPr>
             <a:r>
               <a:rPr lang="en-US"/>
-              <a:t>About me snippet</a:t>
+              <a:t>Completed About Us snippet</a:t>
             </a:r>
             <a:endParaRPr/>
           </a:p>
@@ -10065,7 +10093,7 @@
             </a:pPr>
             <a:r>
               <a:rPr lang="en-US"/>
-              <a:t>Worked on cleaning the about us page</a:t>
+              <a:t>Cleaned up the About Us page</a:t>
             </a:r>
             <a:endParaRPr/>
           </a:p>
@@ -10120,7 +10148,7 @@
   <p:cSld>
     <p:spTree>
       <p:nvGrpSpPr>
-        <p:cNvPr id="112" name="Shape 112"/>
+        <p:cNvPr id="113" name="Shape 113"/>
         <p:cNvGrpSpPr/>
         <p:nvPr/>
       </p:nvGrpSpPr>
@@ -10134,7 +10162,7 @@
       </p:grpSpPr>
       <p:sp>
         <p:nvSpPr>
-          <p:cNvPr id="113" name="Google Shape;113;p22"/>
+          <p:cNvPr id="114" name="Google Shape;114;p22"/>
           <p:cNvSpPr txBox="1"/>
           <p:nvPr>
             <p:ph type="title"/>
@@ -10166,7 +10194,7 @@
             </a:pPr>
             <a:r>
               <a:rPr lang="en-US"/>
-              <a:t>Thulasi</a:t>
+              <a:t>Thulasi </a:t>
             </a:r>
             <a:r>
               <a:rPr lang="en-US"/>
@@ -10178,7 +10206,7 @@
       </p:sp>
       <p:sp>
         <p:nvSpPr>
-          <p:cNvPr id="114" name="Google Shape;114;p22"/>
+          <p:cNvPr id="115" name="Google Shape;115;p22"/>
           <p:cNvSpPr txBox="1"/>
           <p:nvPr>
             <p:ph idx="1" type="body"/>
@@ -10214,7 +10242,7 @@
             </a:pPr>
             <a:r>
               <a:rPr lang="en-US"/>
-              <a:t>Research on CI/CD pipeline setup and usage in GitLab</a:t>
+              <a:t>Researched CI/CD pipeline setup and usage in GitLab</a:t>
             </a:r>
             <a:endParaRPr/>
           </a:p>
@@ -10234,7 +10262,7 @@
             </a:pPr>
             <a:r>
               <a:rPr lang="en-US"/>
-              <a:t>Setting up the CI/CD Pipeline for our project (Build, Test, Deploy)</a:t>
+              <a:t>Set up the CI/CD Pipeline (Build, Test, Deploy)</a:t>
             </a:r>
             <a:endParaRPr/>
           </a:p>
@@ -10254,7 +10282,7 @@
             </a:pPr>
             <a:r>
               <a:rPr lang="en-US"/>
-              <a:t>CI/CD: Automating HTML File Transfer to Production Server</a:t>
+              <a:t>Automated HTML File Transfer to Production Server using CI/CD</a:t>
             </a:r>
             <a:endParaRPr/>
           </a:p>
@@ -10274,12 +10302,12 @@
             </a:pPr>
             <a:r>
               <a:rPr lang="en-US"/>
-              <a:t>Creating and updating to the Project Wiki</a:t>
+              <a:t>Created and updated the Project Wiki</a:t>
             </a:r>
             <a:endParaRPr/>
           </a:p>
           <a:p>
-            <a:pPr indent="-342900" lvl="0" marL="457200" marR="0" rtl="0" algn="l">
+            <a:pPr indent="-342900" lvl="0" marL="457200" rtl="0" algn="l">
               <a:lnSpc>
                 <a:spcPct val="150000"/>
               </a:lnSpc>
@@ -10294,14 +10322,14 @@
             </a:pPr>
             <a:r>
               <a:rPr lang="en-US"/>
-              <a:t>About me section</a:t>
+              <a:t>Completed About Us snippet</a:t>
             </a:r>
             <a:endParaRPr/>
           </a:p>
           <a:p>
             <a:pPr indent="0" lvl="0" marL="0" rtl="0" algn="l">
               <a:spcBef>
-                <a:spcPts val="1600"/>
+                <a:spcPts val="1000"/>
               </a:spcBef>
               <a:spcAft>
                 <a:spcPts val="0"/>
@@ -10354,6 +10382,285 @@
 </file>
 
 <file path=ppt/theme/theme1.xml><?xml version="1.0" encoding="utf-8"?>
+<a:theme xmlns:a="http://schemas.openxmlformats.org/drawingml/2006/main" xmlns:r="http://schemas.openxmlformats.org/officeDocument/2006/relationships" name="Slate">
+  <a:themeElements>
+    <a:clrScheme name="Slate">
+      <a:dk1>
+        <a:srgbClr val="FFFFFF"/>
+      </a:dk1>
+      <a:lt1>
+        <a:srgbClr val="37474F"/>
+      </a:lt1>
+      <a:dk2>
+        <a:srgbClr val="9E9E9E"/>
+      </a:dk2>
+      <a:lt2>
+        <a:srgbClr val="E0E0E0"/>
+      </a:lt2>
+      <a:accent1>
+        <a:srgbClr val="616161"/>
+      </a:accent1>
+      <a:accent2>
+        <a:srgbClr val="78909C"/>
+      </a:accent2>
+      <a:accent3>
+        <a:srgbClr val="CACACA"/>
+      </a:accent3>
+      <a:accent4>
+        <a:srgbClr val="64FFDA"/>
+      </a:accent4>
+      <a:accent5>
+        <a:srgbClr val="FFD966"/>
+      </a:accent5>
+      <a:accent6>
+        <a:srgbClr val="F5F5F5"/>
+      </a:accent6>
+      <a:hlink>
+        <a:srgbClr val="FFD966"/>
+      </a:hlink>
+      <a:folHlink>
+        <a:srgbClr val="FFD966"/>
+      </a:folHlink>
+    </a:clrScheme>
+    <a:fontScheme name="Office">
+      <a:majorFont>
+        <a:latin typeface="Arial"/>
+        <a:ea typeface=""/>
+        <a:cs typeface=""/>
+        <a:font script="Jpan" typeface="ＭＳ Ｐゴシック"/>
+        <a:font script="Hang" typeface="맑은 고딕"/>
+        <a:font script="Hans" typeface="宋体"/>
+        <a:font script="Hant" typeface="新細明體"/>
+        <a:font script="Arab" typeface="Times New Roman"/>
+        <a:font script="Hebr" typeface="Times New Roman"/>
+        <a:font script="Thai" typeface="Angsana New"/>
+        <a:font script="Ethi" typeface="Nyala"/>
+        <a:font script="Beng" typeface="Vrinda"/>
+        <a:font script="Gujr" typeface="Shruti"/>
+        <a:font script="Khmr" typeface="MoolBoran"/>
+        <a:font script="Knda" typeface="Tunga"/>
+        <a:font script="Guru" typeface="Raavi"/>
+        <a:font script="Cans" typeface="Euphemia"/>
+        <a:font script="Cher" typeface="Plantagenet Cherokee"/>
+        <a:font script="Yiii" typeface="Microsoft Yi Baiti"/>
+        <a:font script="Tibt" typeface="Microsoft Himalaya"/>
+        <a:font script="Thaa" typeface="MV Boli"/>
+        <a:font script="Deva" typeface="Mangal"/>
+        <a:font script="Telu" typeface="Gautami"/>
+        <a:font script="Taml" typeface="Latha"/>
+        <a:font script="Syrc" typeface="Estrangelo Edessa"/>
+        <a:font script="Orya" typeface="Kalinga"/>
+        <a:font script="Mlym" typeface="Kartika"/>
+        <a:font script="Laoo" typeface="DokChampa"/>
+        <a:font script="Sinh" typeface="Iskoola Pota"/>
+        <a:font script="Mong" typeface="Mongolian Baiti"/>
+        <a:font script="Viet" typeface="Times New Roman"/>
+        <a:font script="Uigh" typeface="Microsoft Uighur"/>
+        <a:font script="Geor" typeface="Sylfaen"/>
+      </a:majorFont>
+      <a:minorFont>
+        <a:latin typeface="Arial"/>
+        <a:ea typeface=""/>
+        <a:cs typeface=""/>
+        <a:font script="Jpan" typeface="ＭＳ Ｐゴシック"/>
+        <a:font script="Hang" typeface="맑은 고딕"/>
+        <a:font script="Hans" typeface="宋体"/>
+        <a:font script="Hant" typeface="新細明體"/>
+        <a:font script="Arab" typeface="Arial"/>
+        <a:font script="Hebr" typeface="Arial"/>
+        <a:font script="Thai" typeface="Cordia New"/>
+        <a:font script="Ethi" typeface="Nyala"/>
+        <a:font script="Beng" typeface="Vrinda"/>
+        <a:font script="Gujr" typeface="Shruti"/>
+        <a:font script="Khmr" typeface="DaunPenh"/>
+        <a:font script="Knda" typeface="Tunga"/>
+        <a:font script="Guru" typeface="Raavi"/>
+        <a:font script="Cans" typeface="Euphemia"/>
+        <a:font script="Cher" typeface="Plantagenet Cherokee"/>
+        <a:font script="Yiii" typeface="Microsoft Yi Baiti"/>
+        <a:font script="Tibt" typeface="Microsoft Himalaya"/>
+        <a:font script="Thaa" typeface="MV Boli"/>
+        <a:font script="Deva" typeface="Mangal"/>
+        <a:font script="Telu" typeface="Gautami"/>
+        <a:font script="Taml" typeface="Latha"/>
+        <a:font script="Syrc" typeface="Estrangelo Edessa"/>
+        <a:font script="Orya" typeface="Kalinga"/>
+        <a:font script="Mlym" typeface="Kartika"/>
+        <a:font script="Laoo" typeface="DokChampa"/>
+        <a:font script="Sinh" typeface="Iskoola Pota"/>
+        <a:font script="Mong" typeface="Mongolian Baiti"/>
+        <a:font script="Viet" typeface="Arial"/>
+        <a:font script="Uigh" typeface="Microsoft Uighur"/>
+        <a:font script="Geor" typeface="Sylfaen"/>
+      </a:minorFont>
+    </a:fontScheme>
+    <a:fmtScheme name="Office">
+      <a:fillStyleLst>
+        <a:solidFill>
+          <a:schemeClr val="phClr"/>
+        </a:solidFill>
+        <a:gradFill rotWithShape="1">
+          <a:gsLst>
+            <a:gs pos="0">
+              <a:schemeClr val="phClr">
+                <a:tint val="50000"/>
+                <a:satMod val="300000"/>
+              </a:schemeClr>
+            </a:gs>
+            <a:gs pos="35000">
+              <a:schemeClr val="phClr">
+                <a:tint val="37000"/>
+                <a:satMod val="300000"/>
+              </a:schemeClr>
+            </a:gs>
+            <a:gs pos="100000">
+              <a:schemeClr val="phClr">
+                <a:tint val="15000"/>
+                <a:satMod val="350000"/>
+              </a:schemeClr>
+            </a:gs>
+          </a:gsLst>
+          <a:lin ang="16200000" scaled="1"/>
+        </a:gradFill>
+        <a:gradFill rotWithShape="1">
+          <a:gsLst>
+            <a:gs pos="0">
+              <a:schemeClr val="phClr">
+                <a:tint val="100000"/>
+                <a:shade val="100000"/>
+                <a:satMod val="130000"/>
+              </a:schemeClr>
+            </a:gs>
+            <a:gs pos="100000">
+              <a:schemeClr val="phClr">
+                <a:tint val="50000"/>
+                <a:shade val="100000"/>
+                <a:satMod val="350000"/>
+              </a:schemeClr>
+            </a:gs>
+          </a:gsLst>
+          <a:lin ang="16200000" scaled="0"/>
+        </a:gradFill>
+      </a:fillStyleLst>
+      <a:lnStyleLst>
+        <a:ln w="9525" cap="flat" cmpd="sng" algn="ctr">
+          <a:solidFill>
+            <a:schemeClr val="phClr">
+              <a:shade val="95000"/>
+              <a:satMod val="105000"/>
+            </a:schemeClr>
+          </a:solidFill>
+          <a:prstDash val="solid"/>
+        </a:ln>
+        <a:ln w="25400" cap="flat" cmpd="sng" algn="ctr">
+          <a:solidFill>
+            <a:schemeClr val="phClr"/>
+          </a:solidFill>
+          <a:prstDash val="solid"/>
+        </a:ln>
+        <a:ln w="38100" cap="flat" cmpd="sng" algn="ctr">
+          <a:solidFill>
+            <a:schemeClr val="phClr"/>
+          </a:solidFill>
+          <a:prstDash val="solid"/>
+        </a:ln>
+      </a:lnStyleLst>
+      <a:effectStyleLst>
+        <a:effectStyle>
+          <a:effectLst>
+            <a:outerShdw blurRad="40000" dist="20000" dir="5400000" rotWithShape="0">
+              <a:srgbClr val="000000">
+                <a:alpha val="38000"/>
+              </a:srgbClr>
+            </a:outerShdw>
+          </a:effectLst>
+        </a:effectStyle>
+        <a:effectStyle>
+          <a:effectLst>
+            <a:outerShdw blurRad="40000" dist="23000" dir="5400000" rotWithShape="0">
+              <a:srgbClr val="000000">
+                <a:alpha val="35000"/>
+              </a:srgbClr>
+            </a:outerShdw>
+          </a:effectLst>
+        </a:effectStyle>
+        <a:effectStyle>
+          <a:effectLst>
+            <a:outerShdw blurRad="40000" dist="23000" dir="5400000" rotWithShape="0">
+              <a:srgbClr val="000000">
+                <a:alpha val="35000"/>
+              </a:srgbClr>
+            </a:outerShdw>
+          </a:effectLst>
+          <a:scene3d>
+            <a:camera prst="orthographicFront">
+              <a:rot lat="0" lon="0" rev="0"/>
+            </a:camera>
+            <a:lightRig rig="threePt" dir="t">
+              <a:rot lat="0" lon="0" rev="1200000"/>
+            </a:lightRig>
+          </a:scene3d>
+          <a:sp3d>
+            <a:bevelT w="63500" h="25400"/>
+          </a:sp3d>
+        </a:effectStyle>
+      </a:effectStyleLst>
+      <a:bgFillStyleLst>
+        <a:solidFill>
+          <a:schemeClr val="phClr"/>
+        </a:solidFill>
+        <a:gradFill rotWithShape="1">
+          <a:gsLst>
+            <a:gs pos="0">
+              <a:schemeClr val="phClr">
+                <a:tint val="40000"/>
+                <a:satMod val="350000"/>
+              </a:schemeClr>
+            </a:gs>
+            <a:gs pos="40000">
+              <a:schemeClr val="phClr">
+                <a:tint val="45000"/>
+                <a:shade val="99000"/>
+                <a:satMod val="350000"/>
+              </a:schemeClr>
+            </a:gs>
+            <a:gs pos="100000">
+              <a:schemeClr val="phClr">
+                <a:shade val="20000"/>
+                <a:satMod val="255000"/>
+              </a:schemeClr>
+            </a:gs>
+          </a:gsLst>
+          <a:path path="circle">
+            <a:fillToRect l="50000" t="-80000" r="50000" b="180000"/>
+          </a:path>
+        </a:gradFill>
+        <a:gradFill rotWithShape="1">
+          <a:gsLst>
+            <a:gs pos="0">
+              <a:schemeClr val="phClr">
+                <a:tint val="80000"/>
+                <a:satMod val="300000"/>
+              </a:schemeClr>
+            </a:gs>
+            <a:gs pos="100000">
+              <a:schemeClr val="phClr">
+                <a:shade val="30000"/>
+                <a:satMod val="200000"/>
+              </a:schemeClr>
+            </a:gs>
+          </a:gsLst>
+          <a:path path="circle">
+            <a:fillToRect l="50000" t="50000" r="50000" b="50000"/>
+          </a:path>
+        </a:gradFill>
+      </a:bgFillStyleLst>
+    </a:fmtScheme>
+  </a:themeElements>
+</a:theme>
+</file>
+
+<file path=ppt/theme/theme2.xml><?xml version="1.0" encoding="utf-8"?>
 <a:theme xmlns:a="http://schemas.openxmlformats.org/drawingml/2006/main" xmlns:r="http://schemas.openxmlformats.org/officeDocument/2006/relationships">
   <a:themeElements>
     <a:clrScheme name="Default">
@@ -10630,283 +10937,4 @@
     </a:fmtScheme>
   </a:themeElements>
 </a:theme>
-</file>
-
-<file path=ppt/theme/theme2.xml><?xml version="1.0" encoding="utf-8"?>
-<a:theme xmlns:a="http://schemas.openxmlformats.org/drawingml/2006/main" xmlns:r="http://schemas.openxmlformats.org/officeDocument/2006/relationships" name="Slate">
-  <a:themeElements>
-    <a:clrScheme name="Slate">
-      <a:dk1>
-        <a:srgbClr val="FFFFFF"/>
-      </a:dk1>
-      <a:lt1>
-        <a:srgbClr val="37474F"/>
-      </a:lt1>
-      <a:dk2>
-        <a:srgbClr val="9E9E9E"/>
-      </a:dk2>
-      <a:lt2>
-        <a:srgbClr val="E0E0E0"/>
-      </a:lt2>
-      <a:accent1>
-        <a:srgbClr val="616161"/>
-      </a:accent1>
-      <a:accent2>
-        <a:srgbClr val="78909C"/>
-      </a:accent2>
-      <a:accent3>
-        <a:srgbClr val="CACACA"/>
-      </a:accent3>
-      <a:accent4>
-        <a:srgbClr val="64FFDA"/>
-      </a:accent4>
-      <a:accent5>
-        <a:srgbClr val="FFD966"/>
-      </a:accent5>
-      <a:accent6>
-        <a:srgbClr val="F5F5F5"/>
-      </a:accent6>
-      <a:hlink>
-        <a:srgbClr val="FFD966"/>
-      </a:hlink>
-      <a:folHlink>
-        <a:srgbClr val="FFD966"/>
-      </a:folHlink>
-    </a:clrScheme>
-    <a:fontScheme name="Office">
-      <a:majorFont>
-        <a:latin typeface="Arial"/>
-        <a:ea typeface=""/>
-        <a:cs typeface=""/>
-        <a:font script="Jpan" typeface="ＭＳ Ｐゴシック"/>
-        <a:font script="Hang" typeface="맑은 고딕"/>
-        <a:font script="Hans" typeface="宋体"/>
-        <a:font script="Hant" typeface="新細明體"/>
-        <a:font script="Arab" typeface="Times New Roman"/>
-        <a:font script="Hebr" typeface="Times New Roman"/>
-        <a:font script="Thai" typeface="Angsana New"/>
-        <a:font script="Ethi" typeface="Nyala"/>
-        <a:font script="Beng" typeface="Vrinda"/>
-        <a:font script="Gujr" typeface="Shruti"/>
-        <a:font script="Khmr" typeface="MoolBoran"/>
-        <a:font script="Knda" typeface="Tunga"/>
-        <a:font script="Guru" typeface="Raavi"/>
-        <a:font script="Cans" typeface="Euphemia"/>
-        <a:font script="Cher" typeface="Plantagenet Cherokee"/>
-        <a:font script="Yiii" typeface="Microsoft Yi Baiti"/>
-        <a:font script="Tibt" typeface="Microsoft Himalaya"/>
-        <a:font script="Thaa" typeface="MV Boli"/>
-        <a:font script="Deva" typeface="Mangal"/>
-        <a:font script="Telu" typeface="Gautami"/>
-        <a:font script="Taml" typeface="Latha"/>
-        <a:font script="Syrc" typeface="Estrangelo Edessa"/>
-        <a:font script="Orya" typeface="Kalinga"/>
-        <a:font script="Mlym" typeface="Kartika"/>
-        <a:font script="Laoo" typeface="DokChampa"/>
-        <a:font script="Sinh" typeface="Iskoola Pota"/>
-        <a:font script="Mong" typeface="Mongolian Baiti"/>
-        <a:font script="Viet" typeface="Times New Roman"/>
-        <a:font script="Uigh" typeface="Microsoft Uighur"/>
-        <a:font script="Geor" typeface="Sylfaen"/>
-      </a:majorFont>
-      <a:minorFont>
-        <a:latin typeface="Arial"/>
-        <a:ea typeface=""/>
-        <a:cs typeface=""/>
-        <a:font script="Jpan" typeface="ＭＳ Ｐゴシック"/>
-        <a:font script="Hang" typeface="맑은 고딕"/>
-        <a:font script="Hans" typeface="宋体"/>
-        <a:font script="Hant" typeface="新細明體"/>
-        <a:font script="Arab" typeface="Arial"/>
-        <a:font script="Hebr" typeface="Arial"/>
-        <a:font script="Thai" typeface="Cordia New"/>
-        <a:font script="Ethi" typeface="Nyala"/>
-        <a:font script="Beng" typeface="Vrinda"/>
-        <a:font script="Gujr" typeface="Shruti"/>
-        <a:font script="Khmr" typeface="DaunPenh"/>
-        <a:font script="Knda" typeface="Tunga"/>
-        <a:font script="Guru" typeface="Raavi"/>
-        <a:font script="Cans" typeface="Euphemia"/>
-        <a:font script="Cher" typeface="Plantagenet Cherokee"/>
-        <a:font script="Yiii" typeface="Microsoft Yi Baiti"/>
-        <a:font script="Tibt" typeface="Microsoft Himalaya"/>
-        <a:font script="Thaa" typeface="MV Boli"/>
-        <a:font script="Deva" typeface="Mangal"/>
-        <a:font script="Telu" typeface="Gautami"/>
-        <a:font script="Taml" typeface="Latha"/>
-        <a:font script="Syrc" typeface="Estrangelo Edessa"/>
-        <a:font script="Orya" typeface="Kalinga"/>
-        <a:font script="Mlym" typeface="Kartika"/>
-        <a:font script="Laoo" typeface="DokChampa"/>
-        <a:font script="Sinh" typeface="Iskoola Pota"/>
-        <a:font script="Mong" typeface="Mongolian Baiti"/>
-        <a:font script="Viet" typeface="Arial"/>
-        <a:font script="Uigh" typeface="Microsoft Uighur"/>
-        <a:font script="Geor" typeface="Sylfaen"/>
-      </a:minorFont>
-    </a:fontScheme>
-    <a:fmtScheme name="Office">
-      <a:fillStyleLst>
-        <a:solidFill>
-          <a:schemeClr val="phClr"/>
-        </a:solidFill>
-        <a:gradFill rotWithShape="1">
-          <a:gsLst>
-            <a:gs pos="0">
-              <a:schemeClr val="phClr">
-                <a:tint val="50000"/>
-                <a:satMod val="300000"/>
-              </a:schemeClr>
-            </a:gs>
-            <a:gs pos="35000">
-              <a:schemeClr val="phClr">
-                <a:tint val="37000"/>
-                <a:satMod val="300000"/>
-              </a:schemeClr>
-            </a:gs>
-            <a:gs pos="100000">
-              <a:schemeClr val="phClr">
-                <a:tint val="15000"/>
-                <a:satMod val="350000"/>
-              </a:schemeClr>
-            </a:gs>
-          </a:gsLst>
-          <a:lin ang="16200000" scaled="1"/>
-        </a:gradFill>
-        <a:gradFill rotWithShape="1">
-          <a:gsLst>
-            <a:gs pos="0">
-              <a:schemeClr val="phClr">
-                <a:tint val="100000"/>
-                <a:shade val="100000"/>
-                <a:satMod val="130000"/>
-              </a:schemeClr>
-            </a:gs>
-            <a:gs pos="100000">
-              <a:schemeClr val="phClr">
-                <a:tint val="50000"/>
-                <a:shade val="100000"/>
-                <a:satMod val="350000"/>
-              </a:schemeClr>
-            </a:gs>
-          </a:gsLst>
-          <a:lin ang="16200000" scaled="0"/>
-        </a:gradFill>
-      </a:fillStyleLst>
-      <a:lnStyleLst>
-        <a:ln w="9525" cap="flat" cmpd="sng" algn="ctr">
-          <a:solidFill>
-            <a:schemeClr val="phClr">
-              <a:shade val="95000"/>
-              <a:satMod val="105000"/>
-            </a:schemeClr>
-          </a:solidFill>
-          <a:prstDash val="solid"/>
-        </a:ln>
-        <a:ln w="25400" cap="flat" cmpd="sng" algn="ctr">
-          <a:solidFill>
-            <a:schemeClr val="phClr"/>
-          </a:solidFill>
-          <a:prstDash val="solid"/>
-        </a:ln>
-        <a:ln w="38100" cap="flat" cmpd="sng" algn="ctr">
-          <a:solidFill>
-            <a:schemeClr val="phClr"/>
-          </a:solidFill>
-          <a:prstDash val="solid"/>
-        </a:ln>
-      </a:lnStyleLst>
-      <a:effectStyleLst>
-        <a:effectStyle>
-          <a:effectLst>
-            <a:outerShdw blurRad="40000" dist="20000" dir="5400000" rotWithShape="0">
-              <a:srgbClr val="000000">
-                <a:alpha val="38000"/>
-              </a:srgbClr>
-            </a:outerShdw>
-          </a:effectLst>
-        </a:effectStyle>
-        <a:effectStyle>
-          <a:effectLst>
-            <a:outerShdw blurRad="40000" dist="23000" dir="5400000" rotWithShape="0">
-              <a:srgbClr val="000000">
-                <a:alpha val="35000"/>
-              </a:srgbClr>
-            </a:outerShdw>
-          </a:effectLst>
-        </a:effectStyle>
-        <a:effectStyle>
-          <a:effectLst>
-            <a:outerShdw blurRad="40000" dist="23000" dir="5400000" rotWithShape="0">
-              <a:srgbClr val="000000">
-                <a:alpha val="35000"/>
-              </a:srgbClr>
-            </a:outerShdw>
-          </a:effectLst>
-          <a:scene3d>
-            <a:camera prst="orthographicFront">
-              <a:rot lat="0" lon="0" rev="0"/>
-            </a:camera>
-            <a:lightRig rig="threePt" dir="t">
-              <a:rot lat="0" lon="0" rev="1200000"/>
-            </a:lightRig>
-          </a:scene3d>
-          <a:sp3d>
-            <a:bevelT w="63500" h="25400"/>
-          </a:sp3d>
-        </a:effectStyle>
-      </a:effectStyleLst>
-      <a:bgFillStyleLst>
-        <a:solidFill>
-          <a:schemeClr val="phClr"/>
-        </a:solidFill>
-        <a:gradFill rotWithShape="1">
-          <a:gsLst>
-            <a:gs pos="0">
-              <a:schemeClr val="phClr">
-                <a:tint val="40000"/>
-                <a:satMod val="350000"/>
-              </a:schemeClr>
-            </a:gs>
-            <a:gs pos="40000">
-              <a:schemeClr val="phClr">
-                <a:tint val="45000"/>
-                <a:shade val="99000"/>
-                <a:satMod val="350000"/>
-              </a:schemeClr>
-            </a:gs>
-            <a:gs pos="100000">
-              <a:schemeClr val="phClr">
-                <a:shade val="20000"/>
-                <a:satMod val="255000"/>
-              </a:schemeClr>
-            </a:gs>
-          </a:gsLst>
-          <a:path path="circle">
-            <a:fillToRect l="50000" t="-80000" r="50000" b="180000"/>
-          </a:path>
-        </a:gradFill>
-        <a:gradFill rotWithShape="1">
-          <a:gsLst>
-            <a:gs pos="0">
-              <a:schemeClr val="phClr">
-                <a:tint val="80000"/>
-                <a:satMod val="300000"/>
-              </a:schemeClr>
-            </a:gs>
-            <a:gs pos="100000">
-              <a:schemeClr val="phClr">
-                <a:shade val="30000"/>
-                <a:satMod val="200000"/>
-              </a:schemeClr>
-            </a:gs>
-          </a:gsLst>
-          <a:path path="circle">
-            <a:fillToRect l="50000" t="50000" r="50000" b="50000"/>
-          </a:path>
-        </a:gradFill>
-      </a:bgFillStyleLst>
-    </a:fmtScheme>
-  </a:themeElements>
-</a:theme>
 </file>
--- a/CIS4250_Retrospective.pptx
+++ b/CIS4250_Retrospective.pptx
@@ -797,7 +797,7 @@
   <p:cSld>
     <p:spTree>
       <p:nvGrpSpPr>
-        <p:cNvPr id="116" name="Shape 116"/>
+        <p:cNvPr id="115" name="Shape 115"/>
         <p:cNvGrpSpPr/>
         <p:nvPr/>
       </p:nvGrpSpPr>
@@ -811,7 +811,7 @@
       </p:grpSpPr>
       <p:sp>
         <p:nvSpPr>
-          <p:cNvPr id="117" name="Google Shape;117;p5:notes"/>
+          <p:cNvPr id="116" name="Google Shape;116;p5:notes"/>
           <p:cNvSpPr txBox="1"/>
           <p:nvPr>
             <p:ph idx="1" type="body"/>
@@ -850,7 +850,7 @@
       </p:sp>
       <p:sp>
         <p:nvSpPr>
-          <p:cNvPr id="118" name="Google Shape;118;p5:notes"/>
+          <p:cNvPr id="117" name="Google Shape;117;p5:notes"/>
           <p:cNvSpPr/>
           <p:nvPr>
             <p:ph idx="2" type="sldImg"/>
@@ -896,7 +896,7 @@
   <p:cSld>
     <p:spTree>
       <p:nvGrpSpPr>
-        <p:cNvPr id="122" name="Shape 122"/>
+        <p:cNvPr id="121" name="Shape 121"/>
         <p:cNvGrpSpPr/>
         <p:nvPr/>
       </p:nvGrpSpPr>
@@ -910,7 +910,7 @@
       </p:grpSpPr>
       <p:sp>
         <p:nvSpPr>
-          <p:cNvPr id="123" name="Google Shape;123;p6:notes"/>
+          <p:cNvPr id="122" name="Google Shape;122;p6:notes"/>
           <p:cNvSpPr txBox="1"/>
           <p:nvPr>
             <p:ph idx="1" type="body"/>
@@ -949,7 +949,7 @@
       </p:sp>
       <p:sp>
         <p:nvSpPr>
-          <p:cNvPr id="124" name="Google Shape;124;p6:notes"/>
+          <p:cNvPr id="123" name="Google Shape;123;p6:notes"/>
           <p:cNvSpPr/>
           <p:nvPr>
             <p:ph idx="2" type="sldImg"/>
@@ -995,7 +995,7 @@
   <p:cSld>
     <p:spTree>
       <p:nvGrpSpPr>
-        <p:cNvPr id="128" name="Shape 128"/>
+        <p:cNvPr id="127" name="Shape 127"/>
         <p:cNvGrpSpPr/>
         <p:nvPr/>
       </p:nvGrpSpPr>
@@ -1009,7 +1009,7 @@
       </p:grpSpPr>
       <p:sp>
         <p:nvSpPr>
-          <p:cNvPr id="129" name="Google Shape;129;p7:notes"/>
+          <p:cNvPr id="128" name="Google Shape;128;p7:notes"/>
           <p:cNvSpPr txBox="1"/>
           <p:nvPr>
             <p:ph idx="1" type="body"/>
@@ -1048,7 +1048,7 @@
       </p:sp>
       <p:sp>
         <p:nvSpPr>
-          <p:cNvPr id="130" name="Google Shape;130;p7:notes"/>
+          <p:cNvPr id="129" name="Google Shape;129;p7:notes"/>
           <p:cNvSpPr/>
           <p:nvPr>
             <p:ph idx="2" type="sldImg"/>
@@ -1094,7 +1094,7 @@
   <p:cSld>
     <p:spTree>
       <p:nvGrpSpPr>
-        <p:cNvPr id="134" name="Shape 134"/>
+        <p:cNvPr id="133" name="Shape 133"/>
         <p:cNvGrpSpPr/>
         <p:nvPr/>
       </p:nvGrpSpPr>
@@ -1108,7 +1108,7 @@
       </p:grpSpPr>
       <p:sp>
         <p:nvSpPr>
-          <p:cNvPr id="135" name="Google Shape;135;g2b19aebaf4f_0_5:notes"/>
+          <p:cNvPr id="134" name="Google Shape;134;g2b19aebaf4f_0_5:notes"/>
           <p:cNvSpPr/>
           <p:nvPr>
             <p:ph idx="2" type="sldImg"/>
@@ -1143,7 +1143,7 @@
       </p:sp>
       <p:sp>
         <p:nvSpPr>
-          <p:cNvPr id="136" name="Google Shape;136;g2b19aebaf4f_0_5:notes"/>
+          <p:cNvPr id="135" name="Google Shape;135;g2b19aebaf4f_0_5:notes"/>
           <p:cNvSpPr txBox="1"/>
           <p:nvPr>
             <p:ph idx="1" type="body"/>
@@ -1477,7 +1477,7 @@
   <p:cSld>
     <p:spTree>
       <p:nvGrpSpPr>
-        <p:cNvPr id="80" name="Shape 80"/>
+        <p:cNvPr id="79" name="Shape 79"/>
         <p:cNvGrpSpPr/>
         <p:nvPr/>
       </p:nvGrpSpPr>
@@ -1491,7 +1491,7 @@
       </p:grpSpPr>
       <p:sp>
         <p:nvSpPr>
-          <p:cNvPr id="81" name="Google Shape;81;p4:notes"/>
+          <p:cNvPr id="80" name="Google Shape;80;p4:notes"/>
           <p:cNvSpPr txBox="1"/>
           <p:nvPr>
             <p:ph idx="1" type="body"/>
@@ -1530,7 +1530,7 @@
       </p:sp>
       <p:sp>
         <p:nvSpPr>
-          <p:cNvPr id="82" name="Google Shape;82;p4:notes"/>
+          <p:cNvPr id="81" name="Google Shape;81;p4:notes"/>
           <p:cNvSpPr/>
           <p:nvPr>
             <p:ph idx="2" type="sldImg"/>
@@ -1576,7 +1576,7 @@
   <p:cSld>
     <p:spTree>
       <p:nvGrpSpPr>
-        <p:cNvPr id="86" name="Shape 86"/>
+        <p:cNvPr id="85" name="Shape 85"/>
         <p:cNvGrpSpPr/>
         <p:nvPr/>
       </p:nvGrpSpPr>
@@ -1590,7 +1590,7 @@
       </p:grpSpPr>
       <p:sp>
         <p:nvSpPr>
-          <p:cNvPr id="87" name="Google Shape;87;g2b19aebb51d_0_0:notes"/>
+          <p:cNvPr id="86" name="Google Shape;86;g2b19aebb51d_0_0:notes"/>
           <p:cNvSpPr/>
           <p:nvPr>
             <p:ph idx="2" type="sldImg"/>
@@ -1625,7 +1625,7 @@
       </p:sp>
       <p:sp>
         <p:nvSpPr>
-          <p:cNvPr id="88" name="Google Shape;88;g2b19aebb51d_0_0:notes"/>
+          <p:cNvPr id="87" name="Google Shape;87;g2b19aebb51d_0_0:notes"/>
           <p:cNvSpPr txBox="1"/>
           <p:nvPr>
             <p:ph idx="1" type="body"/>
@@ -1675,7 +1675,7 @@
   <p:cSld>
     <p:spTree>
       <p:nvGrpSpPr>
-        <p:cNvPr id="92" name="Shape 92"/>
+        <p:cNvPr id="91" name="Shape 91"/>
         <p:cNvGrpSpPr/>
         <p:nvPr/>
       </p:nvGrpSpPr>
@@ -1689,7 +1689,7 @@
       </p:grpSpPr>
       <p:sp>
         <p:nvSpPr>
-          <p:cNvPr id="93" name="Google Shape;93;g2b1a2e806fe_0_0:notes"/>
+          <p:cNvPr id="92" name="Google Shape;92;g2b1a2e806fe_0_0:notes"/>
           <p:cNvSpPr txBox="1"/>
           <p:nvPr>
             <p:ph idx="1" type="body"/>
@@ -1728,7 +1728,7 @@
       </p:sp>
       <p:sp>
         <p:nvSpPr>
-          <p:cNvPr id="94" name="Google Shape;94;g2b1a2e806fe_0_0:notes"/>
+          <p:cNvPr id="93" name="Google Shape;93;g2b1a2e806fe_0_0:notes"/>
           <p:cNvSpPr/>
           <p:nvPr>
             <p:ph idx="2" type="sldImg"/>
@@ -1774,7 +1774,7 @@
   <p:cSld>
     <p:spTree>
       <p:nvGrpSpPr>
-        <p:cNvPr id="98" name="Shape 98"/>
+        <p:cNvPr id="97" name="Shape 97"/>
         <p:cNvGrpSpPr/>
         <p:nvPr/>
       </p:nvGrpSpPr>
@@ -1788,7 +1788,7 @@
       </p:grpSpPr>
       <p:sp>
         <p:nvSpPr>
-          <p:cNvPr id="99" name="Google Shape;99;g2664875a435_5_0:notes"/>
+          <p:cNvPr id="98" name="Google Shape;98;g2664875a435_5_0:notes"/>
           <p:cNvSpPr txBox="1"/>
           <p:nvPr>
             <p:ph idx="1" type="body"/>
@@ -1827,7 +1827,7 @@
       </p:sp>
       <p:sp>
         <p:nvSpPr>
-          <p:cNvPr id="100" name="Google Shape;100;g2664875a435_5_0:notes"/>
+          <p:cNvPr id="99" name="Google Shape;99;g2664875a435_5_0:notes"/>
           <p:cNvSpPr/>
           <p:nvPr>
             <p:ph idx="2" type="sldImg"/>
@@ -1873,7 +1873,7 @@
   <p:cSld>
     <p:spTree>
       <p:nvGrpSpPr>
-        <p:cNvPr id="104" name="Shape 104"/>
+        <p:cNvPr id="103" name="Shape 103"/>
         <p:cNvGrpSpPr/>
         <p:nvPr/>
       </p:nvGrpSpPr>
@@ -1887,7 +1887,7 @@
       </p:grpSpPr>
       <p:sp>
         <p:nvSpPr>
-          <p:cNvPr id="105" name="Google Shape;105;g2664875a435_4_0:notes"/>
+          <p:cNvPr id="104" name="Google Shape;104;g2664875a435_4_0:notes"/>
           <p:cNvSpPr/>
           <p:nvPr>
             <p:ph idx="2" type="sldImg"/>
@@ -1922,7 +1922,7 @@
       </p:sp>
       <p:sp>
         <p:nvSpPr>
-          <p:cNvPr id="106" name="Google Shape;106;g2664875a435_4_0:notes"/>
+          <p:cNvPr id="105" name="Google Shape;105;g2664875a435_4_0:notes"/>
           <p:cNvSpPr txBox="1"/>
           <p:nvPr>
             <p:ph idx="1" type="body"/>
@@ -1972,7 +1972,7 @@
   <p:cSld>
     <p:spTree>
       <p:nvGrpSpPr>
-        <p:cNvPr id="110" name="Shape 110"/>
+        <p:cNvPr id="109" name="Shape 109"/>
         <p:cNvGrpSpPr/>
         <p:nvPr/>
       </p:nvGrpSpPr>
@@ -1986,7 +1986,7 @@
       </p:grpSpPr>
       <p:sp>
         <p:nvSpPr>
-          <p:cNvPr id="111" name="Google Shape;111;g26649be14ca_0_5:notes"/>
+          <p:cNvPr id="110" name="Google Shape;110;g26649be14ca_0_5:notes"/>
           <p:cNvSpPr/>
           <p:nvPr>
             <p:ph idx="2" type="sldImg"/>
@@ -2021,7 +2021,7 @@
       </p:sp>
       <p:sp>
         <p:nvSpPr>
-          <p:cNvPr id="112" name="Google Shape;112;g26649be14ca_0_5:notes"/>
+          <p:cNvPr id="111" name="Google Shape;111;g26649be14ca_0_5:notes"/>
           <p:cNvSpPr txBox="1"/>
           <p:nvPr>
             <p:ph idx="1" type="body"/>
@@ -8188,7 +8188,7 @@
   <p:cSld>
     <p:spTree>
       <p:nvGrpSpPr>
-        <p:cNvPr id="119" name="Shape 119"/>
+        <p:cNvPr id="118" name="Shape 118"/>
         <p:cNvGrpSpPr/>
         <p:nvPr/>
       </p:nvGrpSpPr>
@@ -8202,7 +8202,7 @@
       </p:grpSpPr>
       <p:sp>
         <p:nvSpPr>
-          <p:cNvPr id="120" name="Google Shape;120;p23"/>
+          <p:cNvPr id="119" name="Google Shape;119;p23"/>
           <p:cNvSpPr txBox="1"/>
           <p:nvPr>
             <p:ph type="title"/>
@@ -8254,7 +8254,7 @@
       </p:sp>
       <p:sp>
         <p:nvSpPr>
-          <p:cNvPr id="121" name="Google Shape;121;p23"/>
+          <p:cNvPr id="120" name="Google Shape;120;p23"/>
           <p:cNvSpPr txBox="1"/>
           <p:nvPr>
             <p:ph idx="1" type="body"/>
@@ -8353,7 +8353,7 @@
   <p:cSld>
     <p:spTree>
       <p:nvGrpSpPr>
-        <p:cNvPr id="125" name="Shape 125"/>
+        <p:cNvPr id="124" name="Shape 124"/>
         <p:cNvGrpSpPr/>
         <p:nvPr/>
       </p:nvGrpSpPr>
@@ -8367,7 +8367,7 @@
       </p:grpSpPr>
       <p:sp>
         <p:nvSpPr>
-          <p:cNvPr id="126" name="Google Shape;126;p24"/>
+          <p:cNvPr id="125" name="Google Shape;125;p24"/>
           <p:cNvSpPr txBox="1"/>
           <p:nvPr>
             <p:ph type="title"/>
@@ -8419,7 +8419,7 @@
       </p:sp>
       <p:sp>
         <p:nvSpPr>
-          <p:cNvPr id="127" name="Google Shape;127;p24"/>
+          <p:cNvPr id="126" name="Google Shape;126;p24"/>
           <p:cNvSpPr txBox="1"/>
           <p:nvPr>
             <p:ph idx="1" type="body"/>
@@ -8538,7 +8538,7 @@
   <p:cSld>
     <p:spTree>
       <p:nvGrpSpPr>
-        <p:cNvPr id="131" name="Shape 131"/>
+        <p:cNvPr id="130" name="Shape 130"/>
         <p:cNvGrpSpPr/>
         <p:nvPr/>
       </p:nvGrpSpPr>
@@ -8552,7 +8552,7 @@
       </p:grpSpPr>
       <p:sp>
         <p:nvSpPr>
-          <p:cNvPr id="132" name="Google Shape;132;p25"/>
+          <p:cNvPr id="131" name="Google Shape;131;p25"/>
           <p:cNvSpPr txBox="1"/>
           <p:nvPr>
             <p:ph type="title"/>
@@ -8604,7 +8604,7 @@
       </p:sp>
       <p:sp>
         <p:nvSpPr>
-          <p:cNvPr id="133" name="Google Shape;133;p25"/>
+          <p:cNvPr id="132" name="Google Shape;132;p25"/>
           <p:cNvSpPr txBox="1"/>
           <p:nvPr>
             <p:ph idx="1" type="body"/>
@@ -8683,7 +8683,7 @@
   <p:cSld>
     <p:spTree>
       <p:nvGrpSpPr>
-        <p:cNvPr id="137" name="Shape 137"/>
+        <p:cNvPr id="136" name="Shape 136"/>
         <p:cNvGrpSpPr/>
         <p:nvPr/>
       </p:nvGrpSpPr>
@@ -8697,7 +8697,7 @@
       </p:grpSpPr>
       <p:sp>
         <p:nvSpPr>
-          <p:cNvPr id="138" name="Google Shape;138;p26"/>
+          <p:cNvPr id="137" name="Google Shape;137;p26"/>
           <p:cNvSpPr txBox="1"/>
           <p:nvPr>
             <p:ph type="title"/>
@@ -8737,7 +8737,7 @@
       </p:sp>
       <p:pic>
         <p:nvPicPr>
-          <p:cNvPr id="139" name="Google Shape;139;p26"/>
+          <p:cNvPr id="138" name="Google Shape;138;p26"/>
           <p:cNvPicPr preferRelativeResize="0"/>
           <p:nvPr/>
         </p:nvPicPr>
@@ -9100,34 +9100,6 @@
           </a:ln>
         </p:spPr>
       </p:pic>
-      <p:pic>
-        <p:nvPicPr>
-          <p:cNvPr id="79" name="Google Shape;79;p16"/>
-          <p:cNvPicPr preferRelativeResize="0"/>
-          <p:nvPr/>
-        </p:nvPicPr>
-        <p:blipFill>
-          <a:blip r:embed="rId3">
-            <a:alphaModFix/>
-          </a:blip>
-          <a:stretch>
-            <a:fillRect/>
-          </a:stretch>
-        </p:blipFill>
-        <p:spPr>
-          <a:xfrm>
-            <a:off x="1546650" y="1603589"/>
-            <a:ext cx="9098700" cy="4848874"/>
-          </a:xfrm>
-          <a:prstGeom prst="rect">
-            <a:avLst/>
-          </a:prstGeom>
-          <a:noFill/>
-          <a:ln>
-            <a:noFill/>
-          </a:ln>
-        </p:spPr>
-      </p:pic>
     </p:spTree>
   </p:cSld>
   <p:clrMapOvr>
@@ -9141,7 +9113,7 @@
   <p:cSld>
     <p:spTree>
       <p:nvGrpSpPr>
-        <p:cNvPr id="83" name="Shape 83"/>
+        <p:cNvPr id="82" name="Shape 82"/>
         <p:cNvGrpSpPr/>
         <p:nvPr/>
       </p:nvGrpSpPr>
@@ -9155,7 +9127,7 @@
       </p:grpSpPr>
       <p:sp>
         <p:nvSpPr>
-          <p:cNvPr id="84" name="Google Shape;84;p17"/>
+          <p:cNvPr id="83" name="Google Shape;83;p17"/>
           <p:cNvSpPr txBox="1"/>
           <p:nvPr>
             <p:ph type="title"/>
@@ -9207,7 +9179,7 @@
       </p:sp>
       <p:sp>
         <p:nvSpPr>
-          <p:cNvPr id="85" name="Google Shape;85;p17"/>
+          <p:cNvPr id="84" name="Google Shape;84;p17"/>
           <p:cNvSpPr txBox="1"/>
           <p:nvPr>
             <p:ph idx="1" type="body"/>
@@ -9346,7 +9318,7 @@
   <p:cSld>
     <p:spTree>
       <p:nvGrpSpPr>
-        <p:cNvPr id="89" name="Shape 89"/>
+        <p:cNvPr id="88" name="Shape 88"/>
         <p:cNvGrpSpPr/>
         <p:nvPr/>
       </p:nvGrpSpPr>
@@ -9360,7 +9332,7 @@
       </p:grpSpPr>
       <p:sp>
         <p:nvSpPr>
-          <p:cNvPr id="90" name="Google Shape;90;p18"/>
+          <p:cNvPr id="89" name="Google Shape;89;p18"/>
           <p:cNvSpPr txBox="1"/>
           <p:nvPr>
             <p:ph type="title"/>
@@ -9400,7 +9372,7 @@
       </p:sp>
       <p:sp>
         <p:nvSpPr>
-          <p:cNvPr id="91" name="Google Shape;91;p18"/>
+          <p:cNvPr id="90" name="Google Shape;90;p18"/>
           <p:cNvSpPr txBox="1"/>
           <p:nvPr>
             <p:ph idx="1" type="body"/>
@@ -9495,7 +9467,7 @@
   <p:cSld>
     <p:spTree>
       <p:nvGrpSpPr>
-        <p:cNvPr id="95" name="Shape 95"/>
+        <p:cNvPr id="94" name="Shape 94"/>
         <p:cNvGrpSpPr/>
         <p:nvPr/>
       </p:nvGrpSpPr>
@@ -9509,7 +9481,7 @@
       </p:grpSpPr>
       <p:sp>
         <p:nvSpPr>
-          <p:cNvPr id="96" name="Google Shape;96;p19"/>
+          <p:cNvPr id="95" name="Google Shape;95;p19"/>
           <p:cNvSpPr txBox="1"/>
           <p:nvPr>
             <p:ph type="title"/>
@@ -9565,7 +9537,7 @@
       </p:sp>
       <p:sp>
         <p:nvSpPr>
-          <p:cNvPr id="97" name="Google Shape;97;p19"/>
+          <p:cNvPr id="96" name="Google Shape;96;p19"/>
           <p:cNvSpPr txBox="1"/>
           <p:nvPr>
             <p:ph idx="1" type="body"/>
@@ -9702,7 +9674,7 @@
   <p:cSld>
     <p:spTree>
       <p:nvGrpSpPr>
-        <p:cNvPr id="101" name="Shape 101"/>
+        <p:cNvPr id="100" name="Shape 100"/>
         <p:cNvGrpSpPr/>
         <p:nvPr/>
       </p:nvGrpSpPr>
@@ -9716,7 +9688,7 @@
       </p:grpSpPr>
       <p:sp>
         <p:nvSpPr>
-          <p:cNvPr id="102" name="Google Shape;102;p20"/>
+          <p:cNvPr id="101" name="Google Shape;101;p20"/>
           <p:cNvSpPr txBox="1"/>
           <p:nvPr>
             <p:ph type="title"/>
@@ -9768,7 +9740,7 @@
       </p:sp>
       <p:sp>
         <p:nvSpPr>
-          <p:cNvPr id="103" name="Google Shape;103;p20"/>
+          <p:cNvPr id="102" name="Google Shape;102;p20"/>
           <p:cNvSpPr txBox="1"/>
           <p:nvPr>
             <p:ph idx="1" type="body"/>
@@ -9911,7 +9883,7 @@
   <p:cSld>
     <p:spTree>
       <p:nvGrpSpPr>
-        <p:cNvPr id="107" name="Shape 107"/>
+        <p:cNvPr id="106" name="Shape 106"/>
         <p:cNvGrpSpPr/>
         <p:nvPr/>
       </p:nvGrpSpPr>
@@ -9925,7 +9897,7 @@
       </p:grpSpPr>
       <p:sp>
         <p:nvSpPr>
-          <p:cNvPr id="108" name="Google Shape;108;p21"/>
+          <p:cNvPr id="107" name="Google Shape;107;p21"/>
           <p:cNvSpPr txBox="1"/>
           <p:nvPr>
             <p:ph type="title"/>
@@ -9977,7 +9949,7 @@
       </p:sp>
       <p:sp>
         <p:nvSpPr>
-          <p:cNvPr id="109" name="Google Shape;109;p21"/>
+          <p:cNvPr id="108" name="Google Shape;108;p21"/>
           <p:cNvSpPr txBox="1"/>
           <p:nvPr>
             <p:ph idx="1" type="body"/>
@@ -10148,7 +10120,7 @@
   <p:cSld>
     <p:spTree>
       <p:nvGrpSpPr>
-        <p:cNvPr id="113" name="Shape 113"/>
+        <p:cNvPr id="112" name="Shape 112"/>
         <p:cNvGrpSpPr/>
         <p:nvPr/>
       </p:nvGrpSpPr>
@@ -10162,7 +10134,7 @@
       </p:grpSpPr>
       <p:sp>
         <p:nvSpPr>
-          <p:cNvPr id="114" name="Google Shape;114;p22"/>
+          <p:cNvPr id="113" name="Google Shape;113;p22"/>
           <p:cNvSpPr txBox="1"/>
           <p:nvPr>
             <p:ph type="title"/>
@@ -10206,7 +10178,7 @@
       </p:sp>
       <p:sp>
         <p:nvSpPr>
-          <p:cNvPr id="115" name="Google Shape;115;p22"/>
+          <p:cNvPr id="114" name="Google Shape;114;p22"/>
           <p:cNvSpPr txBox="1"/>
           <p:nvPr>
             <p:ph idx="1" type="body"/>

--- a/CIS4250_Retrospective.pptx
+++ b/CIS4250_Retrospective.pptx
@@ -9088,8 +9088,8 @@
         </p:blipFill>
         <p:spPr>
           <a:xfrm>
-            <a:off x="1122675" y="1502860"/>
-            <a:ext cx="9476750" cy="5050341"/>
+            <a:off x="1641725" y="1530538"/>
+            <a:ext cx="8908530" cy="4862512"/>
           </a:xfrm>
           <a:prstGeom prst="rect">
             <a:avLst/>
@@ -10354,6 +10354,285 @@
 </file>
 
 <file path=ppt/theme/theme1.xml><?xml version="1.0" encoding="utf-8"?>
+<a:theme xmlns:a="http://schemas.openxmlformats.org/drawingml/2006/main" xmlns:r="http://schemas.openxmlformats.org/officeDocument/2006/relationships">
+  <a:themeElements>
+    <a:clrScheme name="Default">
+      <a:dk1>
+        <a:srgbClr val="000000"/>
+      </a:dk1>
+      <a:lt1>
+        <a:srgbClr val="FFFFFF"/>
+      </a:lt1>
+      <a:dk2>
+        <a:srgbClr val="158158"/>
+      </a:dk2>
+      <a:lt2>
+        <a:srgbClr val="F3F3F3"/>
+      </a:lt2>
+      <a:accent1>
+        <a:srgbClr val="058DC7"/>
+      </a:accent1>
+      <a:accent2>
+        <a:srgbClr val="50B432"/>
+      </a:accent2>
+      <a:accent3>
+        <a:srgbClr val="ED561B"/>
+      </a:accent3>
+      <a:accent4>
+        <a:srgbClr val="EDEF00"/>
+      </a:accent4>
+      <a:accent5>
+        <a:srgbClr val="24CBE5"/>
+      </a:accent5>
+      <a:accent6>
+        <a:srgbClr val="64E572"/>
+      </a:accent6>
+      <a:hlink>
+        <a:srgbClr val="2200CC"/>
+      </a:hlink>
+      <a:folHlink>
+        <a:srgbClr val="551A8B"/>
+      </a:folHlink>
+    </a:clrScheme>
+    <a:fontScheme name="Office">
+      <a:majorFont>
+        <a:latin typeface="Arial"/>
+        <a:ea typeface=""/>
+        <a:cs typeface=""/>
+        <a:font script="Jpan" typeface="ＭＳ Ｐゴシック"/>
+        <a:font script="Hang" typeface="맑은 고딕"/>
+        <a:font script="Hans" typeface="宋体"/>
+        <a:font script="Hant" typeface="新細明體"/>
+        <a:font script="Arab" typeface="Times New Roman"/>
+        <a:font script="Hebr" typeface="Times New Roman"/>
+        <a:font script="Thai" typeface="Angsana New"/>
+        <a:font script="Ethi" typeface="Nyala"/>
+        <a:font script="Beng" typeface="Vrinda"/>
+        <a:font script="Gujr" typeface="Shruti"/>
+        <a:font script="Khmr" typeface="MoolBoran"/>
+        <a:font script="Knda" typeface="Tunga"/>
+        <a:font script="Guru" typeface="Raavi"/>
+        <a:font script="Cans" typeface="Euphemia"/>
+        <a:font script="Cher" typeface="Plantagenet Cherokee"/>
+        <a:font script="Yiii" typeface="Microsoft Yi Baiti"/>
+        <a:font script="Tibt" typeface="Microsoft Himalaya"/>
+        <a:font script="Thaa" typeface="MV Boli"/>
+        <a:font script="Deva" typeface="Mangal"/>
+        <a:font script="Telu" typeface="Gautami"/>
+        <a:font script="Taml" typeface="Latha"/>
+        <a:font script="Syrc" typeface="Estrangelo Edessa"/>
+        <a:font script="Orya" typeface="Kalinga"/>
+        <a:font script="Mlym" typeface="Kartika"/>
+        <a:font script="Laoo" typeface="DokChampa"/>
+        <a:font script="Sinh" typeface="Iskoola Pota"/>
+        <a:font script="Mong" typeface="Mongolian Baiti"/>
+        <a:font script="Viet" typeface="Times New Roman"/>
+        <a:font script="Uigh" typeface="Microsoft Uighur"/>
+        <a:font script="Geor" typeface="Sylfaen"/>
+      </a:majorFont>
+      <a:minorFont>
+        <a:latin typeface="Arial"/>
+        <a:ea typeface=""/>
+        <a:cs typeface=""/>
+        <a:font script="Jpan" typeface="ＭＳ Ｐゴシック"/>
+        <a:font script="Hang" typeface="맑은 고딕"/>
+        <a:font script="Hans" typeface="宋体"/>
+        <a:font script="Hant" typeface="新細明體"/>
+        <a:font script="Arab" typeface="Arial"/>
+        <a:font script="Hebr" typeface="Arial"/>
+        <a:font script="Thai" typeface="Cordia New"/>
+        <a:font script="Ethi" typeface="Nyala"/>
+        <a:font script="Beng" typeface="Vrinda"/>
+        <a:font script="Gujr" typeface="Shruti"/>
+        <a:font script="Khmr" typeface="DaunPenh"/>
+        <a:font script="Knda" typeface="Tunga"/>
+        <a:font script="Guru" typeface="Raavi"/>
+        <a:font script="Cans" typeface="Euphemia"/>
+        <a:font script="Cher" typeface="Plantagenet Cherokee"/>
+        <a:font script="Yiii" typeface="Microsoft Yi Baiti"/>
+        <a:font script="Tibt" typeface="Microsoft Himalaya"/>
+        <a:font script="Thaa" typeface="MV Boli"/>
+        <a:font script="Deva" typeface="Mangal"/>
+        <a:font script="Telu" typeface="Gautami"/>
+        <a:font script="Taml" typeface="Latha"/>
+        <a:font script="Syrc" typeface="Estrangelo Edessa"/>
+        <a:font script="Orya" typeface="Kalinga"/>
+        <a:font script="Mlym" typeface="Kartika"/>
+        <a:font script="Laoo" typeface="DokChampa"/>
+        <a:font script="Sinh" typeface="Iskoola Pota"/>
+        <a:font script="Mong" typeface="Mongolian Baiti"/>
+        <a:font script="Viet" typeface="Arial"/>
+        <a:font script="Uigh" typeface="Microsoft Uighur"/>
+        <a:font script="Geor" typeface="Sylfaen"/>
+      </a:minorFont>
+    </a:fontScheme>
+    <a:fmtScheme name="Office">
+      <a:fillStyleLst>
+        <a:solidFill>
+          <a:schemeClr val="phClr"/>
+        </a:solidFill>
+        <a:gradFill rotWithShape="1">
+          <a:gsLst>
+            <a:gs pos="0">
+              <a:schemeClr val="phClr">
+                <a:tint val="50000"/>
+                <a:satMod val="300000"/>
+              </a:schemeClr>
+            </a:gs>
+            <a:gs pos="35000">
+              <a:schemeClr val="phClr">
+                <a:tint val="37000"/>
+                <a:satMod val="300000"/>
+              </a:schemeClr>
+            </a:gs>
+            <a:gs pos="100000">
+              <a:schemeClr val="phClr">
+                <a:tint val="15000"/>
+                <a:satMod val="350000"/>
+              </a:schemeClr>
+            </a:gs>
+          </a:gsLst>
+          <a:lin ang="16200000" scaled="1"/>
+        </a:gradFill>
+        <a:gradFill rotWithShape="1">
+          <a:gsLst>
+            <a:gs pos="0">
+              <a:schemeClr val="phClr">
+                <a:tint val="100000"/>
+                <a:shade val="100000"/>
+                <a:satMod val="130000"/>
+              </a:schemeClr>
+            </a:gs>
+            <a:gs pos="100000">
+              <a:schemeClr val="phClr">
+                <a:tint val="50000"/>
+                <a:shade val="100000"/>
+                <a:satMod val="350000"/>
+              </a:schemeClr>
+            </a:gs>
+          </a:gsLst>
+          <a:lin ang="16200000" scaled="0"/>
+        </a:gradFill>
+      </a:fillStyleLst>
+      <a:lnStyleLst>
+        <a:ln w="9525" cap="flat" cmpd="sng" algn="ctr">
+          <a:solidFill>
+            <a:schemeClr val="phClr">
+              <a:shade val="95000"/>
+              <a:satMod val="105000"/>
+            </a:schemeClr>
+          </a:solidFill>
+          <a:prstDash val="solid"/>
+        </a:ln>
+        <a:ln w="25400" cap="flat" cmpd="sng" algn="ctr">
+          <a:solidFill>
+            <a:schemeClr val="phClr"/>
+          </a:solidFill>
+          <a:prstDash val="solid"/>
+        </a:ln>
+        <a:ln w="38100" cap="flat" cmpd="sng" algn="ctr">
+          <a:solidFill>
+            <a:schemeClr val="phClr"/>
+          </a:solidFill>
+          <a:prstDash val="solid"/>
+        </a:ln>
+      </a:lnStyleLst>
+      <a:effectStyleLst>
+        <a:effectStyle>
+          <a:effectLst>
+            <a:outerShdw blurRad="40000" dist="20000" dir="5400000" rotWithShape="0">
+              <a:srgbClr val="000000">
+                <a:alpha val="38000"/>
+              </a:srgbClr>
+            </a:outerShdw>
+          </a:effectLst>
+        </a:effectStyle>
+        <a:effectStyle>
+          <a:effectLst>
+            <a:outerShdw blurRad="40000" dist="23000" dir="5400000" rotWithShape="0">
+              <a:srgbClr val="000000">
+                <a:alpha val="35000"/>
+              </a:srgbClr>
+            </a:outerShdw>
+          </a:effectLst>
+        </a:effectStyle>
+        <a:effectStyle>
+          <a:effectLst>
+            <a:outerShdw blurRad="40000" dist="23000" dir="5400000" rotWithShape="0">
+              <a:srgbClr val="000000">
+                <a:alpha val="35000"/>
+              </a:srgbClr>
+            </a:outerShdw>
+          </a:effectLst>
+          <a:scene3d>
+            <a:camera prst="orthographicFront">
+              <a:rot lat="0" lon="0" rev="0"/>
+            </a:camera>
+            <a:lightRig rig="threePt" dir="t">
+              <a:rot lat="0" lon="0" rev="1200000"/>
+            </a:lightRig>
+          </a:scene3d>
+          <a:sp3d>
+            <a:bevelT w="63500" h="25400"/>
+          </a:sp3d>
+        </a:effectStyle>
+      </a:effectStyleLst>
+      <a:bgFillStyleLst>
+        <a:solidFill>
+          <a:schemeClr val="phClr"/>
+        </a:solidFill>
+        <a:gradFill rotWithShape="1">
+          <a:gsLst>
+            <a:gs pos="0">
+              <a:schemeClr val="phClr">
+                <a:tint val="40000"/>
+                <a:satMod val="350000"/>
+              </a:schemeClr>
+            </a:gs>
+            <a:gs pos="40000">
+              <a:schemeClr val="phClr">
+                <a:tint val="45000"/>
+                <a:shade val="99000"/>
+                <a:satMod val="350000"/>
+              </a:schemeClr>
+            </a:gs>
+            <a:gs pos="100000">
+              <a:schemeClr val="phClr">
+                <a:shade val="20000"/>
+                <a:satMod val="255000"/>
+              </a:schemeClr>
+            </a:gs>
+          </a:gsLst>
+          <a:path path="circle">
+            <a:fillToRect l="50000" t="-80000" r="50000" b="180000"/>
+          </a:path>
+        </a:gradFill>
+        <a:gradFill rotWithShape="1">
+          <a:gsLst>
+            <a:gs pos="0">
+              <a:schemeClr val="phClr">
+                <a:tint val="80000"/>
+                <a:satMod val="300000"/>
+              </a:schemeClr>
+            </a:gs>
+            <a:gs pos="100000">
+              <a:schemeClr val="phClr">
+                <a:shade val="30000"/>
+                <a:satMod val="200000"/>
+              </a:schemeClr>
+            </a:gs>
+          </a:gsLst>
+          <a:path path="circle">
+            <a:fillToRect l="50000" t="50000" r="50000" b="50000"/>
+          </a:path>
+        </a:gradFill>
+      </a:bgFillStyleLst>
+    </a:fmtScheme>
+  </a:themeElements>
+</a:theme>
+</file>
+
+<file path=ppt/theme/theme2.xml><?xml version="1.0" encoding="utf-8"?>
 <a:theme xmlns:a="http://schemas.openxmlformats.org/drawingml/2006/main" xmlns:r="http://schemas.openxmlformats.org/officeDocument/2006/relationships" name="Slate">
   <a:themeElements>
     <a:clrScheme name="Slate">
@@ -10630,283 +10909,4 @@
     </a:fmtScheme>
   </a:themeElements>
 </a:theme>
-</file>
-
-<file path=ppt/theme/theme2.xml><?xml version="1.0" encoding="utf-8"?>
-<a:theme xmlns:a="http://schemas.openxmlformats.org/drawingml/2006/main" xmlns:r="http://schemas.openxmlformats.org/officeDocument/2006/relationships">
-  <a:themeElements>
-    <a:clrScheme name="Default">
-      <a:dk1>
-        <a:srgbClr val="000000"/>
-      </a:dk1>
-      <a:lt1>
-        <a:srgbClr val="FFFFFF"/>
-      </a:lt1>
-      <a:dk2>
-        <a:srgbClr val="158158"/>
-      </a:dk2>
-      <a:lt2>
-        <a:srgbClr val="F3F3F3"/>
-      </a:lt2>
-      <a:accent1>
-        <a:srgbClr val="058DC7"/>
-      </a:accent1>
-      <a:accent2>
-        <a:srgbClr val="50B432"/>
-      </a:accent2>
-      <a:accent3>
-        <a:srgbClr val="ED561B"/>
-      </a:accent3>
-      <a:accent4>
-        <a:srgbClr val="EDEF00"/>
-      </a:accent4>
-      <a:accent5>
-        <a:srgbClr val="24CBE5"/>
-      </a:accent5>
-      <a:accent6>
-        <a:srgbClr val="64E572"/>
-      </a:accent6>
-      <a:hlink>
-        <a:srgbClr val="2200CC"/>
-      </a:hlink>
-      <a:folHlink>
-        <a:srgbClr val="551A8B"/>
-      </a:folHlink>
-    </a:clrScheme>
-    <a:fontScheme name="Office">
-      <a:majorFont>
-        <a:latin typeface="Arial"/>
-        <a:ea typeface=""/>
-        <a:cs typeface=""/>
-        <a:font script="Jpan" typeface="ＭＳ Ｐゴシック"/>
-        <a:font script="Hang" typeface="맑은 고딕"/>
-        <a:font script="Hans" typeface="宋体"/>
-        <a:font script="Hant" typeface="新細明體"/>
-        <a:font script="Arab" typeface="Times New Roman"/>
-        <a:font script="Hebr" typeface="Times New Roman"/>
-        <a:font script="Thai" typeface="Angsana New"/>
-        <a:font script="Ethi" typeface="Nyala"/>
-        <a:font script="Beng" typeface="Vrinda"/>
-        <a:font script="Gujr" typeface="Shruti"/>
-        <a:font script="Khmr" typeface="MoolBoran"/>
-        <a:font script="Knda" typeface="Tunga"/>
-        <a:font script="Guru" typeface="Raavi"/>
-        <a:font script="Cans" typeface="Euphemia"/>
-        <a:font script="Cher" typeface="Plantagenet Cherokee"/>
-        <a:font script="Yiii" typeface="Microsoft Yi Baiti"/>
-        <a:font script="Tibt" typeface="Microsoft Himalaya"/>
-        <a:font script="Thaa" typeface="MV Boli"/>
-        <a:font script="Deva" typeface="Mangal"/>
-        <a:font script="Telu" typeface="Gautami"/>
-        <a:font script="Taml" typeface="Latha"/>
-        <a:font script="Syrc" typeface="Estrangelo Edessa"/>
-        <a:font script="Orya" typeface="Kalinga"/>
-        <a:font script="Mlym" typeface="Kartika"/>
-        <a:font script="Laoo" typeface="DokChampa"/>
-        <a:font script="Sinh" typeface="Iskoola Pota"/>
-        <a:font script="Mong" typeface="Mongolian Baiti"/>
-        <a:font script="Viet" typeface="Times New Roman"/>
-        <a:font script="Uigh" typeface="Microsoft Uighur"/>
-        <a:font script="Geor" typeface="Sylfaen"/>
-      </a:majorFont>
-      <a:minorFont>
-        <a:latin typeface="Arial"/>
-        <a:ea typeface=""/>
-        <a:cs typeface=""/>
-        <a:font script="Jpan" typeface="ＭＳ Ｐゴシック"/>
-        <a:font script="Hang" typeface="맑은 고딕"/>
-        <a:font script="Hans" typeface="宋体"/>
-        <a:font script="Hant" typeface="新細明體"/>
-        <a:font script="Arab" typeface="Arial"/>
-        <a:font script="Hebr" typeface="Arial"/>
-        <a:font script="Thai" typeface="Cordia New"/>
-        <a:font script="Ethi" typeface="Nyala"/>
-        <a:font script="Beng" typeface="Vrinda"/>
-        <a:font script="Gujr" typeface="Shruti"/>
-        <a:font script="Khmr" typeface="DaunPenh"/>
-        <a:font script="Knda" typeface="Tunga"/>
-        <a:font script="Guru" typeface="Raavi"/>
-        <a:font script="Cans" typeface="Euphemia"/>
-        <a:font script="Cher" typeface="Plantagenet Cherokee"/>
-        <a:font script="Yiii" typeface="Microsoft Yi Baiti"/>
-        <a:font script="Tibt" typeface="Microsoft Himalaya"/>
-        <a:font script="Thaa" typeface="MV Boli"/>
-        <a:font script="Deva" typeface="Mangal"/>
-        <a:font script="Telu" typeface="Gautami"/>
-        <a:font script="Taml" typeface="Latha"/>
-        <a:font script="Syrc" typeface="Estrangelo Edessa"/>
-        <a:font script="Orya" typeface="Kalinga"/>
-        <a:font script="Mlym" typeface="Kartika"/>
-        <a:font script="Laoo" typeface="DokChampa"/>
-        <a:font script="Sinh" typeface="Iskoola Pota"/>
-        <a:font script="Mong" typeface="Mongolian Baiti"/>
-        <a:font script="Viet" typeface="Arial"/>
-        <a:font script="Uigh" typeface="Microsoft Uighur"/>
-        <a:font script="Geor" typeface="Sylfaen"/>
-      </a:minorFont>
-    </a:fontScheme>
-    <a:fmtScheme name="Office">
-      <a:fillStyleLst>
-        <a:solidFill>
-          <a:schemeClr val="phClr"/>
-        </a:solidFill>
-        <a:gradFill rotWithShape="1">
-          <a:gsLst>
-            <a:gs pos="0">
-              <a:schemeClr val="phClr">
-                <a:tint val="50000"/>
-                <a:satMod val="300000"/>
-              </a:schemeClr>
-            </a:gs>
-            <a:gs pos="35000">
-              <a:schemeClr val="phClr">
-                <a:tint val="37000"/>
-                <a:satMod val="300000"/>
-              </a:schemeClr>
-            </a:gs>
-            <a:gs pos="100000">
-              <a:schemeClr val="phClr">
-                <a:tint val="15000"/>
-                <a:satMod val="350000"/>
-              </a:schemeClr>
-            </a:gs>
-          </a:gsLst>
-          <a:lin ang="16200000" scaled="1"/>
-        </a:gradFill>
-        <a:gradFill rotWithShape="1">
-          <a:gsLst>
-            <a:gs pos="0">
-              <a:schemeClr val="phClr">
-                <a:tint val="100000"/>
-                <a:shade val="100000"/>
-                <a:satMod val="130000"/>
-              </a:schemeClr>
-            </a:gs>
-            <a:gs pos="100000">
-              <a:schemeClr val="phClr">
-                <a:tint val="50000"/>
-                <a:shade val="100000"/>
-                <a:satMod val="350000"/>
-              </a:schemeClr>
-            </a:gs>
-          </a:gsLst>
-          <a:lin ang="16200000" scaled="0"/>
-        </a:gradFill>
-      </a:fillStyleLst>
-      <a:lnStyleLst>
-        <a:ln w="9525" cap="flat" cmpd="sng" algn="ctr">
-          <a:solidFill>
-            <a:schemeClr val="phClr">
-              <a:shade val="95000"/>
-              <a:satMod val="105000"/>
-            </a:schemeClr>
-          </a:solidFill>
-          <a:prstDash val="solid"/>
-        </a:ln>
-        <a:ln w="25400" cap="flat" cmpd="sng" algn="ctr">
-          <a:solidFill>
-            <a:schemeClr val="phClr"/>
-          </a:solidFill>
-          <a:prstDash val="solid"/>
-        </a:ln>
-        <a:ln w="38100" cap="flat" cmpd="sng" algn="ctr">
-          <a:solidFill>
-            <a:schemeClr val="phClr"/>
-          </a:solidFill>
-          <a:prstDash val="solid"/>
-        </a:ln>
-      </a:lnStyleLst>
-      <a:effectStyleLst>
-        <a:effectStyle>
-          <a:effectLst>
-            <a:outerShdw blurRad="40000" dist="20000" dir="5400000" rotWithShape="0">
-              <a:srgbClr val="000000">
-                <a:alpha val="38000"/>
-              </a:srgbClr>
-            </a:outerShdw>
-          </a:effectLst>
-        </a:effectStyle>
-        <a:effectStyle>
-          <a:effectLst>
-            <a:outerShdw blurRad="40000" dist="23000" dir="5400000" rotWithShape="0">
-              <a:srgbClr val="000000">
-                <a:alpha val="35000"/>
-              </a:srgbClr>
-            </a:outerShdw>
-          </a:effectLst>
-        </a:effectStyle>
-        <a:effectStyle>
-          <a:effectLst>
-            <a:outerShdw blurRad="40000" dist="23000" dir="5400000" rotWithShape="0">
-              <a:srgbClr val="000000">
-                <a:alpha val="35000"/>
-              </a:srgbClr>
-            </a:outerShdw>
-          </a:effectLst>
-          <a:scene3d>
-            <a:camera prst="orthographicFront">
-              <a:rot lat="0" lon="0" rev="0"/>
-            </a:camera>
-            <a:lightRig rig="threePt" dir="t">
-              <a:rot lat="0" lon="0" rev="1200000"/>
-            </a:lightRig>
-          </a:scene3d>
-          <a:sp3d>
-            <a:bevelT w="63500" h="25400"/>
-          </a:sp3d>
-        </a:effectStyle>
-      </a:effectStyleLst>
-      <a:bgFillStyleLst>
-        <a:solidFill>
-          <a:schemeClr val="phClr"/>
-        </a:solidFill>
-        <a:gradFill rotWithShape="1">
-          <a:gsLst>
-            <a:gs pos="0">
-              <a:schemeClr val="phClr">
-                <a:tint val="40000"/>
-                <a:satMod val="350000"/>
-              </a:schemeClr>
-            </a:gs>
-            <a:gs pos="40000">
-              <a:schemeClr val="phClr">
-                <a:tint val="45000"/>
-                <a:shade val="99000"/>
-                <a:satMod val="350000"/>
-              </a:schemeClr>
-            </a:gs>
-            <a:gs pos="100000">
-              <a:schemeClr val="phClr">
-                <a:shade val="20000"/>
-                <a:satMod val="255000"/>
-              </a:schemeClr>
-            </a:gs>
-          </a:gsLst>
-          <a:path path="circle">
-            <a:fillToRect l="50000" t="-80000" r="50000" b="180000"/>
-          </a:path>
-        </a:gradFill>
-        <a:gradFill rotWithShape="1">
-          <a:gsLst>
-            <a:gs pos="0">
-              <a:schemeClr val="phClr">
-                <a:tint val="80000"/>
-                <a:satMod val="300000"/>
-              </a:schemeClr>
-            </a:gs>
-            <a:gs pos="100000">
-              <a:schemeClr val="phClr">
-                <a:shade val="30000"/>
-                <a:satMod val="200000"/>
-              </a:schemeClr>
-            </a:gs>
-          </a:gsLst>
-          <a:path path="circle">
-            <a:fillToRect l="50000" t="50000" r="50000" b="50000"/>
-          </a:path>
-        </a:gradFill>
-      </a:bgFillStyleLst>
-    </a:fmtScheme>
-  </a:themeElements>
-</a:theme>
 </file>
--- a/CIS4250_Retrospective.pptx
+++ b/CIS4250_Retrospective.pptx
@@ -1491,7 +1491,7 @@
       </p:grpSpPr>
       <p:sp>
         <p:nvSpPr>
-          <p:cNvPr id="80" name="Google Shape;80;p4:notes"/>
+          <p:cNvPr id="80" name="Google Shape;80;g2664875a435_5_0:notes"/>
           <p:cNvSpPr txBox="1"/>
           <p:nvPr>
             <p:ph idx="1" type="body"/>
@@ -1530,7 +1530,7 @@
       </p:sp>
       <p:sp>
         <p:nvSpPr>
-          <p:cNvPr id="81" name="Google Shape;81;p4:notes"/>
+          <p:cNvPr id="81" name="Google Shape;81;g2664875a435_5_0:notes"/>
           <p:cNvSpPr/>
           <p:nvPr>
             <p:ph idx="2" type="sldImg"/>
@@ -1539,7 +1539,7 @@
         <p:spPr>
           <a:xfrm>
             <a:off x="1143225" y="685800"/>
-            <a:ext cx="4572225" cy="3429000"/>
+            <a:ext cx="4572300" cy="3429000"/>
           </a:xfrm>
           <a:custGeom>
             <a:rect b="b" l="l" r="r" t="t"/>
@@ -1590,7 +1590,106 @@
       </p:grpSpPr>
       <p:sp>
         <p:nvSpPr>
-          <p:cNvPr id="86" name="Google Shape;86;g2b19aebb51d_0_0:notes"/>
+          <p:cNvPr id="86" name="Google Shape;86;p4:notes"/>
+          <p:cNvSpPr txBox="1"/>
+          <p:nvPr>
+            <p:ph idx="1" type="body"/>
+          </p:nvPr>
+        </p:nvSpPr>
+        <p:spPr>
+          <a:xfrm>
+            <a:off x="685800" y="4343400"/>
+            <a:ext cx="5486400" cy="4114800"/>
+          </a:xfrm>
+          <a:prstGeom prst="rect">
+            <a:avLst/>
+          </a:prstGeom>
+        </p:spPr>
+        <p:txBody>
+          <a:bodyPr anchorCtr="0" anchor="t" bIns="91425" lIns="91425" spcFirstLastPara="1" rIns="91425" wrap="square" tIns="91425">
+            <a:noAutofit/>
+          </a:bodyPr>
+          <a:lstStyle/>
+          <a:p>
+            <a:pPr indent="0" lvl="0" marL="0" rtl="0" algn="l">
+              <a:spcBef>
+                <a:spcPts val="0"/>
+              </a:spcBef>
+              <a:spcAft>
+                <a:spcPts val="0"/>
+              </a:spcAft>
+              <a:buNone/>
+            </a:pPr>
+            <a:r>
+              <a:t/>
+            </a:r>
+            <a:endParaRPr/>
+          </a:p>
+        </p:txBody>
+      </p:sp>
+      <p:sp>
+        <p:nvSpPr>
+          <p:cNvPr id="87" name="Google Shape;87;p4:notes"/>
+          <p:cNvSpPr/>
+          <p:nvPr>
+            <p:ph idx="2" type="sldImg"/>
+          </p:nvPr>
+        </p:nvSpPr>
+        <p:spPr>
+          <a:xfrm>
+            <a:off x="1143225" y="685800"/>
+            <a:ext cx="4572225" cy="3429000"/>
+          </a:xfrm>
+          <a:custGeom>
+            <a:rect b="b" l="l" r="r" t="t"/>
+            <a:pathLst>
+              <a:path extrusionOk="0" h="120000" w="120000">
+                <a:moveTo>
+                  <a:pt x="0" y="0"/>
+                </a:moveTo>
+                <a:lnTo>
+                  <a:pt x="120000" y="0"/>
+                </a:lnTo>
+                <a:lnTo>
+                  <a:pt x="120000" y="120000"/>
+                </a:lnTo>
+                <a:lnTo>
+                  <a:pt x="0" y="120000"/>
+                </a:lnTo>
+                <a:close/>
+              </a:path>
+            </a:pathLst>
+          </a:custGeom>
+        </p:spPr>
+      </p:sp>
+    </p:spTree>
+  </p:cSld>
+  <p:clrMapOvr>
+    <a:masterClrMapping/>
+  </p:clrMapOvr>
+</p:notes>
+</file>
+
+<file path=ppt/notesSlides/notesSlide6.xml><?xml version="1.0" encoding="utf-8"?>
+<p:notes xmlns:a="http://schemas.openxmlformats.org/drawingml/2006/main" xmlns:r="http://schemas.openxmlformats.org/officeDocument/2006/relationships" xmlns:mc="http://schemas.openxmlformats.org/markup-compatibility/2006" xmlns:mv="urn:schemas-microsoft-com:mac:vml" xmlns:p="http://schemas.openxmlformats.org/presentationml/2006/main" xmlns:c="http://schemas.openxmlformats.org/drawingml/2006/chart" xmlns:dgm="http://schemas.openxmlformats.org/drawingml/2006/diagram" xmlns:o="urn:schemas-microsoft-com:office:office" xmlns:v="urn:schemas-microsoft-com:vml" xmlns:pvml="urn:schemas-microsoft-com:office:powerpoint" xmlns:com="http://schemas.openxmlformats.org/drawingml/2006/compatibility" xmlns:p14="http://schemas.microsoft.com/office/powerpoint/2010/main" xmlns:p15="http://schemas.microsoft.com/office/powerpoint/2012/main" xmlns:ahyp="http://schemas.microsoft.com/office/drawing/2018/hyperlinkcolor" showMasterPhAnim="0" showMasterSp="0">
+  <p:cSld>
+    <p:spTree>
+      <p:nvGrpSpPr>
+        <p:cNvPr id="91" name="Shape 91"/>
+        <p:cNvGrpSpPr/>
+        <p:nvPr/>
+      </p:nvGrpSpPr>
+      <p:grpSpPr>
+        <a:xfrm>
+          <a:off x="0" y="0"/>
+          <a:ext cx="0" cy="0"/>
+          <a:chOff x="0" y="0"/>
+          <a:chExt cx="0" cy="0"/>
+        </a:xfrm>
+      </p:grpSpPr>
+      <p:sp>
+        <p:nvSpPr>
+          <p:cNvPr id="92" name="Google Shape;92;g2b19aebb51d_0_0:notes"/>
           <p:cNvSpPr/>
           <p:nvPr>
             <p:ph idx="2" type="sldImg"/>
@@ -1625,7 +1724,7 @@
       </p:sp>
       <p:sp>
         <p:nvSpPr>
-          <p:cNvPr id="87" name="Google Shape;87;g2b19aebb51d_0_0:notes"/>
+          <p:cNvPr id="93" name="Google Shape;93;g2b19aebb51d_0_0:notes"/>
           <p:cNvSpPr txBox="1"/>
           <p:nvPr>
             <p:ph idx="1" type="body"/>
@@ -1661,105 +1760,6 @@
             <a:endParaRPr/>
           </a:p>
         </p:txBody>
-      </p:sp>
-    </p:spTree>
-  </p:cSld>
-  <p:clrMapOvr>
-    <a:masterClrMapping/>
-  </p:clrMapOvr>
-</p:notes>
-</file>
-
-<file path=ppt/notesSlides/notesSlide6.xml><?xml version="1.0" encoding="utf-8"?>
-<p:notes xmlns:a="http://schemas.openxmlformats.org/drawingml/2006/main" xmlns:r="http://schemas.openxmlformats.org/officeDocument/2006/relationships" xmlns:mc="http://schemas.openxmlformats.org/markup-compatibility/2006" xmlns:mv="urn:schemas-microsoft-com:mac:vml" xmlns:p="http://schemas.openxmlformats.org/presentationml/2006/main" xmlns:c="http://schemas.openxmlformats.org/drawingml/2006/chart" xmlns:dgm="http://schemas.openxmlformats.org/drawingml/2006/diagram" xmlns:o="urn:schemas-microsoft-com:office:office" xmlns:v="urn:schemas-microsoft-com:vml" xmlns:pvml="urn:schemas-microsoft-com:office:powerpoint" xmlns:com="http://schemas.openxmlformats.org/drawingml/2006/compatibility" xmlns:p14="http://schemas.microsoft.com/office/powerpoint/2010/main" xmlns:p15="http://schemas.microsoft.com/office/powerpoint/2012/main" xmlns:ahyp="http://schemas.microsoft.com/office/drawing/2018/hyperlinkcolor" showMasterPhAnim="0" showMasterSp="0">
-  <p:cSld>
-    <p:spTree>
-      <p:nvGrpSpPr>
-        <p:cNvPr id="91" name="Shape 91"/>
-        <p:cNvGrpSpPr/>
-        <p:nvPr/>
-      </p:nvGrpSpPr>
-      <p:grpSpPr>
-        <a:xfrm>
-          <a:off x="0" y="0"/>
-          <a:ext cx="0" cy="0"/>
-          <a:chOff x="0" y="0"/>
-          <a:chExt cx="0" cy="0"/>
-        </a:xfrm>
-      </p:grpSpPr>
-      <p:sp>
-        <p:nvSpPr>
-          <p:cNvPr id="92" name="Google Shape;92;g2b1a2e806fe_0_0:notes"/>
-          <p:cNvSpPr txBox="1"/>
-          <p:nvPr>
-            <p:ph idx="1" type="body"/>
-          </p:nvPr>
-        </p:nvSpPr>
-        <p:spPr>
-          <a:xfrm>
-            <a:off x="685800" y="4343400"/>
-            <a:ext cx="5486400" cy="4114800"/>
-          </a:xfrm>
-          <a:prstGeom prst="rect">
-            <a:avLst/>
-          </a:prstGeom>
-        </p:spPr>
-        <p:txBody>
-          <a:bodyPr anchorCtr="0" anchor="t" bIns="91425" lIns="91425" spcFirstLastPara="1" rIns="91425" wrap="square" tIns="91425">
-            <a:noAutofit/>
-          </a:bodyPr>
-          <a:lstStyle/>
-          <a:p>
-            <a:pPr indent="0" lvl="0" marL="0" rtl="0" algn="l">
-              <a:spcBef>
-                <a:spcPts val="0"/>
-              </a:spcBef>
-              <a:spcAft>
-                <a:spcPts val="0"/>
-              </a:spcAft>
-              <a:buNone/>
-            </a:pPr>
-            <a:r>
-              <a:t/>
-            </a:r>
-            <a:endParaRPr/>
-          </a:p>
-        </p:txBody>
-      </p:sp>
-      <p:sp>
-        <p:nvSpPr>
-          <p:cNvPr id="93" name="Google Shape;93;g2b1a2e806fe_0_0:notes"/>
-          <p:cNvSpPr/>
-          <p:nvPr>
-            <p:ph idx="2" type="sldImg"/>
-          </p:nvPr>
-        </p:nvSpPr>
-        <p:spPr>
-          <a:xfrm>
-            <a:off x="1143225" y="685800"/>
-            <a:ext cx="4572300" cy="3429000"/>
-          </a:xfrm>
-          <a:custGeom>
-            <a:rect b="b" l="l" r="r" t="t"/>
-            <a:pathLst>
-              <a:path extrusionOk="0" h="120000" w="120000">
-                <a:moveTo>
-                  <a:pt x="0" y="0"/>
-                </a:moveTo>
-                <a:lnTo>
-                  <a:pt x="120000" y="0"/>
-                </a:lnTo>
-                <a:lnTo>
-                  <a:pt x="120000" y="120000"/>
-                </a:lnTo>
-                <a:lnTo>
-                  <a:pt x="0" y="120000"/>
-                </a:lnTo>
-                <a:close/>
-              </a:path>
-            </a:pathLst>
-          </a:custGeom>
-        </p:spPr>
       </p:sp>
     </p:spTree>
   </p:cSld>
@@ -1788,7 +1788,7 @@
       </p:grpSpPr>
       <p:sp>
         <p:nvSpPr>
-          <p:cNvPr id="98" name="Google Shape;98;g2664875a435_5_0:notes"/>
+          <p:cNvPr id="98" name="Google Shape;98;g2b1a2e806fe_0_0:notes"/>
           <p:cNvSpPr txBox="1"/>
           <p:nvPr>
             <p:ph idx="1" type="body"/>
@@ -1827,7 +1827,7 @@
       </p:sp>
       <p:sp>
         <p:nvSpPr>
-          <p:cNvPr id="99" name="Google Shape;99;g2664875a435_5_0:notes"/>
+          <p:cNvPr id="99" name="Google Shape;99;g2b1a2e806fe_0_0:notes"/>
           <p:cNvSpPr/>
           <p:nvPr>
             <p:ph idx="2" type="sldImg"/>
@@ -8064,7 +8064,7 @@
             </a:pPr>
             <a:r>
               <a:rPr lang="en-US"/>
-              <a:t>Sprint 1</a:t>
+              <a:t>Sprint 2</a:t>
             </a:r>
             <a:endParaRPr/>
           </a:p>
@@ -8169,7 +8169,11 @@
             </a:r>
             <a:r>
               <a:rPr lang="en-US"/>
-              <a:t>: Rehan Nagoor Mohideen</a:t>
+              <a:t>: Ivan </a:t>
+            </a:r>
+            <a:r>
+              <a:rPr lang="en-US"/>
+              <a:t>Magtangob</a:t>
             </a:r>
             <a:endParaRPr/>
           </a:p>
@@ -8294,7 +8298,15 @@
             </a:pPr>
             <a:r>
               <a:rPr lang="en-US"/>
-              <a:t>Getting started was a bit slow and to understand how to get going. </a:t>
+              <a:t>General consistency with </a:t>
+            </a:r>
+            <a:r>
+              <a:rPr lang="en-US"/>
+              <a:t>everyone's</a:t>
+            </a:r>
+            <a:r>
+              <a:rPr lang="en-US"/>
+              <a:t> design</a:t>
             </a:r>
             <a:endParaRPr/>
           </a:p>
@@ -8314,27 +8326,7 @@
             </a:pPr>
             <a:r>
               <a:rPr lang="en-US"/>
-              <a:t>Weight allocation could be done better</a:t>
-            </a:r>
-            <a:endParaRPr/>
-          </a:p>
-          <a:p>
-            <a:pPr indent="-342900" lvl="0" marL="457200" rtl="0" algn="l">
-              <a:lnSpc>
-                <a:spcPct val="150000"/>
-              </a:lnSpc>
-              <a:spcBef>
-                <a:spcPts val="0"/>
-              </a:spcBef>
-              <a:spcAft>
-                <a:spcPts val="0"/>
-              </a:spcAft>
-              <a:buSzPts val="1800"/>
-              <a:buChar char="●"/>
-            </a:pPr>
-            <a:r>
-              <a:rPr lang="en-US"/>
-              <a:t>Local Dev &amp; Docker</a:t>
+              <a:t>Code clean up and polish</a:t>
             </a:r>
             <a:endParaRPr/>
           </a:p>
@@ -8459,7 +8451,7 @@
             </a:pPr>
             <a:r>
               <a:rPr lang="en-US"/>
-              <a:t>Once we got moving, everything came into place</a:t>
+              <a:t>We completed a game</a:t>
             </a:r>
             <a:endParaRPr/>
           </a:p>
@@ -8479,47 +8471,7 @@
             </a:pPr>
             <a:r>
               <a:rPr lang="en-US"/>
-              <a:t>People collaborating and helping each other</a:t>
-            </a:r>
-            <a:endParaRPr/>
-          </a:p>
-          <a:p>
-            <a:pPr indent="-342900" lvl="0" marL="457200" rtl="0" algn="l">
-              <a:lnSpc>
-                <a:spcPct val="150000"/>
-              </a:lnSpc>
-              <a:spcBef>
-                <a:spcPts val="0"/>
-              </a:spcBef>
-              <a:spcAft>
-                <a:spcPts val="0"/>
-              </a:spcAft>
-              <a:buSzPts val="1800"/>
-              <a:buChar char="●"/>
-            </a:pPr>
-            <a:r>
-              <a:rPr lang="en-US"/>
-              <a:t>It was generally made clear what everyone’s responsibilities were</a:t>
-            </a:r>
-            <a:endParaRPr/>
-          </a:p>
-          <a:p>
-            <a:pPr indent="-342900" lvl="0" marL="457200" rtl="0" algn="l">
-              <a:lnSpc>
-                <a:spcPct val="150000"/>
-              </a:lnSpc>
-              <a:spcBef>
-                <a:spcPts val="0"/>
-              </a:spcBef>
-              <a:spcAft>
-                <a:spcPts val="0"/>
-              </a:spcAft>
-              <a:buSzPts val="1800"/>
-              <a:buChar char="●"/>
-            </a:pPr>
-            <a:r>
-              <a:rPr lang="en-US"/>
-              <a:t>Enthusiasm to do more</a:t>
+              <a:t>Pipeline deploys fully automatically once merged to main</a:t>
             </a:r>
             <a:endParaRPr/>
           </a:p>
@@ -8644,7 +8596,7 @@
             </a:pPr>
             <a:r>
               <a:rPr lang="en-US"/>
-              <a:t>More Meetings to help organize and plan</a:t>
+              <a:t>Better ticket planning + assignment</a:t>
             </a:r>
             <a:endParaRPr/>
           </a:p>
@@ -8664,7 +8616,27 @@
             </a:pPr>
             <a:r>
               <a:rPr lang="en-US"/>
-              <a:t>Try to get the important tasks or the a highly dependant task started and finished earlier</a:t>
+              <a:t>Better communication</a:t>
+            </a:r>
+            <a:endParaRPr/>
+          </a:p>
+          <a:p>
+            <a:pPr indent="-342900" lvl="0" marL="457200" rtl="0" algn="l">
+              <a:lnSpc>
+                <a:spcPct val="150000"/>
+              </a:lnSpc>
+              <a:spcBef>
+                <a:spcPts val="0"/>
+              </a:spcBef>
+              <a:spcAft>
+                <a:spcPts val="0"/>
+              </a:spcAft>
+              <a:buSzPts val="1800"/>
+              <a:buChar char="●"/>
+            </a:pPr>
+            <a:r>
+              <a:rPr lang="en-US"/>
+              <a:t>Review merge requests earlier</a:t>
             </a:r>
             <a:endParaRPr/>
           </a:p>
@@ -8741,18 +8713,17 @@
           <p:cNvPicPr preferRelativeResize="0"/>
           <p:nvPr/>
         </p:nvPicPr>
-        <p:blipFill>
+        <p:blipFill rotWithShape="1">
           <a:blip r:embed="rId3">
             <a:alphaModFix/>
           </a:blip>
-          <a:stretch>
-            <a:fillRect/>
-          </a:stretch>
+          <a:srcRect b="0" l="21875" r="21875" t="0"/>
+          <a:stretch/>
         </p:blipFill>
         <p:spPr>
           <a:xfrm>
             <a:off x="4820900" y="3164900"/>
-            <a:ext cx="2550200" cy="2550200"/>
+            <a:ext cx="2550200" cy="2550199"/>
           </a:xfrm>
           <a:prstGeom prst="rect">
             <a:avLst/>
@@ -8880,118 +8851,44 @@
               <a:buNone/>
             </a:pPr>
             <a:r>
-              <a:t/>
+              <a:rPr lang="en-US"/>
+              <a:t>For sprint 2:</a:t>
             </a:r>
             <a:endParaRPr/>
           </a:p>
           <a:p>
-            <a:pPr indent="-228600" lvl="0" marL="228600" rtl="0" algn="l">
-              <a:lnSpc>
-                <a:spcPct val="90000"/>
-              </a:lnSpc>
+            <a:pPr indent="-234950" lvl="1" marL="685800" rtl="0" algn="l">
               <a:spcBef>
                 <a:spcPts val="1000"/>
               </a:spcBef>
               <a:spcAft>
                 <a:spcPts val="0"/>
               </a:spcAft>
-              <a:buClr>
-                <a:schemeClr val="dk1"/>
-              </a:buClr>
-              <a:buSzPts val="2800"/>
-              <a:buChar char="●"/>
-            </a:pPr>
-            <a:r>
-              <a:rPr b="1" lang="en-US"/>
-              <a:t>For sprint 1:</a:t>
-            </a:r>
-            <a:endParaRPr b="1"/>
-          </a:p>
-          <a:p>
-            <a:pPr indent="-228600" lvl="1" marL="685800" rtl="0" algn="l">
-              <a:lnSpc>
-                <a:spcPct val="90000"/>
-              </a:lnSpc>
-              <a:spcBef>
-                <a:spcPts val="500"/>
-              </a:spcBef>
-              <a:spcAft>
-                <a:spcPts val="0"/>
-              </a:spcAft>
-              <a:buClr>
-                <a:schemeClr val="dk1"/>
-              </a:buClr>
-              <a:buSzPts val="2400"/>
+              <a:buSzPts val="1900"/>
               <a:buChar char="○"/>
             </a:pPr>
             <a:r>
-              <a:rPr lang="en-US"/>
-              <a:t>Local dev was setup using Docker (currently only php and nginx)</a:t>
+              <a:rPr lang="en-US" sz="2400"/>
+              <a:t>First level of Where’s Waldo game functioning</a:t>
             </a:r>
-            <a:endParaRPr/>
+            <a:endParaRPr sz="2400"/>
           </a:p>
           <a:p>
-            <a:pPr indent="-266700" lvl="1" marL="685800" rtl="0" algn="l">
-              <a:spcBef>
-                <a:spcPts val="500"/>
-              </a:spcBef>
-              <a:spcAft>
-                <a:spcPts val="0"/>
-              </a:spcAft>
-              <a:buSzPts val="2400"/>
+            <a:pPr indent="-234950" lvl="1" marL="685800" rtl="0" algn="l">
+              <a:spcBef>
+                <a:spcPts val="1000"/>
+              </a:spcBef>
+              <a:spcAft>
+                <a:spcPts val="0"/>
+              </a:spcAft>
+              <a:buSzPts val="1900"/>
               <a:buChar char="○"/>
             </a:pPr>
             <a:r>
-              <a:rPr lang="en-US"/>
-              <a:t>Website’s home and about us pages are completed, linked and on the VM</a:t>
+              <a:rPr lang="en-US" sz="2400"/>
+              <a:t>CI/CD deployment, linting, and tests set up</a:t>
             </a:r>
-            <a:endParaRPr/>
-          </a:p>
-          <a:p>
-            <a:pPr indent="-228600" lvl="1" marL="685800" rtl="0" algn="l">
-              <a:lnSpc>
-                <a:spcPct val="90000"/>
-              </a:lnSpc>
-              <a:spcBef>
-                <a:spcPts val="500"/>
-              </a:spcBef>
-              <a:spcAft>
-                <a:spcPts val="0"/>
-              </a:spcAft>
-              <a:buClr>
-                <a:schemeClr val="dk1"/>
-              </a:buClr>
-              <a:buSzPts val="2400"/>
-              <a:buChar char="○"/>
-            </a:pPr>
-            <a:r>
-              <a:rPr lang="en-US"/>
-              <a:t>All the member completed their about me sections and included it to the about us page</a:t>
-            </a:r>
-            <a:endParaRPr/>
-          </a:p>
-          <a:p>
-            <a:pPr indent="-228600" lvl="1" marL="685800" rtl="0" algn="l">
-              <a:lnSpc>
-                <a:spcPct val="90000"/>
-              </a:lnSpc>
-              <a:spcBef>
-                <a:spcPts val="500"/>
-              </a:spcBef>
-              <a:spcAft>
-                <a:spcPts val="0"/>
-              </a:spcAft>
-              <a:buClr>
-                <a:schemeClr val="dk1"/>
-              </a:buClr>
-              <a:buSzPts val="2400"/>
-              <a:buChar char="○"/>
-            </a:pPr>
-            <a:r>
-              <a:rPr lang="en-US"/>
-              <a:t>CI/CD is setup</a:t>
-            </a:r>
-            <a:endParaRPr/>
+            <a:endParaRPr sz="2400"/>
           </a:p>
         </p:txBody>
       </p:sp>
@@ -9066,7 +8963,7 @@
             </a:pPr>
             <a:r>
               <a:rPr lang="en-US"/>
-              <a:t>Sprint 1 burndown chart</a:t>
+              <a:t>Sprint 2 burndown chart</a:t>
             </a:r>
             <a:endParaRPr/>
           </a:p>
@@ -9088,8 +8985,8 @@
         </p:blipFill>
         <p:spPr>
           <a:xfrm>
-            <a:off x="1641725" y="1530538"/>
-            <a:ext cx="8908530" cy="4862512"/>
+            <a:off x="1518225" y="1489338"/>
+            <a:ext cx="9155542" cy="4862513"/>
           </a:xfrm>
           <a:prstGeom prst="rect">
             <a:avLst/>
@@ -9136,7 +9033,7 @@
         <p:spPr>
           <a:xfrm>
             <a:off x="838200" y="365125"/>
-            <a:ext cx="10515600" cy="1325563"/>
+            <a:ext cx="10515600" cy="1325700"/>
           </a:xfrm>
           <a:prstGeom prst="rect">
             <a:avLst/>
@@ -9171,7 +9068,7 @@
             </a:pPr>
             <a:r>
               <a:rPr lang="en-US"/>
-              <a:t>Rehan - Weights Completed: 17</a:t>
+              <a:t>Ivan - Weights Completed: 22</a:t>
             </a:r>
             <a:endParaRPr/>
           </a:p>
@@ -9188,7 +9085,7 @@
         <p:spPr>
           <a:xfrm>
             <a:off x="838200" y="1825625"/>
-            <a:ext cx="10515600" cy="4351338"/>
+            <a:ext cx="10515600" cy="4351200"/>
           </a:xfrm>
           <a:prstGeom prst="rect">
             <a:avLst/>
@@ -9209,7 +9106,7 @@
                 <a:spcPct val="150000"/>
               </a:lnSpc>
               <a:spcBef>
-                <a:spcPts val="0"/>
+                <a:spcPts val="1000"/>
               </a:spcBef>
               <a:spcAft>
                 <a:spcPts val="0"/>
@@ -9219,7 +9116,7 @@
             </a:pPr>
             <a:r>
               <a:rPr lang="en-US"/>
-              <a:t>Research + setting up local development using Docker with Ivan</a:t>
+              <a:t>Completed CI/CD PHP linting</a:t>
             </a:r>
             <a:endParaRPr/>
           </a:p>
@@ -9239,27 +9136,7 @@
             </a:pPr>
             <a:r>
               <a:rPr lang="en-US"/>
-              <a:t>Merged/consolidated code regarding the About Us page with Ivan</a:t>
-            </a:r>
-            <a:endParaRPr/>
-          </a:p>
-          <a:p>
-            <a:pPr indent="-342900" lvl="1" marL="914400" rtl="0" algn="l">
-              <a:lnSpc>
-                <a:spcPct val="150000"/>
-              </a:lnSpc>
-              <a:spcBef>
-                <a:spcPts val="0"/>
-              </a:spcBef>
-              <a:spcAft>
-                <a:spcPts val="0"/>
-              </a:spcAft>
-              <a:buSzPts val="1800"/>
-              <a:buChar char="○"/>
-            </a:pPr>
-            <a:r>
-              <a:rPr lang="en-US"/>
-              <a:t>Created folder structure, linked and cleaned up pages</a:t>
+              <a:t>Setup CI/CD deployment with Rehan &amp; Thulasi</a:t>
             </a:r>
             <a:endParaRPr/>
           </a:p>
@@ -9279,27 +9156,7 @@
             </a:pPr>
             <a:r>
               <a:rPr lang="en-US"/>
-              <a:t>Completed About Us snippet</a:t>
-            </a:r>
-            <a:endParaRPr/>
-          </a:p>
-          <a:p>
-            <a:pPr indent="-342900" lvl="0" marL="457200" rtl="0" algn="l">
-              <a:lnSpc>
-                <a:spcPct val="150000"/>
-              </a:lnSpc>
-              <a:spcBef>
-                <a:spcPts val="0"/>
-              </a:spcBef>
-              <a:spcAft>
-                <a:spcPts val="0"/>
-              </a:spcAft>
-              <a:buSzPts val="1800"/>
-              <a:buChar char="●"/>
-            </a:pPr>
-            <a:r>
-              <a:rPr lang="en-US"/>
-              <a:t>Managed tickets and tasks</a:t>
+              <a:t>Merge, fix, and polish code with Rehan</a:t>
             </a:r>
             <a:endParaRPr/>
           </a:p>
@@ -9341,11 +9198,15 @@
         <p:spPr>
           <a:xfrm>
             <a:off x="838200" y="365125"/>
-            <a:ext cx="10515600" cy="1325700"/>
+            <a:ext cx="10515600" cy="1325563"/>
           </a:xfrm>
           <a:prstGeom prst="rect">
             <a:avLst/>
           </a:prstGeom>
+          <a:noFill/>
+          <a:ln>
+            <a:noFill/>
+          </a:ln>
         </p:spPr>
         <p:txBody>
           <a:bodyPr anchorCtr="0" anchor="ctr" bIns="45700" lIns="91425" spcFirstLastPara="1" rIns="91425" wrap="square" tIns="45700">
@@ -9354,17 +9215,25 @@
           <a:lstStyle/>
           <a:p>
             <a:pPr indent="0" lvl="0" marL="0" rtl="0" algn="l">
-              <a:spcBef>
-                <a:spcPts val="0"/>
-              </a:spcBef>
-              <a:spcAft>
-                <a:spcPts val="0"/>
-              </a:spcAft>
+              <a:lnSpc>
+                <a:spcPct val="90000"/>
+              </a:lnSpc>
+              <a:spcBef>
+                <a:spcPts val="0"/>
+              </a:spcBef>
+              <a:spcAft>
+                <a:spcPts val="0"/>
+              </a:spcAft>
+              <a:buClr>
+                <a:schemeClr val="dk1"/>
+              </a:buClr>
+              <a:buSzPts val="4400"/>
+              <a:buFont typeface="Calibri"/>
               <a:buNone/>
             </a:pPr>
             <a:r>
               <a:rPr lang="en-US"/>
-              <a:t>Nour - Weights Completed: 12</a:t>
+              <a:t>Rehan - Weights Completed: 21</a:t>
             </a:r>
             <a:endParaRPr/>
           </a:p>
@@ -9381,11 +9250,15 @@
         <p:spPr>
           <a:xfrm>
             <a:off x="838200" y="1825625"/>
-            <a:ext cx="10515600" cy="4351200"/>
+            <a:ext cx="10515600" cy="4351338"/>
           </a:xfrm>
           <a:prstGeom prst="rect">
             <a:avLst/>
           </a:prstGeom>
+          <a:noFill/>
+          <a:ln>
+            <a:noFill/>
+          </a:ln>
         </p:spPr>
         <p:txBody>
           <a:bodyPr anchorCtr="0" anchor="t" bIns="45700" lIns="91425" spcFirstLastPara="1" rIns="91425" wrap="square" tIns="45700">
@@ -9408,7 +9281,7 @@
             </a:pPr>
             <a:r>
               <a:rPr lang="en-US"/>
-              <a:t>Completed About Us Section</a:t>
+              <a:t>Setup CI/CD deployment with Thulasi &amp; Ivan</a:t>
             </a:r>
             <a:endParaRPr/>
           </a:p>
@@ -9428,7 +9301,15 @@
             </a:pPr>
             <a:r>
               <a:rPr lang="en-US"/>
-              <a:t>Did research for CI/CD</a:t>
+              <a:t>Created </a:t>
+            </a:r>
+            <a:r>
+              <a:rPr lang="en-US"/>
+              <a:t>functionality</a:t>
+            </a:r>
+            <a:r>
+              <a:rPr lang="en-US"/>
+              <a:t> for game logic (finding Waldo) with Thulasi &amp; Nour</a:t>
             </a:r>
             <a:endParaRPr/>
           </a:p>
@@ -9448,7 +9329,11 @@
             </a:pPr>
             <a:r>
               <a:rPr lang="en-US"/>
-              <a:t>Set up the CI/CD Pipeline </a:t>
+              <a:t>Merge, fix, and polish </a:t>
+            </a:r>
+            <a:r>
+              <a:rPr lang="en-US"/>
+              <a:t>code with Ivan</a:t>
             </a:r>
             <a:endParaRPr/>
           </a:p>
@@ -9495,10 +9380,6 @@
           <a:prstGeom prst="rect">
             <a:avLst/>
           </a:prstGeom>
-          <a:noFill/>
-          <a:ln>
-            <a:noFill/>
-          </a:ln>
         </p:spPr>
         <p:txBody>
           <a:bodyPr anchorCtr="0" anchor="ctr" bIns="45700" lIns="91425" spcFirstLastPara="1" rIns="91425" wrap="square" tIns="45700">
@@ -9507,29 +9388,17 @@
           <a:lstStyle/>
           <a:p>
             <a:pPr indent="0" lvl="0" marL="0" rtl="0" algn="l">
-              <a:lnSpc>
-                <a:spcPct val="90000"/>
-              </a:lnSpc>
-              <a:spcBef>
-                <a:spcPts val="0"/>
-              </a:spcBef>
-              <a:spcAft>
-                <a:spcPts val="0"/>
-              </a:spcAft>
-              <a:buClr>
-                <a:schemeClr val="dk1"/>
-              </a:buClr>
-              <a:buSzPts val="4400"/>
-              <a:buFont typeface="Calibri"/>
+              <a:spcBef>
+                <a:spcPts val="0"/>
+              </a:spcBef>
+              <a:spcAft>
+                <a:spcPts val="0"/>
+              </a:spcAft>
               <a:buNone/>
             </a:pPr>
             <a:r>
               <a:rPr lang="en-US"/>
-              <a:t>Harikrishan</a:t>
-            </a:r>
-            <a:r>
-              <a:rPr lang="en-US"/>
-              <a:t> - Weights Completed: 14</a:t>
+              <a:t>Nour - Weights Completed: 14</a:t>
             </a:r>
             <a:endParaRPr/>
           </a:p>
@@ -9551,10 +9420,6 @@
           <a:prstGeom prst="rect">
             <a:avLst/>
           </a:prstGeom>
-          <a:noFill/>
-          <a:ln>
-            <a:noFill/>
-          </a:ln>
         </p:spPr>
         <p:txBody>
           <a:bodyPr anchorCtr="0" anchor="t" bIns="45700" lIns="91425" spcFirstLastPara="1" rIns="91425" wrap="square" tIns="45700">
@@ -9567,7 +9432,7 @@
                 <a:spcPct val="150000"/>
               </a:lnSpc>
               <a:spcBef>
-                <a:spcPts val="0"/>
+                <a:spcPts val="1000"/>
               </a:spcBef>
               <a:spcAft>
                 <a:spcPts val="0"/>
@@ -9577,7 +9442,7 @@
             </a:pPr>
             <a:r>
               <a:rPr lang="en-US"/>
-              <a:t>Created About Us page</a:t>
+              <a:t>Refactored code base for nav bar and styling </a:t>
             </a:r>
             <a:endParaRPr/>
           </a:p>
@@ -9597,7 +9462,7 @@
             </a:pPr>
             <a:r>
               <a:rPr lang="en-US"/>
-              <a:t>Updated styling for the profile cards and incorporated social media links</a:t>
+              <a:t>Updated the nav bar &amp; linked website pages </a:t>
             </a:r>
             <a:endParaRPr/>
           </a:p>
@@ -9617,7 +9482,7 @@
             </a:pPr>
             <a:r>
               <a:rPr lang="en-US"/>
-              <a:t>Completed About Us snippet</a:t>
+              <a:t>Improved the UI/design of the nav bar</a:t>
             </a:r>
             <a:endParaRPr/>
           </a:p>
@@ -9637,7 +9502,7 @@
             </a:pPr>
             <a:r>
               <a:rPr lang="en-US"/>
-              <a:t>Contributed to group meetings and standups</a:t>
+              <a:t>Helped with the branch clean up</a:t>
             </a:r>
             <a:endParaRPr/>
           </a:p>
@@ -9732,7 +9597,11 @@
             </a:pPr>
             <a:r>
               <a:rPr lang="en-US"/>
-              <a:t>Ivan - Weights Completed: 16</a:t>
+              <a:t>Harikrishan</a:t>
+            </a:r>
+            <a:r>
+              <a:rPr lang="en-US"/>
+              <a:t> - Weights Completed: 12</a:t>
             </a:r>
             <a:endParaRPr/>
           </a:p>
@@ -9780,11 +9649,7 @@
             </a:pPr>
             <a:r>
               <a:rPr lang="en-US"/>
-              <a:t>Research + setting </a:t>
-            </a:r>
-            <a:r>
-              <a:rPr lang="en-US"/>
-              <a:t>up local development using Docker with Rehan</a:t>
+              <a:t>Created and update the game page. </a:t>
             </a:r>
             <a:endParaRPr/>
           </a:p>
@@ -9804,7 +9669,7 @@
             </a:pPr>
             <a:r>
               <a:rPr lang="en-US"/>
-              <a:t>Assisting rest of the team with Docker setup</a:t>
+              <a:t>Created instruction page and linked pages together.</a:t>
             </a:r>
             <a:endParaRPr/>
           </a:p>
@@ -9824,47 +9689,25 @@
             </a:pPr>
             <a:r>
               <a:rPr lang="en-US"/>
-              <a:t>Merged/consolidated code regarding the About Us page with Rehan</a:t>
+              <a:t>Worked on the read me. </a:t>
             </a:r>
             <a:endParaRPr/>
           </a:p>
           <a:p>
-            <a:pPr indent="-342900" lvl="1" marL="914400" rtl="0" algn="l">
+            <a:pPr indent="0" lvl="0" marL="457200" rtl="0" algn="l">
               <a:lnSpc>
                 <a:spcPct val="150000"/>
               </a:lnSpc>
               <a:spcBef>
-                <a:spcPts val="0"/>
-              </a:spcBef>
-              <a:spcAft>
-                <a:spcPts val="0"/>
-              </a:spcAft>
-              <a:buSzPts val="1800"/>
-              <a:buChar char="○"/>
+                <a:spcPts val="1000"/>
+              </a:spcBef>
+              <a:spcAft>
+                <a:spcPts val="0"/>
+              </a:spcAft>
+              <a:buNone/>
             </a:pPr>
             <a:r>
-              <a:rPr lang="en-US"/>
-              <a:t>Created folder structure, linked and cleaned up pages</a:t>
-            </a:r>
-            <a:endParaRPr/>
-          </a:p>
-          <a:p>
-            <a:pPr indent="-342900" lvl="0" marL="457200" rtl="0" algn="l">
-              <a:lnSpc>
-                <a:spcPct val="150000"/>
-              </a:lnSpc>
-              <a:spcBef>
-                <a:spcPts val="0"/>
-              </a:spcBef>
-              <a:spcAft>
-                <a:spcPts val="0"/>
-              </a:spcAft>
-              <a:buSzPts val="1800"/>
-              <a:buChar char="●"/>
-            </a:pPr>
-            <a:r>
-              <a:rPr lang="en-US"/>
-              <a:t>Completed About Us snippet</a:t>
+              <a:t/>
             </a:r>
             <a:endParaRPr/>
           </a:p>
@@ -9957,7 +9800,7 @@
         </p:nvSpPr>
         <p:spPr>
           <a:xfrm>
-            <a:off x="838200" y="1825625"/>
+            <a:off x="838203" y="1968794"/>
             <a:ext cx="10515600" cy="4351200"/>
           </a:xfrm>
           <a:prstGeom prst="rect">
@@ -9985,7 +9828,7 @@
             </a:pPr>
             <a:r>
               <a:rPr lang="en-US"/>
-              <a:t>Developed and designed the landing page </a:t>
+              <a:t>Worked on the frontend/UI of the Website.</a:t>
             </a:r>
             <a:endParaRPr/>
           </a:p>
@@ -10005,7 +9848,7 @@
             </a:pPr>
             <a:r>
               <a:rPr lang="en-US"/>
-              <a:t>Added the navigation bar + linked website pages</a:t>
+              <a:t>Created the game Page</a:t>
             </a:r>
             <a:endParaRPr/>
           </a:p>
@@ -10025,83 +9868,7 @@
             </a:pPr>
             <a:r>
               <a:rPr lang="en-US"/>
-              <a:t>Wrote the Readme</a:t>
-            </a:r>
-            <a:endParaRPr/>
-          </a:p>
-          <a:p>
-            <a:pPr indent="-342900" lvl="0" marL="457200" rtl="0" algn="l">
-              <a:lnSpc>
-                <a:spcPct val="150000"/>
-              </a:lnSpc>
-              <a:spcBef>
-                <a:spcPts val="0"/>
-              </a:spcBef>
-              <a:spcAft>
-                <a:spcPts val="0"/>
-              </a:spcAft>
-              <a:buSzPts val="1800"/>
-              <a:buChar char="●"/>
-            </a:pPr>
-            <a:r>
-              <a:rPr lang="en-US"/>
-              <a:t>Completed About Us snippet</a:t>
-            </a:r>
-            <a:endParaRPr/>
-          </a:p>
-          <a:p>
-            <a:pPr indent="-342900" lvl="0" marL="457200" rtl="0" algn="l">
-              <a:lnSpc>
-                <a:spcPct val="150000"/>
-              </a:lnSpc>
-              <a:spcBef>
-                <a:spcPts val="0"/>
-              </a:spcBef>
-              <a:spcAft>
-                <a:spcPts val="0"/>
-              </a:spcAft>
-              <a:buSzPts val="1800"/>
-              <a:buChar char="●"/>
-            </a:pPr>
-            <a:r>
-              <a:rPr lang="en-US"/>
-              <a:t>Cleaned up the About Us page</a:t>
-            </a:r>
-            <a:endParaRPr/>
-          </a:p>
-          <a:p>
-            <a:pPr indent="0" lvl="0" marL="0" rtl="0" algn="l">
-              <a:lnSpc>
-                <a:spcPct val="150000"/>
-              </a:lnSpc>
-              <a:spcBef>
-                <a:spcPts val="1600"/>
-              </a:spcBef>
-              <a:spcAft>
-                <a:spcPts val="0"/>
-              </a:spcAft>
-              <a:buNone/>
-            </a:pPr>
-            <a:r>
-              <a:t/>
-            </a:r>
-            <a:endParaRPr/>
-          </a:p>
-          <a:p>
-            <a:pPr indent="0" lvl="0" marL="0" rtl="0" algn="l">
-              <a:lnSpc>
-                <a:spcPct val="150000"/>
-              </a:lnSpc>
-              <a:spcBef>
-                <a:spcPts val="1600"/>
-              </a:spcBef>
-              <a:spcAft>
-                <a:spcPts val="1600"/>
-              </a:spcAft>
-              <a:buNone/>
-            </a:pPr>
-            <a:r>
-              <a:t/>
+              <a:t>Updated Landing page with game card.</a:t>
             </a:r>
             <a:endParaRPr/>
           </a:p>
@@ -10170,7 +9937,7 @@
             </a:r>
             <a:r>
               <a:rPr lang="en-US"/>
-              <a:t>- Weights Completed: 13</a:t>
+              <a:t>- Weights Completed: 14</a:t>
             </a:r>
             <a:endParaRPr/>
           </a:p>
@@ -10195,7 +9962,7 @@
         </p:spPr>
         <p:txBody>
           <a:bodyPr anchorCtr="0" anchor="t" bIns="45700" lIns="91425" spcFirstLastPara="1" rIns="91425" wrap="square" tIns="45700">
-            <a:normAutofit lnSpcReduction="10000"/>
+            <a:normAutofit/>
           </a:bodyPr>
           <a:lstStyle/>
           <a:p>
@@ -10214,7 +9981,7 @@
             </a:pPr>
             <a:r>
               <a:rPr lang="en-US"/>
-              <a:t>Researched CI/CD pipeline setup and usage in GitLab</a:t>
+              <a:t>Game logic 1: Setting up clickable Waldo asset</a:t>
             </a:r>
             <a:endParaRPr/>
           </a:p>
@@ -10234,7 +10001,7 @@
             </a:pPr>
             <a:r>
               <a:rPr lang="en-US"/>
-              <a:t>Set up the CI/CD Pipeline (Build, Test, Deploy)</a:t>
+              <a:t>Game logic 2: Setting up scorekeeping capabilities</a:t>
             </a:r>
             <a:endParaRPr/>
           </a:p>
@@ -10254,54 +10021,14 @@
             </a:pPr>
             <a:r>
               <a:rPr lang="en-US"/>
-              <a:t>Automated HTML File Transfer to Production Server using CI/CD</a:t>
-            </a:r>
-            <a:endParaRPr/>
-          </a:p>
-          <a:p>
-            <a:pPr indent="-342900" lvl="0" marL="457200" marR="0" rtl="0" algn="l">
-              <a:lnSpc>
-                <a:spcPct val="150000"/>
-              </a:lnSpc>
-              <a:spcBef>
-                <a:spcPts val="0"/>
-              </a:spcBef>
-              <a:spcAft>
-                <a:spcPts val="0"/>
-              </a:spcAft>
-              <a:buSzPts val="1800"/>
-              <a:buChar char="●"/>
-            </a:pPr>
-            <a:r>
-              <a:rPr lang="en-US"/>
-              <a:t>Created and updated the Project Wiki</a:t>
-            </a:r>
-            <a:endParaRPr/>
-          </a:p>
-          <a:p>
-            <a:pPr indent="-342900" lvl="0" marL="457200" rtl="0" algn="l">
-              <a:lnSpc>
-                <a:spcPct val="150000"/>
-              </a:lnSpc>
-              <a:spcBef>
-                <a:spcPts val="0"/>
-              </a:spcBef>
-              <a:spcAft>
-                <a:spcPts val="0"/>
-              </a:spcAft>
-              <a:buSzPts val="1800"/>
-              <a:buChar char="●"/>
-            </a:pPr>
-            <a:r>
-              <a:rPr lang="en-US"/>
-              <a:t>Completed About Us snippet</a:t>
+              <a:t>Frontend/UI: Formatting the asset and scoreboard using CSS</a:t>
             </a:r>
             <a:endParaRPr/>
           </a:p>
           <a:p>
             <a:pPr indent="0" lvl="0" marL="0" rtl="0" algn="l">
               <a:spcBef>
-                <a:spcPts val="1000"/>
+                <a:spcPts val="1600"/>
               </a:spcBef>
               <a:spcAft>
                 <a:spcPts val="0"/>

--- a/CIS4250_Retrospective.pptx
+++ b/CIS4250_Retrospective.pptx
@@ -797,7 +797,7 @@
   <p:cSld>
     <p:spTree>
       <p:nvGrpSpPr>
-        <p:cNvPr id="115" name="Shape 115"/>
+        <p:cNvPr id="116" name="Shape 116"/>
         <p:cNvGrpSpPr/>
         <p:nvPr/>
       </p:nvGrpSpPr>
@@ -811,7 +811,7 @@
       </p:grpSpPr>
       <p:sp>
         <p:nvSpPr>
-          <p:cNvPr id="116" name="Google Shape;116;p5:notes"/>
+          <p:cNvPr id="117" name="Google Shape;117;p5:notes"/>
           <p:cNvSpPr txBox="1"/>
           <p:nvPr>
             <p:ph idx="1" type="body"/>
@@ -850,7 +850,7 @@
       </p:sp>
       <p:sp>
         <p:nvSpPr>
-          <p:cNvPr id="117" name="Google Shape;117;p5:notes"/>
+          <p:cNvPr id="118" name="Google Shape;118;p5:notes"/>
           <p:cNvSpPr/>
           <p:nvPr>
             <p:ph idx="2" type="sldImg"/>
@@ -896,7 +896,7 @@
   <p:cSld>
     <p:spTree>
       <p:nvGrpSpPr>
-        <p:cNvPr id="121" name="Shape 121"/>
+        <p:cNvPr id="122" name="Shape 122"/>
         <p:cNvGrpSpPr/>
         <p:nvPr/>
       </p:nvGrpSpPr>
@@ -910,7 +910,7 @@
       </p:grpSpPr>
       <p:sp>
         <p:nvSpPr>
-          <p:cNvPr id="122" name="Google Shape;122;p6:notes"/>
+          <p:cNvPr id="123" name="Google Shape;123;p6:notes"/>
           <p:cNvSpPr txBox="1"/>
           <p:nvPr>
             <p:ph idx="1" type="body"/>
@@ -949,7 +949,7 @@
       </p:sp>
       <p:sp>
         <p:nvSpPr>
-          <p:cNvPr id="123" name="Google Shape;123;p6:notes"/>
+          <p:cNvPr id="124" name="Google Shape;124;p6:notes"/>
           <p:cNvSpPr/>
           <p:nvPr>
             <p:ph idx="2" type="sldImg"/>
@@ -995,7 +995,7 @@
   <p:cSld>
     <p:spTree>
       <p:nvGrpSpPr>
-        <p:cNvPr id="127" name="Shape 127"/>
+        <p:cNvPr id="128" name="Shape 128"/>
         <p:cNvGrpSpPr/>
         <p:nvPr/>
       </p:nvGrpSpPr>
@@ -1009,7 +1009,7 @@
       </p:grpSpPr>
       <p:sp>
         <p:nvSpPr>
-          <p:cNvPr id="128" name="Google Shape;128;p7:notes"/>
+          <p:cNvPr id="129" name="Google Shape;129;p7:notes"/>
           <p:cNvSpPr txBox="1"/>
           <p:nvPr>
             <p:ph idx="1" type="body"/>
@@ -1048,7 +1048,7 @@
       </p:sp>
       <p:sp>
         <p:nvSpPr>
-          <p:cNvPr id="129" name="Google Shape;129;p7:notes"/>
+          <p:cNvPr id="130" name="Google Shape;130;p7:notes"/>
           <p:cNvSpPr/>
           <p:nvPr>
             <p:ph idx="2" type="sldImg"/>
@@ -1094,7 +1094,7 @@
   <p:cSld>
     <p:spTree>
       <p:nvGrpSpPr>
-        <p:cNvPr id="133" name="Shape 133"/>
+        <p:cNvPr id="134" name="Shape 134"/>
         <p:cNvGrpSpPr/>
         <p:nvPr/>
       </p:nvGrpSpPr>
@@ -1108,7 +1108,7 @@
       </p:grpSpPr>
       <p:sp>
         <p:nvSpPr>
-          <p:cNvPr id="134" name="Google Shape;134;g2b19aebaf4f_0_5:notes"/>
+          <p:cNvPr id="135" name="Google Shape;135;g2b19aebaf4f_0_5:notes"/>
           <p:cNvSpPr/>
           <p:nvPr>
             <p:ph idx="2" type="sldImg"/>
@@ -1143,7 +1143,7 @@
       </p:sp>
       <p:sp>
         <p:nvSpPr>
-          <p:cNvPr id="135" name="Google Shape;135;g2b19aebaf4f_0_5:notes"/>
+          <p:cNvPr id="136" name="Google Shape;136;g2b19aebaf4f_0_5:notes"/>
           <p:cNvSpPr txBox="1"/>
           <p:nvPr>
             <p:ph idx="1" type="body"/>
@@ -1491,46 +1491,7 @@
       </p:grpSpPr>
       <p:sp>
         <p:nvSpPr>
-          <p:cNvPr id="80" name="Google Shape;80;g2664875a435_5_0:notes"/>
-          <p:cNvSpPr txBox="1"/>
-          <p:nvPr>
-            <p:ph idx="1" type="body"/>
-          </p:nvPr>
-        </p:nvSpPr>
-        <p:spPr>
-          <a:xfrm>
-            <a:off x="685800" y="4343400"/>
-            <a:ext cx="5486400" cy="4114800"/>
-          </a:xfrm>
-          <a:prstGeom prst="rect">
-            <a:avLst/>
-          </a:prstGeom>
-        </p:spPr>
-        <p:txBody>
-          <a:bodyPr anchorCtr="0" anchor="t" bIns="91425" lIns="91425" spcFirstLastPara="1" rIns="91425" wrap="square" tIns="91425">
-            <a:noAutofit/>
-          </a:bodyPr>
-          <a:lstStyle/>
-          <a:p>
-            <a:pPr indent="0" lvl="0" marL="0" rtl="0" algn="l">
-              <a:spcBef>
-                <a:spcPts val="0"/>
-              </a:spcBef>
-              <a:spcAft>
-                <a:spcPts val="0"/>
-              </a:spcAft>
-              <a:buNone/>
-            </a:pPr>
-            <a:r>
-              <a:t/>
-            </a:r>
-            <a:endParaRPr/>
-          </a:p>
-        </p:txBody>
-      </p:sp>
-      <p:sp>
-        <p:nvSpPr>
-          <p:cNvPr id="81" name="Google Shape;81;g2664875a435_5_0:notes"/>
+          <p:cNvPr id="80" name="Google Shape;80;g2664875a435_4_0:notes"/>
           <p:cNvSpPr/>
           <p:nvPr>
             <p:ph idx="2" type="sldImg"/>
@@ -1563,6 +1524,45 @@
           </a:custGeom>
         </p:spPr>
       </p:sp>
+      <p:sp>
+        <p:nvSpPr>
+          <p:cNvPr id="81" name="Google Shape;81;g2664875a435_4_0:notes"/>
+          <p:cNvSpPr txBox="1"/>
+          <p:nvPr>
+            <p:ph idx="1" type="body"/>
+          </p:nvPr>
+        </p:nvSpPr>
+        <p:spPr>
+          <a:xfrm>
+            <a:off x="685800" y="4343400"/>
+            <a:ext cx="5486400" cy="4114800"/>
+          </a:xfrm>
+          <a:prstGeom prst="rect">
+            <a:avLst/>
+          </a:prstGeom>
+        </p:spPr>
+        <p:txBody>
+          <a:bodyPr anchorCtr="0" anchor="t" bIns="91425" lIns="91425" spcFirstLastPara="1" rIns="91425" wrap="square" tIns="91425">
+            <a:noAutofit/>
+          </a:bodyPr>
+          <a:lstStyle/>
+          <a:p>
+            <a:pPr indent="0" lvl="0" marL="0" rtl="0" algn="l">
+              <a:spcBef>
+                <a:spcPts val="0"/>
+              </a:spcBef>
+              <a:spcAft>
+                <a:spcPts val="0"/>
+              </a:spcAft>
+              <a:buNone/>
+            </a:pPr>
+            <a:r>
+              <a:t/>
+            </a:r>
+            <a:endParaRPr/>
+          </a:p>
+        </p:txBody>
+      </p:sp>
     </p:spTree>
   </p:cSld>
   <p:clrMapOvr>
@@ -1590,7 +1590,7 @@
       </p:grpSpPr>
       <p:sp>
         <p:nvSpPr>
-          <p:cNvPr id="86" name="Google Shape;86;p4:notes"/>
+          <p:cNvPr id="86" name="Google Shape;86;g2664875a435_5_0:notes"/>
           <p:cNvSpPr txBox="1"/>
           <p:nvPr>
             <p:ph idx="1" type="body"/>
@@ -1629,7 +1629,7 @@
       </p:sp>
       <p:sp>
         <p:nvSpPr>
-          <p:cNvPr id="87" name="Google Shape;87;p4:notes"/>
+          <p:cNvPr id="87" name="Google Shape;87;g2664875a435_5_0:notes"/>
           <p:cNvSpPr/>
           <p:nvPr>
             <p:ph idx="2" type="sldImg"/>
@@ -1638,7 +1638,7 @@
         <p:spPr>
           <a:xfrm>
             <a:off x="1143225" y="685800"/>
-            <a:ext cx="4572225" cy="3429000"/>
+            <a:ext cx="4572300" cy="3429000"/>
           </a:xfrm>
           <a:custGeom>
             <a:rect b="b" l="l" r="r" t="t"/>
@@ -1689,7 +1689,106 @@
       </p:grpSpPr>
       <p:sp>
         <p:nvSpPr>
-          <p:cNvPr id="92" name="Google Shape;92;g2b19aebb51d_0_0:notes"/>
+          <p:cNvPr id="92" name="Google Shape;92;p4:notes"/>
+          <p:cNvSpPr txBox="1"/>
+          <p:nvPr>
+            <p:ph idx="1" type="body"/>
+          </p:nvPr>
+        </p:nvSpPr>
+        <p:spPr>
+          <a:xfrm>
+            <a:off x="685800" y="4343400"/>
+            <a:ext cx="5486400" cy="4114800"/>
+          </a:xfrm>
+          <a:prstGeom prst="rect">
+            <a:avLst/>
+          </a:prstGeom>
+        </p:spPr>
+        <p:txBody>
+          <a:bodyPr anchorCtr="0" anchor="t" bIns="91425" lIns="91425" spcFirstLastPara="1" rIns="91425" wrap="square" tIns="91425">
+            <a:noAutofit/>
+          </a:bodyPr>
+          <a:lstStyle/>
+          <a:p>
+            <a:pPr indent="0" lvl="0" marL="0" rtl="0" algn="l">
+              <a:spcBef>
+                <a:spcPts val="0"/>
+              </a:spcBef>
+              <a:spcAft>
+                <a:spcPts val="0"/>
+              </a:spcAft>
+              <a:buNone/>
+            </a:pPr>
+            <a:r>
+              <a:t/>
+            </a:r>
+            <a:endParaRPr/>
+          </a:p>
+        </p:txBody>
+      </p:sp>
+      <p:sp>
+        <p:nvSpPr>
+          <p:cNvPr id="93" name="Google Shape;93;p4:notes"/>
+          <p:cNvSpPr/>
+          <p:nvPr>
+            <p:ph idx="2" type="sldImg"/>
+          </p:nvPr>
+        </p:nvSpPr>
+        <p:spPr>
+          <a:xfrm>
+            <a:off x="1143225" y="685800"/>
+            <a:ext cx="4572225" cy="3429000"/>
+          </a:xfrm>
+          <a:custGeom>
+            <a:rect b="b" l="l" r="r" t="t"/>
+            <a:pathLst>
+              <a:path extrusionOk="0" h="120000" w="120000">
+                <a:moveTo>
+                  <a:pt x="0" y="0"/>
+                </a:moveTo>
+                <a:lnTo>
+                  <a:pt x="120000" y="0"/>
+                </a:lnTo>
+                <a:lnTo>
+                  <a:pt x="120000" y="120000"/>
+                </a:lnTo>
+                <a:lnTo>
+                  <a:pt x="0" y="120000"/>
+                </a:lnTo>
+                <a:close/>
+              </a:path>
+            </a:pathLst>
+          </a:custGeom>
+        </p:spPr>
+      </p:sp>
+    </p:spTree>
+  </p:cSld>
+  <p:clrMapOvr>
+    <a:masterClrMapping/>
+  </p:clrMapOvr>
+</p:notes>
+</file>
+
+<file path=ppt/notesSlides/notesSlide7.xml><?xml version="1.0" encoding="utf-8"?>
+<p:notes xmlns:a="http://schemas.openxmlformats.org/drawingml/2006/main" xmlns:r="http://schemas.openxmlformats.org/officeDocument/2006/relationships" xmlns:mc="http://schemas.openxmlformats.org/markup-compatibility/2006" xmlns:mv="urn:schemas-microsoft-com:mac:vml" xmlns:p="http://schemas.openxmlformats.org/presentationml/2006/main" xmlns:c="http://schemas.openxmlformats.org/drawingml/2006/chart" xmlns:dgm="http://schemas.openxmlformats.org/drawingml/2006/diagram" xmlns:o="urn:schemas-microsoft-com:office:office" xmlns:v="urn:schemas-microsoft-com:vml" xmlns:pvml="urn:schemas-microsoft-com:office:powerpoint" xmlns:com="http://schemas.openxmlformats.org/drawingml/2006/compatibility" xmlns:p14="http://schemas.microsoft.com/office/powerpoint/2010/main" xmlns:p15="http://schemas.microsoft.com/office/powerpoint/2012/main" xmlns:ahyp="http://schemas.microsoft.com/office/drawing/2018/hyperlinkcolor" showMasterPhAnim="0" showMasterSp="0">
+  <p:cSld>
+    <p:spTree>
+      <p:nvGrpSpPr>
+        <p:cNvPr id="97" name="Shape 97"/>
+        <p:cNvGrpSpPr/>
+        <p:nvPr/>
+      </p:nvGrpSpPr>
+      <p:grpSpPr>
+        <a:xfrm>
+          <a:off x="0" y="0"/>
+          <a:ext cx="0" cy="0"/>
+          <a:chOff x="0" y="0"/>
+          <a:chExt cx="0" cy="0"/>
+        </a:xfrm>
+      </p:grpSpPr>
+      <p:sp>
+        <p:nvSpPr>
+          <p:cNvPr id="98" name="Google Shape;98;g2b19aebb51d_0_0:notes"/>
           <p:cNvSpPr/>
           <p:nvPr>
             <p:ph idx="2" type="sldImg"/>
@@ -1724,7 +1823,7 @@
       </p:sp>
       <p:sp>
         <p:nvSpPr>
-          <p:cNvPr id="93" name="Google Shape;93;g2b19aebb51d_0_0:notes"/>
+          <p:cNvPr id="99" name="Google Shape;99;g2b19aebb51d_0_0:notes"/>
           <p:cNvSpPr txBox="1"/>
           <p:nvPr>
             <p:ph idx="1" type="body"/>
@@ -1769,12 +1868,12 @@
 </p:notes>
 </file>
 
-<file path=ppt/notesSlides/notesSlide7.xml><?xml version="1.0" encoding="utf-8"?>
+<file path=ppt/notesSlides/notesSlide8.xml><?xml version="1.0" encoding="utf-8"?>
 <p:notes xmlns:a="http://schemas.openxmlformats.org/drawingml/2006/main" xmlns:r="http://schemas.openxmlformats.org/officeDocument/2006/relationships" xmlns:mc="http://schemas.openxmlformats.org/markup-compatibility/2006" xmlns:mv="urn:schemas-microsoft-com:mac:vml" xmlns:p="http://schemas.openxmlformats.org/presentationml/2006/main" xmlns:c="http://schemas.openxmlformats.org/drawingml/2006/chart" xmlns:dgm="http://schemas.openxmlformats.org/drawingml/2006/diagram" xmlns:o="urn:schemas-microsoft-com:office:office" xmlns:v="urn:schemas-microsoft-com:vml" xmlns:pvml="urn:schemas-microsoft-com:office:powerpoint" xmlns:com="http://schemas.openxmlformats.org/drawingml/2006/compatibility" xmlns:p14="http://schemas.microsoft.com/office/powerpoint/2010/main" xmlns:p15="http://schemas.microsoft.com/office/powerpoint/2012/main" xmlns:ahyp="http://schemas.microsoft.com/office/drawing/2018/hyperlinkcolor" showMasterPhAnim="0" showMasterSp="0">
   <p:cSld>
     <p:spTree>
       <p:nvGrpSpPr>
-        <p:cNvPr id="97" name="Shape 97"/>
+        <p:cNvPr id="103" name="Shape 103"/>
         <p:cNvGrpSpPr/>
         <p:nvPr/>
       </p:nvGrpSpPr>
@@ -1788,7 +1887,7 @@
       </p:grpSpPr>
       <p:sp>
         <p:nvSpPr>
-          <p:cNvPr id="98" name="Google Shape;98;g2b1a2e806fe_0_0:notes"/>
+          <p:cNvPr id="104" name="Google Shape;104;g2b1a2e806fe_0_0:notes"/>
           <p:cNvSpPr txBox="1"/>
           <p:nvPr>
             <p:ph idx="1" type="body"/>
@@ -1827,7 +1926,7 @@
       </p:sp>
       <p:sp>
         <p:nvSpPr>
-          <p:cNvPr id="99" name="Google Shape;99;g2b1a2e806fe_0_0:notes"/>
+          <p:cNvPr id="105" name="Google Shape;105;g2b1a2e806fe_0_0:notes"/>
           <p:cNvSpPr/>
           <p:nvPr>
             <p:ph idx="2" type="sldImg"/>
@@ -1859,105 +1958,6 @@
             </a:pathLst>
           </a:custGeom>
         </p:spPr>
-      </p:sp>
-    </p:spTree>
-  </p:cSld>
-  <p:clrMapOvr>
-    <a:masterClrMapping/>
-  </p:clrMapOvr>
-</p:notes>
-</file>
-
-<file path=ppt/notesSlides/notesSlide8.xml><?xml version="1.0" encoding="utf-8"?>
-<p:notes xmlns:a="http://schemas.openxmlformats.org/drawingml/2006/main" xmlns:r="http://schemas.openxmlformats.org/officeDocument/2006/relationships" xmlns:mc="http://schemas.openxmlformats.org/markup-compatibility/2006" xmlns:mv="urn:schemas-microsoft-com:mac:vml" xmlns:p="http://schemas.openxmlformats.org/presentationml/2006/main" xmlns:c="http://schemas.openxmlformats.org/drawingml/2006/chart" xmlns:dgm="http://schemas.openxmlformats.org/drawingml/2006/diagram" xmlns:o="urn:schemas-microsoft-com:office:office" xmlns:v="urn:schemas-microsoft-com:vml" xmlns:pvml="urn:schemas-microsoft-com:office:powerpoint" xmlns:com="http://schemas.openxmlformats.org/drawingml/2006/compatibility" xmlns:p14="http://schemas.microsoft.com/office/powerpoint/2010/main" xmlns:p15="http://schemas.microsoft.com/office/powerpoint/2012/main" xmlns:ahyp="http://schemas.microsoft.com/office/drawing/2018/hyperlinkcolor" showMasterPhAnim="0" showMasterSp="0">
-  <p:cSld>
-    <p:spTree>
-      <p:nvGrpSpPr>
-        <p:cNvPr id="103" name="Shape 103"/>
-        <p:cNvGrpSpPr/>
-        <p:nvPr/>
-      </p:nvGrpSpPr>
-      <p:grpSpPr>
-        <a:xfrm>
-          <a:off x="0" y="0"/>
-          <a:ext cx="0" cy="0"/>
-          <a:chOff x="0" y="0"/>
-          <a:chExt cx="0" cy="0"/>
-        </a:xfrm>
-      </p:grpSpPr>
-      <p:sp>
-        <p:nvSpPr>
-          <p:cNvPr id="104" name="Google Shape;104;g2664875a435_4_0:notes"/>
-          <p:cNvSpPr/>
-          <p:nvPr>
-            <p:ph idx="2" type="sldImg"/>
-          </p:nvPr>
-        </p:nvSpPr>
-        <p:spPr>
-          <a:xfrm>
-            <a:off x="1143225" y="685800"/>
-            <a:ext cx="4572300" cy="3429000"/>
-          </a:xfrm>
-          <a:custGeom>
-            <a:rect b="b" l="l" r="r" t="t"/>
-            <a:pathLst>
-              <a:path extrusionOk="0" h="120000" w="120000">
-                <a:moveTo>
-                  <a:pt x="0" y="0"/>
-                </a:moveTo>
-                <a:lnTo>
-                  <a:pt x="120000" y="0"/>
-                </a:lnTo>
-                <a:lnTo>
-                  <a:pt x="120000" y="120000"/>
-                </a:lnTo>
-                <a:lnTo>
-                  <a:pt x="0" y="120000"/>
-                </a:lnTo>
-                <a:close/>
-              </a:path>
-            </a:pathLst>
-          </a:custGeom>
-        </p:spPr>
-      </p:sp>
-      <p:sp>
-        <p:nvSpPr>
-          <p:cNvPr id="105" name="Google Shape;105;g2664875a435_4_0:notes"/>
-          <p:cNvSpPr txBox="1"/>
-          <p:nvPr>
-            <p:ph idx="1" type="body"/>
-          </p:nvPr>
-        </p:nvSpPr>
-        <p:spPr>
-          <a:xfrm>
-            <a:off x="685800" y="4343400"/>
-            <a:ext cx="5486400" cy="4114800"/>
-          </a:xfrm>
-          <a:prstGeom prst="rect">
-            <a:avLst/>
-          </a:prstGeom>
-        </p:spPr>
-        <p:txBody>
-          <a:bodyPr anchorCtr="0" anchor="t" bIns="91425" lIns="91425" spcFirstLastPara="1" rIns="91425" wrap="square" tIns="91425">
-            <a:noAutofit/>
-          </a:bodyPr>
-          <a:lstStyle/>
-          <a:p>
-            <a:pPr indent="0" lvl="0" marL="0" rtl="0" algn="l">
-              <a:spcBef>
-                <a:spcPts val="0"/>
-              </a:spcBef>
-              <a:spcAft>
-                <a:spcPts val="0"/>
-              </a:spcAft>
-              <a:buNone/>
-            </a:pPr>
-            <a:r>
-              <a:t/>
-            </a:r>
-            <a:endParaRPr/>
-          </a:p>
-        </p:txBody>
       </p:sp>
     </p:spTree>
   </p:cSld>
@@ -8064,7 +8064,7 @@
             </a:pPr>
             <a:r>
               <a:rPr lang="en-US"/>
-              <a:t>Sprint 2</a:t>
+              <a:t>Sprint 3</a:t>
             </a:r>
             <a:endParaRPr/>
           </a:p>
@@ -8142,7 +8142,11 @@
             </a:r>
             <a:r>
               <a:rPr lang="en-US"/>
-              <a:t>: Ivan Magtangob, Harikrishan Singh, Harir Al-Rubaye, Nour Tayem, Thulasi Jothiravi</a:t>
+              <a:t>: Ivan Magtangob, Harikrishan Singh, Nour Tayem, Thulasi Jothiravi, </a:t>
+            </a:r>
+            <a:r>
+              <a:rPr lang="en-US"/>
+              <a:t>Ivan Magtangob</a:t>
             </a:r>
             <a:endParaRPr/>
           </a:p>
@@ -8169,11 +8173,7 @@
             </a:r>
             <a:r>
               <a:rPr lang="en-US"/>
-              <a:t>: Ivan </a:t>
-            </a:r>
-            <a:r>
-              <a:rPr lang="en-US"/>
-              <a:t>Magtangob</a:t>
+              <a:t>: Harir Al-Rubaye</a:t>
             </a:r>
             <a:endParaRPr/>
           </a:p>
@@ -8192,7 +8192,7 @@
   <p:cSld>
     <p:spTree>
       <p:nvGrpSpPr>
-        <p:cNvPr id="118" name="Shape 118"/>
+        <p:cNvPr id="119" name="Shape 119"/>
         <p:cNvGrpSpPr/>
         <p:nvPr/>
       </p:nvGrpSpPr>
@@ -8206,7 +8206,7 @@
       </p:grpSpPr>
       <p:sp>
         <p:nvSpPr>
-          <p:cNvPr id="119" name="Google Shape;119;p23"/>
+          <p:cNvPr id="120" name="Google Shape;120;p23"/>
           <p:cNvSpPr txBox="1"/>
           <p:nvPr>
             <p:ph type="title"/>
@@ -8258,7 +8258,7 @@
       </p:sp>
       <p:sp>
         <p:nvSpPr>
-          <p:cNvPr id="120" name="Google Shape;120;p23"/>
+          <p:cNvPr id="121" name="Google Shape;121;p23"/>
           <p:cNvSpPr txBox="1"/>
           <p:nvPr>
             <p:ph idx="1" type="body"/>
@@ -8298,15 +8298,7 @@
             </a:pPr>
             <a:r>
               <a:rPr lang="en-US"/>
-              <a:t>General consistency with </a:t>
-            </a:r>
-            <a:r>
-              <a:rPr lang="en-US"/>
-              <a:t>everyone's</a:t>
-            </a:r>
-            <a:r>
-              <a:rPr lang="en-US"/>
-              <a:t> design</a:t>
+              <a:t>Dependent tasks delays</a:t>
             </a:r>
             <a:endParaRPr/>
           </a:p>
@@ -8326,7 +8318,7 @@
             </a:pPr>
             <a:r>
               <a:rPr lang="en-US"/>
-              <a:t>Code clean up and polish</a:t>
+              <a:t>Copyright :(</a:t>
             </a:r>
             <a:endParaRPr/>
           </a:p>
@@ -8345,7 +8337,7 @@
   <p:cSld>
     <p:spTree>
       <p:nvGrpSpPr>
-        <p:cNvPr id="124" name="Shape 124"/>
+        <p:cNvPr id="125" name="Shape 125"/>
         <p:cNvGrpSpPr/>
         <p:nvPr/>
       </p:nvGrpSpPr>
@@ -8359,7 +8351,7 @@
       </p:grpSpPr>
       <p:sp>
         <p:nvSpPr>
-          <p:cNvPr id="125" name="Google Shape;125;p24"/>
+          <p:cNvPr id="126" name="Google Shape;126;p24"/>
           <p:cNvSpPr txBox="1"/>
           <p:nvPr>
             <p:ph type="title"/>
@@ -8411,7 +8403,7 @@
       </p:sp>
       <p:sp>
         <p:nvSpPr>
-          <p:cNvPr id="126" name="Google Shape;126;p24"/>
+          <p:cNvPr id="127" name="Google Shape;127;p24"/>
           <p:cNvSpPr txBox="1"/>
           <p:nvPr>
             <p:ph idx="1" type="body"/>
@@ -8420,7 +8412,7 @@
         <p:spPr>
           <a:xfrm>
             <a:off x="838200" y="1825625"/>
-            <a:ext cx="10515600" cy="4351338"/>
+            <a:ext cx="10515600" cy="4351200"/>
           </a:xfrm>
           <a:prstGeom prst="rect">
             <a:avLst/>
@@ -8451,7 +8443,11 @@
             </a:pPr>
             <a:r>
               <a:rPr lang="en-US"/>
-              <a:t>We completed a game</a:t>
+              <a:t>Early m</a:t>
+            </a:r>
+            <a:r>
+              <a:rPr lang="en-US"/>
+              <a:t>erge requests reviews</a:t>
             </a:r>
             <a:endParaRPr/>
           </a:p>
@@ -8471,7 +8467,45 @@
             </a:pPr>
             <a:r>
               <a:rPr lang="en-US"/>
-              <a:t>Pipeline deploys fully automatically once merged to main</a:t>
+              <a:t>Effective ticket planning and assignments</a:t>
+            </a:r>
+            <a:endParaRPr/>
+          </a:p>
+          <a:p>
+            <a:pPr indent="-342900" lvl="0" marL="457200" rtl="0" algn="l">
+              <a:lnSpc>
+                <a:spcPct val="150000"/>
+              </a:lnSpc>
+              <a:spcBef>
+                <a:spcPts val="0"/>
+              </a:spcBef>
+              <a:spcAft>
+                <a:spcPts val="0"/>
+              </a:spcAft>
+              <a:buSzPts val="1800"/>
+              <a:buChar char="●"/>
+            </a:pPr>
+            <a:r>
+              <a:rPr lang="en-US"/>
+              <a:t>Improved communication</a:t>
+            </a:r>
+            <a:endParaRPr/>
+          </a:p>
+          <a:p>
+            <a:pPr indent="0" lvl="0" marL="0" rtl="0" algn="l">
+              <a:lnSpc>
+                <a:spcPct val="150000"/>
+              </a:lnSpc>
+              <a:spcBef>
+                <a:spcPts val="1600"/>
+              </a:spcBef>
+              <a:spcAft>
+                <a:spcPts val="1600"/>
+              </a:spcAft>
+              <a:buNone/>
+            </a:pPr>
+            <a:r>
+              <a:t/>
             </a:r>
             <a:endParaRPr/>
           </a:p>
@@ -8490,7 +8524,7 @@
   <p:cSld>
     <p:spTree>
       <p:nvGrpSpPr>
-        <p:cNvPr id="130" name="Shape 130"/>
+        <p:cNvPr id="131" name="Shape 131"/>
         <p:cNvGrpSpPr/>
         <p:nvPr/>
       </p:nvGrpSpPr>
@@ -8504,7 +8538,7 @@
       </p:grpSpPr>
       <p:sp>
         <p:nvSpPr>
-          <p:cNvPr id="131" name="Google Shape;131;p25"/>
+          <p:cNvPr id="132" name="Google Shape;132;p25"/>
           <p:cNvSpPr txBox="1"/>
           <p:nvPr>
             <p:ph type="title"/>
@@ -8556,7 +8590,7 @@
       </p:sp>
       <p:sp>
         <p:nvSpPr>
-          <p:cNvPr id="132" name="Google Shape;132;p25"/>
+          <p:cNvPr id="133" name="Google Shape;133;p25"/>
           <p:cNvSpPr txBox="1"/>
           <p:nvPr>
             <p:ph idx="1" type="body"/>
@@ -8565,7 +8599,7 @@
         <p:spPr>
           <a:xfrm>
             <a:off x="838200" y="1825625"/>
-            <a:ext cx="10515600" cy="4351338"/>
+            <a:ext cx="10515600" cy="4351200"/>
           </a:xfrm>
           <a:prstGeom prst="rect">
             <a:avLst/>
@@ -8596,7 +8630,11 @@
             </a:pPr>
             <a:r>
               <a:rPr lang="en-US"/>
-              <a:t>Better ticket planning + assignment</a:t>
+              <a:t>R</a:t>
+            </a:r>
+            <a:r>
+              <a:rPr lang="en-US"/>
+              <a:t>egular check-ins</a:t>
             </a:r>
             <a:endParaRPr/>
           </a:p>
@@ -8616,27 +8654,7 @@
             </a:pPr>
             <a:r>
               <a:rPr lang="en-US"/>
-              <a:t>Better communication</a:t>
-            </a:r>
-            <a:endParaRPr/>
-          </a:p>
-          <a:p>
-            <a:pPr indent="-342900" lvl="0" marL="457200" rtl="0" algn="l">
-              <a:lnSpc>
-                <a:spcPct val="150000"/>
-              </a:lnSpc>
-              <a:spcBef>
-                <a:spcPts val="0"/>
-              </a:spcBef>
-              <a:spcAft>
-                <a:spcPts val="0"/>
-              </a:spcAft>
-              <a:buSzPts val="1800"/>
-              <a:buChar char="●"/>
-            </a:pPr>
-            <a:r>
-              <a:rPr lang="en-US"/>
-              <a:t>Review merge requests earlier</a:t>
+              <a:t>Setting internal deadlines</a:t>
             </a:r>
             <a:endParaRPr/>
           </a:p>
@@ -8655,7 +8673,7 @@
   <p:cSld>
     <p:spTree>
       <p:nvGrpSpPr>
-        <p:cNvPr id="136" name="Shape 136"/>
+        <p:cNvPr id="137" name="Shape 137"/>
         <p:cNvGrpSpPr/>
         <p:nvPr/>
       </p:nvGrpSpPr>
@@ -8669,7 +8687,7 @@
       </p:grpSpPr>
       <p:sp>
         <p:nvSpPr>
-          <p:cNvPr id="137" name="Google Shape;137;p26"/>
+          <p:cNvPr id="138" name="Google Shape;138;p26"/>
           <p:cNvSpPr txBox="1"/>
           <p:nvPr>
             <p:ph type="title"/>
@@ -8709,7 +8727,7 @@
       </p:sp>
       <p:pic>
         <p:nvPicPr>
-          <p:cNvPr id="138" name="Google Shape;138;p26"/>
+          <p:cNvPr id="139" name="Google Shape;139;p26"/>
           <p:cNvPicPr preferRelativeResize="0"/>
           <p:nvPr/>
         </p:nvPicPr>
@@ -8770,7 +8788,7 @@
         <p:spPr>
           <a:xfrm>
             <a:off x="838200" y="365125"/>
-            <a:ext cx="10515600" cy="1325563"/>
+            <a:ext cx="10515600" cy="1325700"/>
           </a:xfrm>
           <a:prstGeom prst="rect">
             <a:avLst/>
@@ -8852,43 +8870,89 @@
             </a:pPr>
             <a:r>
               <a:rPr lang="en-US"/>
-              <a:t>For sprint 2:</a:t>
-            </a:r>
-            <a:endParaRPr/>
-          </a:p>
-          <a:p>
-            <a:pPr indent="-234950" lvl="1" marL="685800" rtl="0" algn="l">
-              <a:spcBef>
-                <a:spcPts val="1000"/>
-              </a:spcBef>
-              <a:spcAft>
-                <a:spcPts val="0"/>
-              </a:spcAft>
-              <a:buSzPts val="1900"/>
-              <a:buChar char="○"/>
-            </a:pPr>
-            <a:r>
-              <a:rPr lang="en-US" sz="2400"/>
-              <a:t>First level of Where’s Waldo game functioning</a:t>
+              <a:t>For sprint 3:</a:t>
             </a:r>
             <a:endParaRPr sz="2400"/>
           </a:p>
           <a:p>
-            <a:pPr indent="-234950" lvl="1" marL="685800" rtl="0" algn="l">
+            <a:pPr indent="-260350" lvl="1" marL="685800" marR="0" rtl="0" algn="l">
+              <a:lnSpc>
+                <a:spcPct val="90000"/>
+              </a:lnSpc>
               <a:spcBef>
                 <a:spcPts val="1000"/>
               </a:spcBef>
               <a:spcAft>
                 <a:spcPts val="0"/>
               </a:spcAft>
-              <a:buSzPts val="1900"/>
+              <a:buSzPts val="2300"/>
               <a:buChar char="○"/>
             </a:pPr>
             <a:r>
-              <a:rPr lang="en-US" sz="2400"/>
-              <a:t>CI/CD deployment, linting, and tests set up</a:t>
+              <a:rPr lang="en-US" sz="2300"/>
+              <a:t>Added custom visuals to avoid copyright issues</a:t>
             </a:r>
-            <a:endParaRPr sz="2400"/>
+            <a:endParaRPr sz="2300"/>
+          </a:p>
+          <a:p>
+            <a:pPr indent="-260350" lvl="1" marL="685800" marR="0" rtl="0" algn="l">
+              <a:lnSpc>
+                <a:spcPct val="90000"/>
+              </a:lnSpc>
+              <a:spcBef>
+                <a:spcPts val="1000"/>
+              </a:spcBef>
+              <a:spcAft>
+                <a:spcPts val="0"/>
+              </a:spcAft>
+              <a:buSzPts val="2300"/>
+              <a:buChar char="○"/>
+            </a:pPr>
+            <a:r>
+              <a:rPr lang="en-US" sz="2300"/>
+              <a:t>Expanded game features with new levels</a:t>
+            </a:r>
+            <a:endParaRPr sz="2300"/>
+          </a:p>
+          <a:p>
+            <a:pPr indent="-260350" lvl="1" marL="685800" marR="0" rtl="0" algn="l">
+              <a:lnSpc>
+                <a:spcPct val="90000"/>
+              </a:lnSpc>
+              <a:spcBef>
+                <a:spcPts val="1000"/>
+              </a:spcBef>
+              <a:spcAft>
+                <a:spcPts val="0"/>
+              </a:spcAft>
+              <a:buSzPts val="2300"/>
+              <a:buChar char="○"/>
+            </a:pPr>
+            <a:r>
+              <a:rPr lang="en-US" sz="2300"/>
+              <a:t>Improved code quality through unit tests and linting fixes</a:t>
+            </a:r>
+            <a:endParaRPr sz="2300"/>
+          </a:p>
+          <a:p>
+            <a:pPr indent="-260350" lvl="1" marL="685800" marR="0" rtl="0" algn="l">
+              <a:lnSpc>
+                <a:spcPct val="90000"/>
+              </a:lnSpc>
+              <a:spcBef>
+                <a:spcPts val="1000"/>
+              </a:spcBef>
+              <a:spcAft>
+                <a:spcPts val="0"/>
+              </a:spcAft>
+              <a:buSzPts val="2300"/>
+              <a:buChar char="○"/>
+            </a:pPr>
+            <a:r>
+              <a:rPr lang="en-US" sz="2300"/>
+              <a:t>Prioritized user experience with UI updates and fullscreen option</a:t>
+            </a:r>
+            <a:endParaRPr sz="2300"/>
           </a:p>
         </p:txBody>
       </p:sp>
@@ -8963,7 +9027,7 @@
             </a:pPr>
             <a:r>
               <a:rPr lang="en-US"/>
-              <a:t>Sprint 2 burndown chart</a:t>
+              <a:t>Sprint 3 burndown chart</a:t>
             </a:r>
             <a:endParaRPr/>
           </a:p>
@@ -8985,8 +9049,8 @@
         </p:blipFill>
         <p:spPr>
           <a:xfrm>
-            <a:off x="1518225" y="1489338"/>
-            <a:ext cx="9155542" cy="4862513"/>
+            <a:off x="2092950" y="1548413"/>
+            <a:ext cx="8558378" cy="4862512"/>
           </a:xfrm>
           <a:prstGeom prst="rect">
             <a:avLst/>
@@ -9038,10 +9102,6 @@
           <a:prstGeom prst="rect">
             <a:avLst/>
           </a:prstGeom>
-          <a:noFill/>
-          <a:ln>
-            <a:noFill/>
-          </a:ln>
         </p:spPr>
         <p:txBody>
           <a:bodyPr anchorCtr="0" anchor="ctr" bIns="45700" lIns="91425" spcFirstLastPara="1" rIns="91425" wrap="square" tIns="45700">
@@ -9050,25 +9110,29 @@
           <a:lstStyle/>
           <a:p>
             <a:pPr indent="0" lvl="0" marL="0" rtl="0" algn="l">
-              <a:lnSpc>
-                <a:spcPct val="90000"/>
-              </a:lnSpc>
-              <a:spcBef>
-                <a:spcPts val="0"/>
-              </a:spcBef>
-              <a:spcAft>
-                <a:spcPts val="0"/>
-              </a:spcAft>
-              <a:buClr>
-                <a:schemeClr val="dk1"/>
-              </a:buClr>
-              <a:buSzPts val="4400"/>
-              <a:buFont typeface="Calibri"/>
+              <a:spcBef>
+                <a:spcPts val="0"/>
+              </a:spcBef>
+              <a:spcAft>
+                <a:spcPts val="0"/>
+              </a:spcAft>
               <a:buNone/>
             </a:pPr>
             <a:r>
               <a:rPr lang="en-US"/>
-              <a:t>Ivan - Weights Completed: 22</a:t>
+              <a:t>Harir </a:t>
+            </a:r>
+            <a:r>
+              <a:rPr lang="en-US"/>
+              <a:t>- Weights C</a:t>
+            </a:r>
+            <a:r>
+              <a:rPr lang="en-US"/>
+              <a:t>ompleted: </a:t>
+            </a:r>
+            <a:r>
+              <a:rPr lang="en-US"/>
+              <a:t>13</a:t>
             </a:r>
             <a:endParaRPr/>
           </a:p>
@@ -9084,16 +9148,12 @@
         </p:nvSpPr>
         <p:spPr>
           <a:xfrm>
-            <a:off x="838200" y="1825625"/>
+            <a:off x="838203" y="1968794"/>
             <a:ext cx="10515600" cy="4351200"/>
           </a:xfrm>
           <a:prstGeom prst="rect">
             <a:avLst/>
           </a:prstGeom>
-          <a:noFill/>
-          <a:ln>
-            <a:noFill/>
-          </a:ln>
         </p:spPr>
         <p:txBody>
           <a:bodyPr anchorCtr="0" anchor="t" bIns="45700" lIns="91425" spcFirstLastPara="1" rIns="91425" wrap="square" tIns="45700">
@@ -9116,7 +9176,7 @@
             </a:pPr>
             <a:r>
               <a:rPr lang="en-US"/>
-              <a:t>Completed CI/CD PHP linting</a:t>
+              <a:t>Added new levels to the game with Rehan</a:t>
             </a:r>
             <a:endParaRPr/>
           </a:p>
@@ -9136,7 +9196,7 @@
             </a:pPr>
             <a:r>
               <a:rPr lang="en-US"/>
-              <a:t>Setup CI/CD deployment with Rehan &amp; Thulasi</a:t>
+              <a:t>Optimized the about us game</a:t>
             </a:r>
             <a:endParaRPr/>
           </a:p>
@@ -9156,7 +9216,7 @@
             </a:pPr>
             <a:r>
               <a:rPr lang="en-US"/>
-              <a:t>Merge, fix, and polish code with Rehan</a:t>
+              <a:t>Updated the website documentation</a:t>
             </a:r>
             <a:endParaRPr/>
           </a:p>
@@ -9198,7 +9258,7 @@
         <p:spPr>
           <a:xfrm>
             <a:off x="838200" y="365125"/>
-            <a:ext cx="10515600" cy="1325563"/>
+            <a:ext cx="10515600" cy="1325700"/>
           </a:xfrm>
           <a:prstGeom prst="rect">
             <a:avLst/>
@@ -9233,7 +9293,7 @@
             </a:pPr>
             <a:r>
               <a:rPr lang="en-US"/>
-              <a:t>Rehan - Weights Completed: 21</a:t>
+              <a:t>Ivan - Weights Completed: 17</a:t>
             </a:r>
             <a:endParaRPr/>
           </a:p>
@@ -9250,7 +9310,7 @@
         <p:spPr>
           <a:xfrm>
             <a:off x="838200" y="1825625"/>
-            <a:ext cx="10515600" cy="4351338"/>
+            <a:ext cx="10515600" cy="4351200"/>
           </a:xfrm>
           <a:prstGeom prst="rect">
             <a:avLst/>
@@ -9281,7 +9341,7 @@
             </a:pPr>
             <a:r>
               <a:rPr lang="en-US"/>
-              <a:t>Setup CI/CD deployment with Thulasi &amp; Ivan</a:t>
+              <a:t>Configured + fixed PHP linting</a:t>
             </a:r>
             <a:endParaRPr/>
           </a:p>
@@ -9301,15 +9361,7 @@
             </a:pPr>
             <a:r>
               <a:rPr lang="en-US"/>
-              <a:t>Created </a:t>
-            </a:r>
-            <a:r>
-              <a:rPr lang="en-US"/>
-              <a:t>functionality</a:t>
-            </a:r>
-            <a:r>
-              <a:rPr lang="en-US"/>
-              <a:t> for game logic (finding Waldo) with Thulasi &amp; Nour</a:t>
+              <a:t>Fixed inconsistent CSS with Rehan</a:t>
             </a:r>
             <a:endParaRPr/>
           </a:p>
@@ -9329,11 +9381,7 @@
             </a:pPr>
             <a:r>
               <a:rPr lang="en-US"/>
-              <a:t>Merge, fix, and polish </a:t>
-            </a:r>
-            <a:r>
-              <a:rPr lang="en-US"/>
-              <a:t>code with Ivan</a:t>
+              <a:t>Added navigation to other I-Spot levels</a:t>
             </a:r>
             <a:endParaRPr/>
           </a:p>
@@ -9375,11 +9423,15 @@
         <p:spPr>
           <a:xfrm>
             <a:off x="838200" y="365125"/>
-            <a:ext cx="10515600" cy="1325700"/>
+            <a:ext cx="10515600" cy="1325563"/>
           </a:xfrm>
           <a:prstGeom prst="rect">
             <a:avLst/>
           </a:prstGeom>
+          <a:noFill/>
+          <a:ln>
+            <a:noFill/>
+          </a:ln>
         </p:spPr>
         <p:txBody>
           <a:bodyPr anchorCtr="0" anchor="ctr" bIns="45700" lIns="91425" spcFirstLastPara="1" rIns="91425" wrap="square" tIns="45700">
@@ -9388,17 +9440,25 @@
           <a:lstStyle/>
           <a:p>
             <a:pPr indent="0" lvl="0" marL="0" rtl="0" algn="l">
-              <a:spcBef>
-                <a:spcPts val="0"/>
-              </a:spcBef>
-              <a:spcAft>
-                <a:spcPts val="0"/>
-              </a:spcAft>
+              <a:lnSpc>
+                <a:spcPct val="90000"/>
+              </a:lnSpc>
+              <a:spcBef>
+                <a:spcPts val="0"/>
+              </a:spcBef>
+              <a:spcAft>
+                <a:spcPts val="0"/>
+              </a:spcAft>
+              <a:buClr>
+                <a:schemeClr val="dk1"/>
+              </a:buClr>
+              <a:buSzPts val="4400"/>
+              <a:buFont typeface="Calibri"/>
               <a:buNone/>
             </a:pPr>
             <a:r>
               <a:rPr lang="en-US"/>
-              <a:t>Nour - Weights Completed: 14</a:t>
+              <a:t>Rehan - Weights Completed: 16</a:t>
             </a:r>
             <a:endParaRPr/>
           </a:p>
@@ -9415,11 +9475,15 @@
         <p:spPr>
           <a:xfrm>
             <a:off x="838200" y="1825625"/>
-            <a:ext cx="10515600" cy="4351200"/>
+            <a:ext cx="10515600" cy="4351338"/>
           </a:xfrm>
           <a:prstGeom prst="rect">
             <a:avLst/>
           </a:prstGeom>
+          <a:noFill/>
+          <a:ln>
+            <a:noFill/>
+          </a:ln>
         </p:spPr>
         <p:txBody>
           <a:bodyPr anchorCtr="0" anchor="t" bIns="45700" lIns="91425" spcFirstLastPara="1" rIns="91425" wrap="square" tIns="45700">
@@ -9442,7 +9506,7 @@
             </a:pPr>
             <a:r>
               <a:rPr lang="en-US"/>
-              <a:t>Refactored code base for nav bar and styling </a:t>
+              <a:t>Add new I-Spy levels with Harir </a:t>
             </a:r>
             <a:endParaRPr/>
           </a:p>
@@ -9462,7 +9526,7 @@
             </a:pPr>
             <a:r>
               <a:rPr lang="en-US"/>
-              <a:t>Updated the nav bar &amp; linked website pages </a:t>
+              <a:t>added stage navigation and made navbar consistent with Ivan</a:t>
             </a:r>
             <a:endParaRPr/>
           </a:p>
@@ -9482,45 +9546,7 @@
             </a:pPr>
             <a:r>
               <a:rPr lang="en-US"/>
-              <a:t>Improved the UI/design of the nav bar</a:t>
-            </a:r>
-            <a:endParaRPr/>
-          </a:p>
-          <a:p>
-            <a:pPr indent="-342900" lvl="0" marL="457200" rtl="0" algn="l">
-              <a:lnSpc>
-                <a:spcPct val="150000"/>
-              </a:lnSpc>
-              <a:spcBef>
-                <a:spcPts val="0"/>
-              </a:spcBef>
-              <a:spcAft>
-                <a:spcPts val="0"/>
-              </a:spcAft>
-              <a:buSzPts val="1800"/>
-              <a:buChar char="●"/>
-            </a:pPr>
-            <a:r>
-              <a:rPr lang="en-US"/>
-              <a:t>Helped with the branch clean up</a:t>
-            </a:r>
-            <a:endParaRPr/>
-          </a:p>
-          <a:p>
-            <a:pPr indent="0" lvl="0" marL="457200" rtl="0" algn="l">
-              <a:lnSpc>
-                <a:spcPct val="150000"/>
-              </a:lnSpc>
-              <a:spcBef>
-                <a:spcPts val="1000"/>
-              </a:spcBef>
-              <a:spcAft>
-                <a:spcPts val="0"/>
-              </a:spcAft>
-              <a:buNone/>
-            </a:pPr>
-            <a:r>
-              <a:t/>
+              <a:t>cleaned css files and final day linting</a:t>
             </a:r>
             <a:endParaRPr/>
           </a:p>
@@ -9567,10 +9593,6 @@
           <a:prstGeom prst="rect">
             <a:avLst/>
           </a:prstGeom>
-          <a:noFill/>
-          <a:ln>
-            <a:noFill/>
-          </a:ln>
         </p:spPr>
         <p:txBody>
           <a:bodyPr anchorCtr="0" anchor="ctr" bIns="45700" lIns="91425" spcFirstLastPara="1" rIns="91425" wrap="square" tIns="45700">
@@ -9579,29 +9601,17 @@
           <a:lstStyle/>
           <a:p>
             <a:pPr indent="0" lvl="0" marL="0" rtl="0" algn="l">
-              <a:lnSpc>
-                <a:spcPct val="90000"/>
-              </a:lnSpc>
-              <a:spcBef>
-                <a:spcPts val="0"/>
-              </a:spcBef>
-              <a:spcAft>
-                <a:spcPts val="0"/>
-              </a:spcAft>
-              <a:buClr>
-                <a:schemeClr val="dk1"/>
-              </a:buClr>
-              <a:buSzPts val="4400"/>
-              <a:buFont typeface="Calibri"/>
+              <a:spcBef>
+                <a:spcPts val="0"/>
+              </a:spcBef>
+              <a:spcAft>
+                <a:spcPts val="0"/>
+              </a:spcAft>
               <a:buNone/>
             </a:pPr>
             <a:r>
               <a:rPr lang="en-US"/>
-              <a:t>Harikrishan</a:t>
-            </a:r>
-            <a:r>
-              <a:rPr lang="en-US"/>
-              <a:t> - Weights Completed: 12</a:t>
+              <a:t>Nour - Weights Completed: 13</a:t>
             </a:r>
             <a:endParaRPr/>
           </a:p>
@@ -9623,10 +9633,6 @@
           <a:prstGeom prst="rect">
             <a:avLst/>
           </a:prstGeom>
-          <a:noFill/>
-          <a:ln>
-            <a:noFill/>
-          </a:ln>
         </p:spPr>
         <p:txBody>
           <a:bodyPr anchorCtr="0" anchor="t" bIns="45700" lIns="91425" spcFirstLastPara="1" rIns="91425" wrap="square" tIns="45700">
@@ -9639,7 +9645,7 @@
                 <a:spcPct val="150000"/>
               </a:lnSpc>
               <a:spcBef>
-                <a:spcPts val="0"/>
+                <a:spcPts val="1000"/>
               </a:spcBef>
               <a:spcAft>
                 <a:spcPts val="0"/>
@@ -9649,7 +9655,7 @@
             </a:pPr>
             <a:r>
               <a:rPr lang="en-US"/>
-              <a:t>Created and update the game page. </a:t>
+              <a:t>Added Waldo Fullscreen Option on our Website</a:t>
             </a:r>
             <a:endParaRPr/>
           </a:p>
@@ -9669,7 +9675,7 @@
             </a:pPr>
             <a:r>
               <a:rPr lang="en-US"/>
-              <a:t>Created instruction page and linked pages together.</a:t>
+              <a:t>Changed Waldo Images for our Website</a:t>
             </a:r>
             <a:endParaRPr/>
           </a:p>
@@ -9688,13 +9694,21 @@
               <a:buChar char="●"/>
             </a:pPr>
             <a:r>
-              <a:rPr lang="en-US"/>
-              <a:t>Worked on the read me. </a:t>
+              <a:rPr lang="en-US">
+                <a:solidFill>
+                  <a:srgbClr val="CACACA"/>
+                </a:solidFill>
+              </a:rPr>
+              <a:t>Helped with the branch clean up</a:t>
             </a:r>
-            <a:endParaRPr/>
+            <a:endParaRPr>
+              <a:solidFill>
+                <a:srgbClr val="CACACA"/>
+              </a:solidFill>
+            </a:endParaRPr>
           </a:p>
           <a:p>
-            <a:pPr indent="0" lvl="0" marL="457200" rtl="0" algn="l">
+            <a:pPr indent="0" lvl="0" marL="0" rtl="0" algn="l">
               <a:lnSpc>
                 <a:spcPct val="150000"/>
               </a:lnSpc>
@@ -9754,6 +9768,10 @@
           <a:prstGeom prst="rect">
             <a:avLst/>
           </a:prstGeom>
+          <a:noFill/>
+          <a:ln>
+            <a:noFill/>
+          </a:ln>
         </p:spPr>
         <p:txBody>
           <a:bodyPr anchorCtr="0" anchor="ctr" bIns="45700" lIns="91425" spcFirstLastPara="1" rIns="91425" wrap="square" tIns="45700">
@@ -9762,29 +9780,29 @@
           <a:lstStyle/>
           <a:p>
             <a:pPr indent="0" lvl="0" marL="0" rtl="0" algn="l">
-              <a:spcBef>
-                <a:spcPts val="0"/>
-              </a:spcBef>
-              <a:spcAft>
-                <a:spcPts val="0"/>
-              </a:spcAft>
+              <a:lnSpc>
+                <a:spcPct val="90000"/>
+              </a:lnSpc>
+              <a:spcBef>
+                <a:spcPts val="0"/>
+              </a:spcBef>
+              <a:spcAft>
+                <a:spcPts val="0"/>
+              </a:spcAft>
+              <a:buClr>
+                <a:schemeClr val="dk1"/>
+              </a:buClr>
+              <a:buSzPts val="4400"/>
+              <a:buFont typeface="Calibri"/>
               <a:buNone/>
             </a:pPr>
             <a:r>
               <a:rPr lang="en-US"/>
-              <a:t>Harir </a:t>
+              <a:t>Harikrishan</a:t>
             </a:r>
             <a:r>
               <a:rPr lang="en-US"/>
-              <a:t>- Weights C</a:t>
-            </a:r>
-            <a:r>
-              <a:rPr lang="en-US"/>
-              <a:t>ompleted: </a:t>
-            </a:r>
-            <a:r>
-              <a:rPr lang="en-US"/>
-              <a:t>14</a:t>
+              <a:t> - Weights Completed: 15</a:t>
             </a:r>
             <a:endParaRPr/>
           </a:p>
@@ -9800,12 +9818,16 @@
         </p:nvSpPr>
         <p:spPr>
           <a:xfrm>
-            <a:off x="838203" y="1968794"/>
+            <a:off x="838200" y="1825625"/>
             <a:ext cx="10515600" cy="4351200"/>
           </a:xfrm>
           <a:prstGeom prst="rect">
             <a:avLst/>
           </a:prstGeom>
+          <a:noFill/>
+          <a:ln>
+            <a:noFill/>
+          </a:ln>
         </p:spPr>
         <p:txBody>
           <a:bodyPr anchorCtr="0" anchor="t" bIns="45700" lIns="91425" spcFirstLastPara="1" rIns="91425" wrap="square" tIns="45700">
@@ -9818,7 +9840,7 @@
                 <a:spcPct val="150000"/>
               </a:lnSpc>
               <a:spcBef>
-                <a:spcPts val="1000"/>
+                <a:spcPts val="0"/>
               </a:spcBef>
               <a:spcAft>
                 <a:spcPts val="0"/>
@@ -9828,7 +9850,7 @@
             </a:pPr>
             <a:r>
               <a:rPr lang="en-US"/>
-              <a:t>Worked on the frontend/UI of the Website.</a:t>
+              <a:t>Worked on setting up unit test using jest.</a:t>
             </a:r>
             <a:endParaRPr/>
           </a:p>
@@ -9848,7 +9870,7 @@
             </a:pPr>
             <a:r>
               <a:rPr lang="en-US"/>
-              <a:t>Created the game Page</a:t>
+              <a:t>Updated the game over screen and updated the css .</a:t>
             </a:r>
             <a:endParaRPr/>
           </a:p>
@@ -9868,7 +9890,25 @@
             </a:pPr>
             <a:r>
               <a:rPr lang="en-US"/>
-              <a:t>Updated Landing page with game card.</a:t>
+              <a:t>Parallel programming with nour for full screen option.</a:t>
+            </a:r>
+            <a:endParaRPr/>
+          </a:p>
+          <a:p>
+            <a:pPr indent="0" lvl="0" marL="457200" rtl="0" algn="l">
+              <a:lnSpc>
+                <a:spcPct val="150000"/>
+              </a:lnSpc>
+              <a:spcBef>
+                <a:spcPts val="1000"/>
+              </a:spcBef>
+              <a:spcAft>
+                <a:spcPts val="0"/>
+              </a:spcAft>
+              <a:buNone/>
+            </a:pPr>
+            <a:r>
+              <a:t/>
             </a:r>
             <a:endParaRPr/>
           </a:p>
@@ -9937,7 +9977,7 @@
             </a:r>
             <a:r>
               <a:rPr lang="en-US"/>
-              <a:t>- Weights Completed: 14</a:t>
+              <a:t>- Weights Completed: 15</a:t>
             </a:r>
             <a:endParaRPr/>
           </a:p>
@@ -9962,7 +10002,7 @@
         </p:spPr>
         <p:txBody>
           <a:bodyPr anchorCtr="0" anchor="t" bIns="45700" lIns="91425" spcFirstLastPara="1" rIns="91425" wrap="square" tIns="45700">
-            <a:normAutofit/>
+            <a:normAutofit lnSpcReduction="20000"/>
           </a:bodyPr>
           <a:lstStyle/>
           <a:p>
@@ -9981,7 +10021,67 @@
             </a:pPr>
             <a:r>
               <a:rPr lang="en-US"/>
-              <a:t>Game logic 1: Setting up clickable Waldo asset</a:t>
+              <a:t>Frontend Unit Testing Research (Frameworks? Types of testing?)</a:t>
+            </a:r>
+            <a:endParaRPr/>
+          </a:p>
+          <a:p>
+            <a:pPr indent="-342900" lvl="0" marL="457200" rtl="0" algn="l">
+              <a:lnSpc>
+                <a:spcPct val="115000"/>
+              </a:lnSpc>
+              <a:spcBef>
+                <a:spcPts val="0"/>
+              </a:spcBef>
+              <a:spcAft>
+                <a:spcPts val="0"/>
+              </a:spcAft>
+              <a:buSzPts val="1800"/>
+              <a:buChar char="●"/>
+            </a:pPr>
+            <a:r>
+              <a:rPr lang="en-US"/>
+              <a:t>Created 20 frontend unit tests (PHPUnit) + 34 unique assertions.</a:t>
+            </a:r>
+            <a:endParaRPr/>
+          </a:p>
+          <a:p>
+            <a:pPr indent="-342900" lvl="1" marL="914400" rtl="0" algn="l">
+              <a:lnSpc>
+                <a:spcPct val="115000"/>
+              </a:lnSpc>
+              <a:spcBef>
+                <a:spcPts val="0"/>
+              </a:spcBef>
+              <a:spcAft>
+                <a:spcPts val="0"/>
+              </a:spcAft>
+              <a:buSzPts val="1800"/>
+              <a:buChar char="○"/>
+            </a:pPr>
+            <a:r>
+              <a:rPr lang="en-US"/>
+              <a:t>Integration Testing – Are the PHP scripts correctly integrated with external resources (ex: CSS files, components and snippets for each team member)?</a:t>
+            </a:r>
+            <a:endParaRPr/>
+          </a:p>
+          <a:p>
+            <a:pPr indent="-342900" lvl="1" marL="914400" rtl="0" algn="l">
+              <a:lnSpc>
+                <a:spcPct val="115000"/>
+              </a:lnSpc>
+              <a:spcBef>
+                <a:spcPts val="0"/>
+              </a:spcBef>
+              <a:spcAft>
+                <a:spcPts val="0"/>
+              </a:spcAft>
+              <a:buSzPts val="1800"/>
+              <a:buChar char="○"/>
+            </a:pPr>
+            <a:r>
+              <a:rPr lang="en-US"/>
+              <a:t>Functional Testing – to verify that all components render as expected.</a:t>
             </a:r>
             <a:endParaRPr/>
           </a:p>
@@ -10001,32 +10101,15 @@
             </a:pPr>
             <a:r>
               <a:rPr lang="en-US"/>
-              <a:t>Game logic 2: Setting up scorekeeping capabilities</a:t>
+              <a:t>Updated CI/CD Pipeline to run front end tests</a:t>
             </a:r>
             <a:endParaRPr/>
           </a:p>
           <a:p>
-            <a:pPr indent="-342900" lvl="0" marL="457200" marR="0" rtl="0" algn="l">
+            <a:pPr indent="0" lvl="0" marL="0" marR="0" rtl="0" algn="l">
               <a:lnSpc>
                 <a:spcPct val="150000"/>
               </a:lnSpc>
-              <a:spcBef>
-                <a:spcPts val="0"/>
-              </a:spcBef>
-              <a:spcAft>
-                <a:spcPts val="0"/>
-              </a:spcAft>
-              <a:buSzPts val="1800"/>
-              <a:buChar char="●"/>
-            </a:pPr>
-            <a:r>
-              <a:rPr lang="en-US"/>
-              <a:t>Frontend/UI: Formatting the asset and scoreboard using CSS</a:t>
-            </a:r>
-            <a:endParaRPr/>
-          </a:p>
-          <a:p>
-            <a:pPr indent="0" lvl="0" marL="0" rtl="0" algn="l">
               <a:spcBef>
                 <a:spcPts val="1600"/>
               </a:spcBef>
@@ -10061,6 +10144,21 @@
                 <a:spcPts val="1600"/>
               </a:spcBef>
               <a:spcAft>
+                <a:spcPts val="0"/>
+              </a:spcAft>
+              <a:buNone/>
+            </a:pPr>
+            <a:r>
+              <a:t/>
+            </a:r>
+            <a:endParaRPr/>
+          </a:p>
+          <a:p>
+            <a:pPr indent="0" lvl="0" marL="0" rtl="0" algn="l">
+              <a:spcBef>
+                <a:spcPts val="1600"/>
+              </a:spcBef>
+              <a:spcAft>
                 <a:spcPts val="1600"/>
               </a:spcAft>
               <a:buNone/>
@@ -10072,6 +10170,34 @@
           </a:p>
         </p:txBody>
       </p:sp>
+      <p:pic>
+        <p:nvPicPr>
+          <p:cNvPr id="115" name="Google Shape;115;p22"/>
+          <p:cNvPicPr preferRelativeResize="0"/>
+          <p:nvPr/>
+        </p:nvPicPr>
+        <p:blipFill>
+          <a:blip r:embed="rId3">
+            <a:alphaModFix/>
+          </a:blip>
+          <a:stretch>
+            <a:fillRect/>
+          </a:stretch>
+        </p:blipFill>
+        <p:spPr>
+          <a:xfrm>
+            <a:off x="1029600" y="4395475"/>
+            <a:ext cx="6771149" cy="1454950"/>
+          </a:xfrm>
+          <a:prstGeom prst="rect">
+            <a:avLst/>
+          </a:prstGeom>
+          <a:noFill/>
+          <a:ln>
+            <a:noFill/>
+          </a:ln>
+        </p:spPr>
+      </p:pic>
     </p:spTree>
   </p:cSld>
   <p:clrMapOvr>
@@ -10081,6 +10207,285 @@
 </file>
 
 <file path=ppt/theme/theme1.xml><?xml version="1.0" encoding="utf-8"?>
+<a:theme xmlns:a="http://schemas.openxmlformats.org/drawingml/2006/main" xmlns:r="http://schemas.openxmlformats.org/officeDocument/2006/relationships" name="Slate">
+  <a:themeElements>
+    <a:clrScheme name="Slate">
+      <a:dk1>
+        <a:srgbClr val="FFFFFF"/>
+      </a:dk1>
+      <a:lt1>
+        <a:srgbClr val="37474F"/>
+      </a:lt1>
+      <a:dk2>
+        <a:srgbClr val="9E9E9E"/>
+      </a:dk2>
+      <a:lt2>
+        <a:srgbClr val="E0E0E0"/>
+      </a:lt2>
+      <a:accent1>
+        <a:srgbClr val="616161"/>
+      </a:accent1>
+      <a:accent2>
+        <a:srgbClr val="78909C"/>
+      </a:accent2>
+      <a:accent3>
+        <a:srgbClr val="CACACA"/>
+      </a:accent3>
+      <a:accent4>
+        <a:srgbClr val="64FFDA"/>
+      </a:accent4>
+      <a:accent5>
+        <a:srgbClr val="FFD966"/>
+      </a:accent5>
+      <a:accent6>
+        <a:srgbClr val="F5F5F5"/>
+      </a:accent6>
+      <a:hlink>
+        <a:srgbClr val="FFD966"/>
+      </a:hlink>
+      <a:folHlink>
+        <a:srgbClr val="FFD966"/>
+      </a:folHlink>
+    </a:clrScheme>
+    <a:fontScheme name="Office">
+      <a:majorFont>
+        <a:latin typeface="Arial"/>
+        <a:ea typeface=""/>
+        <a:cs typeface=""/>
+        <a:font script="Jpan" typeface="ＭＳ Ｐゴシック"/>
+        <a:font script="Hang" typeface="맑은 고딕"/>
+        <a:font script="Hans" typeface="宋体"/>
+        <a:font script="Hant" typeface="新細明體"/>
+        <a:font script="Arab" typeface="Times New Roman"/>
+        <a:font script="Hebr" typeface="Times New Roman"/>
+        <a:font script="Thai" typeface="Angsana New"/>
+        <a:font script="Ethi" typeface="Nyala"/>
+        <a:font script="Beng" typeface="Vrinda"/>
+        <a:font script="Gujr" typeface="Shruti"/>
+        <a:font script="Khmr" typeface="MoolBoran"/>
+        <a:font script="Knda" typeface="Tunga"/>
+        <a:font script="Guru" typeface="Raavi"/>
+        <a:font script="Cans" typeface="Euphemia"/>
+        <a:font script="Cher" typeface="Plantagenet Cherokee"/>
+        <a:font script="Yiii" typeface="Microsoft Yi Baiti"/>
+        <a:font script="Tibt" typeface="Microsoft Himalaya"/>
+        <a:font script="Thaa" typeface="MV Boli"/>
+        <a:font script="Deva" typeface="Mangal"/>
+        <a:font script="Telu" typeface="Gautami"/>
+        <a:font script="Taml" typeface="Latha"/>
+        <a:font script="Syrc" typeface="Estrangelo Edessa"/>
+        <a:font script="Orya" typeface="Kalinga"/>
+        <a:font script="Mlym" typeface="Kartika"/>
+        <a:font script="Laoo" typeface="DokChampa"/>
+        <a:font script="Sinh" typeface="Iskoola Pota"/>
+        <a:font script="Mong" typeface="Mongolian Baiti"/>
+        <a:font script="Viet" typeface="Times New Roman"/>
+        <a:font script="Uigh" typeface="Microsoft Uighur"/>
+        <a:font script="Geor" typeface="Sylfaen"/>
+      </a:majorFont>
+      <a:minorFont>
+        <a:latin typeface="Arial"/>
+        <a:ea typeface=""/>
+        <a:cs typeface=""/>
+        <a:font script="Jpan" typeface="ＭＳ Ｐゴシック"/>
+        <a:font script="Hang" typeface="맑은 고딕"/>
+        <a:font script="Hans" typeface="宋体"/>
+        <a:font script="Hant" typeface="新細明體"/>
+        <a:font script="Arab" typeface="Arial"/>
+        <a:font script="Hebr" typeface="Arial"/>
+        <a:font script="Thai" typeface="Cordia New"/>
+        <a:font script="Ethi" typeface="Nyala"/>
+        <a:font script="Beng" typeface="Vrinda"/>
+        <a:font script="Gujr" typeface="Shruti"/>
+        <a:font script="Khmr" typeface="DaunPenh"/>
+        <a:font script="Knda" typeface="Tunga"/>
+        <a:font script="Guru" typeface="Raavi"/>
+        <a:font script="Cans" typeface="Euphemia"/>
+        <a:font script="Cher" typeface="Plantagenet Cherokee"/>
+        <a:font script="Yiii" typeface="Microsoft Yi Baiti"/>
+        <a:font script="Tibt" typeface="Microsoft Himalaya"/>
+        <a:font script="Thaa" typeface="MV Boli"/>
+        <a:font script="Deva" typeface="Mangal"/>
+        <a:font script="Telu" typeface="Gautami"/>
+        <a:font script="Taml" typeface="Latha"/>
+        <a:font script="Syrc" typeface="Estrangelo Edessa"/>
+        <a:font script="Orya" typeface="Kalinga"/>
+        <a:font script="Mlym" typeface="Kartika"/>
+        <a:font script="Laoo" typeface="DokChampa"/>
+        <a:font script="Sinh" typeface="Iskoola Pota"/>
+        <a:font script="Mong" typeface="Mongolian Baiti"/>
+        <a:font script="Viet" typeface="Arial"/>
+        <a:font script="Uigh" typeface="Microsoft Uighur"/>
+        <a:font script="Geor" typeface="Sylfaen"/>
+      </a:minorFont>
+    </a:fontScheme>
+    <a:fmtScheme name="Office">
+      <a:fillStyleLst>
+        <a:solidFill>
+          <a:schemeClr val="phClr"/>
+        </a:solidFill>
+        <a:gradFill rotWithShape="1">
+          <a:gsLst>
+            <a:gs pos="0">
+              <a:schemeClr val="phClr">
+                <a:tint val="50000"/>
+                <a:satMod val="300000"/>
+              </a:schemeClr>
+            </a:gs>
+            <a:gs pos="35000">
+              <a:schemeClr val="phClr">
+                <a:tint val="37000"/>
+                <a:satMod val="300000"/>
+              </a:schemeClr>
+            </a:gs>
+            <a:gs pos="100000">
+              <a:schemeClr val="phClr">
+                <a:tint val="15000"/>
+                <a:satMod val="350000"/>
+              </a:schemeClr>
+            </a:gs>
+          </a:gsLst>
+          <a:lin ang="16200000" scaled="1"/>
+        </a:gradFill>
+        <a:gradFill rotWithShape="1">
+          <a:gsLst>
+            <a:gs pos="0">
+              <a:schemeClr val="phClr">
+                <a:tint val="100000"/>
+                <a:shade val="100000"/>
+                <a:satMod val="130000"/>
+              </a:schemeClr>
+            </a:gs>
+            <a:gs pos="100000">
+              <a:schemeClr val="phClr">
+                <a:tint val="50000"/>
+                <a:shade val="100000"/>
+                <a:satMod val="350000"/>
+              </a:schemeClr>
+            </a:gs>
+          </a:gsLst>
+          <a:lin ang="16200000" scaled="0"/>
+        </a:gradFill>
+      </a:fillStyleLst>
+      <a:lnStyleLst>
+        <a:ln w="9525" cap="flat" cmpd="sng" algn="ctr">
+          <a:solidFill>
+            <a:schemeClr val="phClr">
+              <a:shade val="95000"/>
+              <a:satMod val="105000"/>
+            </a:schemeClr>
+          </a:solidFill>
+          <a:prstDash val="solid"/>
+        </a:ln>
+        <a:ln w="25400" cap="flat" cmpd="sng" algn="ctr">
+          <a:solidFill>
+            <a:schemeClr val="phClr"/>
+          </a:solidFill>
+          <a:prstDash val="solid"/>
+        </a:ln>
+        <a:ln w="38100" cap="flat" cmpd="sng" algn="ctr">
+          <a:solidFill>
+            <a:schemeClr val="phClr"/>
+          </a:solidFill>
+          <a:prstDash val="solid"/>
+        </a:ln>
+      </a:lnStyleLst>
+      <a:effectStyleLst>
+        <a:effectStyle>
+          <a:effectLst>
+            <a:outerShdw blurRad="40000" dist="20000" dir="5400000" rotWithShape="0">
+              <a:srgbClr val="000000">
+                <a:alpha val="38000"/>
+              </a:srgbClr>
+            </a:outerShdw>
+          </a:effectLst>
+        </a:effectStyle>
+        <a:effectStyle>
+          <a:effectLst>
+            <a:outerShdw blurRad="40000" dist="23000" dir="5400000" rotWithShape="0">
+              <a:srgbClr val="000000">
+                <a:alpha val="35000"/>
+              </a:srgbClr>
+            </a:outerShdw>
+          </a:effectLst>
+        </a:effectStyle>
+        <a:effectStyle>
+          <a:effectLst>
+            <a:outerShdw blurRad="40000" dist="23000" dir="5400000" rotWithShape="0">
+              <a:srgbClr val="000000">
+                <a:alpha val="35000"/>
+              </a:srgbClr>
+            </a:outerShdw>
+          </a:effectLst>
+          <a:scene3d>
+            <a:camera prst="orthographicFront">
+              <a:rot lat="0" lon="0" rev="0"/>
+            </a:camera>
+            <a:lightRig rig="threePt" dir="t">
+              <a:rot lat="0" lon="0" rev="1200000"/>
+            </a:lightRig>
+          </a:scene3d>
+          <a:sp3d>
+            <a:bevelT w="63500" h="25400"/>
+          </a:sp3d>
+        </a:effectStyle>
+      </a:effectStyleLst>
+      <a:bgFillStyleLst>
+        <a:solidFill>
+          <a:schemeClr val="phClr"/>
+        </a:solidFill>
+        <a:gradFill rotWithShape="1">
+          <a:gsLst>
+            <a:gs pos="0">
+              <a:schemeClr val="phClr">
+                <a:tint val="40000"/>
+                <a:satMod val="350000"/>
+              </a:schemeClr>
+            </a:gs>
+            <a:gs pos="40000">
+              <a:schemeClr val="phClr">
+                <a:tint val="45000"/>
+                <a:shade val="99000"/>
+                <a:satMod val="350000"/>
+              </a:schemeClr>
+            </a:gs>
+            <a:gs pos="100000">
+              <a:schemeClr val="phClr">
+                <a:shade val="20000"/>
+                <a:satMod val="255000"/>
+              </a:schemeClr>
+            </a:gs>
+          </a:gsLst>
+          <a:path path="circle">
+            <a:fillToRect l="50000" t="-80000" r="50000" b="180000"/>
+          </a:path>
+        </a:gradFill>
+        <a:gradFill rotWithShape="1">
+          <a:gsLst>
+            <a:gs pos="0">
+              <a:schemeClr val="phClr">
+                <a:tint val="80000"/>
+                <a:satMod val="300000"/>
+              </a:schemeClr>
+            </a:gs>
+            <a:gs pos="100000">
+              <a:schemeClr val="phClr">
+                <a:shade val="30000"/>
+                <a:satMod val="200000"/>
+              </a:schemeClr>
+            </a:gs>
+          </a:gsLst>
+          <a:path path="circle">
+            <a:fillToRect l="50000" t="50000" r="50000" b="50000"/>
+          </a:path>
+        </a:gradFill>
+      </a:bgFillStyleLst>
+    </a:fmtScheme>
+  </a:themeElements>
+</a:theme>
+</file>
+
+<file path=ppt/theme/theme2.xml><?xml version="1.0" encoding="utf-8"?>
 <a:theme xmlns:a="http://schemas.openxmlformats.org/drawingml/2006/main" xmlns:r="http://schemas.openxmlformats.org/officeDocument/2006/relationships">
   <a:themeElements>
     <a:clrScheme name="Default">
@@ -10357,283 +10762,4 @@
     </a:fmtScheme>
   </a:themeElements>
 </a:theme>
-</file>
-
-<file path=ppt/theme/theme2.xml><?xml version="1.0" encoding="utf-8"?>
-<a:theme xmlns:a="http://schemas.openxmlformats.org/drawingml/2006/main" xmlns:r="http://schemas.openxmlformats.org/officeDocument/2006/relationships" name="Slate">
-  <a:themeElements>
-    <a:clrScheme name="Slate">
-      <a:dk1>
-        <a:srgbClr val="FFFFFF"/>
-      </a:dk1>
-      <a:lt1>
-        <a:srgbClr val="37474F"/>
-      </a:lt1>
-      <a:dk2>
-        <a:srgbClr val="9E9E9E"/>
-      </a:dk2>
-      <a:lt2>
-        <a:srgbClr val="E0E0E0"/>
-      </a:lt2>
-      <a:accent1>
-        <a:srgbClr val="616161"/>
-      </a:accent1>
-      <a:accent2>
-        <a:srgbClr val="78909C"/>
-      </a:accent2>
-      <a:accent3>
-        <a:srgbClr val="CACACA"/>
-      </a:accent3>
-      <a:accent4>
-        <a:srgbClr val="64FFDA"/>
-      </a:accent4>
-      <a:accent5>
-        <a:srgbClr val="FFD966"/>
-      </a:accent5>
-      <a:accent6>
-        <a:srgbClr val="F5F5F5"/>
-      </a:accent6>
-      <a:hlink>
-        <a:srgbClr val="FFD966"/>
-      </a:hlink>
-      <a:folHlink>
-        <a:srgbClr val="FFD966"/>
-      </a:folHlink>
-    </a:clrScheme>
-    <a:fontScheme name="Office">
-      <a:majorFont>
-        <a:latin typeface="Arial"/>
-        <a:ea typeface=""/>
-        <a:cs typeface=""/>
-        <a:font script="Jpan" typeface="ＭＳ Ｐゴシック"/>
-        <a:font script="Hang" typeface="맑은 고딕"/>
-        <a:font script="Hans" typeface="宋体"/>
-        <a:font script="Hant" typeface="新細明體"/>
-        <a:font script="Arab" typeface="Times New Roman"/>
-        <a:font script="Hebr" typeface="Times New Roman"/>
-        <a:font script="Thai" typeface="Angsana New"/>
-        <a:font script="Ethi" typeface="Nyala"/>
-        <a:font script="Beng" typeface="Vrinda"/>
-        <a:font script="Gujr" typeface="Shruti"/>
-        <a:font script="Khmr" typeface="MoolBoran"/>
-        <a:font script="Knda" typeface="Tunga"/>
-        <a:font script="Guru" typeface="Raavi"/>
-        <a:font script="Cans" typeface="Euphemia"/>
-        <a:font script="Cher" typeface="Plantagenet Cherokee"/>
-        <a:font script="Yiii" typeface="Microsoft Yi Baiti"/>
-        <a:font script="Tibt" typeface="Microsoft Himalaya"/>
-        <a:font script="Thaa" typeface="MV Boli"/>
-        <a:font script="Deva" typeface="Mangal"/>
-        <a:font script="Telu" typeface="Gautami"/>
-        <a:font script="Taml" typeface="Latha"/>
-        <a:font script="Syrc" typeface="Estrangelo Edessa"/>
-        <a:font script="Orya" typeface="Kalinga"/>
-        <a:font script="Mlym" typeface="Kartika"/>
-        <a:font script="Laoo" typeface="DokChampa"/>
-        <a:font script="Sinh" typeface="Iskoola Pota"/>
-        <a:font script="Mong" typeface="Mongolian Baiti"/>
-        <a:font script="Viet" typeface="Times New Roman"/>
-        <a:font script="Uigh" typeface="Microsoft Uighur"/>
-        <a:font script="Geor" typeface="Sylfaen"/>
-      </a:majorFont>
-      <a:minorFont>
-        <a:latin typeface="Arial"/>
-        <a:ea typeface=""/>
-        <a:cs typeface=""/>
-        <a:font script="Jpan" typeface="ＭＳ Ｐゴシック"/>
-        <a:font script="Hang" typeface="맑은 고딕"/>
-        <a:font script="Hans" typeface="宋体"/>
-        <a:font script="Hant" typeface="新細明體"/>
-        <a:font script="Arab" typeface="Arial"/>
-        <a:font script="Hebr" typeface="Arial"/>
-        <a:font script="Thai" typeface="Cordia New"/>
-        <a:font script="Ethi" typeface="Nyala"/>
-        <a:font script="Beng" typeface="Vrinda"/>
-        <a:font script="Gujr" typeface="Shruti"/>
-        <a:font script="Khmr" typeface="DaunPenh"/>
-        <a:font script="Knda" typeface="Tunga"/>
-        <a:font script="Guru" typeface="Raavi"/>
-        <a:font script="Cans" typeface="Euphemia"/>
-        <a:font script="Cher" typeface="Plantagenet Cherokee"/>
-        <a:font script="Yiii" typeface="Microsoft Yi Baiti"/>
-        <a:font script="Tibt" typeface="Microsoft Himalaya"/>
-        <a:font script="Thaa" typeface="MV Boli"/>
-        <a:font script="Deva" typeface="Mangal"/>
-        <a:font script="Telu" typeface="Gautami"/>
-        <a:font script="Taml" typeface="Latha"/>
-        <a:font script="Syrc" typeface="Estrangelo Edessa"/>
-        <a:font script="Orya" typeface="Kalinga"/>
-        <a:font script="Mlym" typeface="Kartika"/>
-        <a:font script="Laoo" typeface="DokChampa"/>
-        <a:font script="Sinh" typeface="Iskoola Pota"/>
-        <a:font script="Mong" typeface="Mongolian Baiti"/>
-        <a:font script="Viet" typeface="Arial"/>
-        <a:font script="Uigh" typeface="Microsoft Uighur"/>
-        <a:font script="Geor" typeface="Sylfaen"/>
-      </a:minorFont>
-    </a:fontScheme>
-    <a:fmtScheme name="Office">
-      <a:fillStyleLst>
-        <a:solidFill>
-          <a:schemeClr val="phClr"/>
-        </a:solidFill>
-        <a:gradFill rotWithShape="1">
-          <a:gsLst>
-            <a:gs pos="0">
-              <a:schemeClr val="phClr">
-                <a:tint val="50000"/>
-                <a:satMod val="300000"/>
-              </a:schemeClr>
-            </a:gs>
-            <a:gs pos="35000">
-              <a:schemeClr val="phClr">
-                <a:tint val="37000"/>
-                <a:satMod val="300000"/>
-              </a:schemeClr>
-            </a:gs>
-            <a:gs pos="100000">
-              <a:schemeClr val="phClr">
-                <a:tint val="15000"/>
-                <a:satMod val="350000"/>
-              </a:schemeClr>
-            </a:gs>
-          </a:gsLst>
-          <a:lin ang="16200000" scaled="1"/>
-        </a:gradFill>
-        <a:gradFill rotWithShape="1">
-          <a:gsLst>
-            <a:gs pos="0">
-              <a:schemeClr val="phClr">
-                <a:tint val="100000"/>
-                <a:shade val="100000"/>
-                <a:satMod val="130000"/>
-              </a:schemeClr>
-            </a:gs>
-            <a:gs pos="100000">
-              <a:schemeClr val="phClr">
-                <a:tint val="50000"/>
-                <a:shade val="100000"/>
-                <a:satMod val="350000"/>
-              </a:schemeClr>
-            </a:gs>
-          </a:gsLst>
-          <a:lin ang="16200000" scaled="0"/>
-        </a:gradFill>
-      </a:fillStyleLst>
-      <a:lnStyleLst>
-        <a:ln w="9525" cap="flat" cmpd="sng" algn="ctr">
-          <a:solidFill>
-            <a:schemeClr val="phClr">
-              <a:shade val="95000"/>
-              <a:satMod val="105000"/>
-            </a:schemeClr>
-          </a:solidFill>
-          <a:prstDash val="solid"/>
-        </a:ln>
-        <a:ln w="25400" cap="flat" cmpd="sng" algn="ctr">
-          <a:solidFill>
-            <a:schemeClr val="phClr"/>
-          </a:solidFill>
-          <a:prstDash val="solid"/>
-        </a:ln>
-        <a:ln w="38100" cap="flat" cmpd="sng" algn="ctr">
-          <a:solidFill>
-            <a:schemeClr val="phClr"/>
-          </a:solidFill>
-          <a:prstDash val="solid"/>
-        </a:ln>
-      </a:lnStyleLst>
-      <a:effectStyleLst>
-        <a:effectStyle>
-          <a:effectLst>
-            <a:outerShdw blurRad="40000" dist="20000" dir="5400000" rotWithShape="0">
-              <a:srgbClr val="000000">
-                <a:alpha val="38000"/>
-              </a:srgbClr>
-            </a:outerShdw>
-          </a:effectLst>
-        </a:effectStyle>
-        <a:effectStyle>
-          <a:effectLst>
-            <a:outerShdw blurRad="40000" dist="23000" dir="5400000" rotWithShape="0">
-              <a:srgbClr val="000000">
-                <a:alpha val="35000"/>
-              </a:srgbClr>
-            </a:outerShdw>
-          </a:effectLst>
-        </a:effectStyle>
-        <a:effectStyle>
-          <a:effectLst>
-            <a:outerShdw blurRad="40000" dist="23000" dir="5400000" rotWithShape="0">
-              <a:srgbClr val="000000">
-                <a:alpha val="35000"/>
-              </a:srgbClr>
-            </a:outerShdw>
-          </a:effectLst>
-          <a:scene3d>
-            <a:camera prst="orthographicFront">
-              <a:rot lat="0" lon="0" rev="0"/>
-            </a:camera>
-            <a:lightRig rig="threePt" dir="t">
-              <a:rot lat="0" lon="0" rev="1200000"/>
-            </a:lightRig>
-          </a:scene3d>
-          <a:sp3d>
-            <a:bevelT w="63500" h="25400"/>
-          </a:sp3d>
-        </a:effectStyle>
-      </a:effectStyleLst>
-      <a:bgFillStyleLst>
-        <a:solidFill>
-          <a:schemeClr val="phClr"/>
-        </a:solidFill>
-        <a:gradFill rotWithShape="1">
-          <a:gsLst>
-            <a:gs pos="0">
-              <a:schemeClr val="phClr">
-                <a:tint val="40000"/>
-                <a:satMod val="350000"/>
-              </a:schemeClr>
-            </a:gs>
-            <a:gs pos="40000">
-              <a:schemeClr val="phClr">
-                <a:tint val="45000"/>
-                <a:shade val="99000"/>
-                <a:satMod val="350000"/>
-              </a:schemeClr>
-            </a:gs>
-            <a:gs pos="100000">
-              <a:schemeClr val="phClr">
-                <a:shade val="20000"/>
-                <a:satMod val="255000"/>
-              </a:schemeClr>
-            </a:gs>
-          </a:gsLst>
-          <a:path path="circle">
-            <a:fillToRect l="50000" t="-80000" r="50000" b="180000"/>
-          </a:path>
-        </a:gradFill>
-        <a:gradFill rotWithShape="1">
-          <a:gsLst>
-            <a:gs pos="0">
-              <a:schemeClr val="phClr">
-                <a:tint val="80000"/>
-                <a:satMod val="300000"/>
-              </a:schemeClr>
-            </a:gs>
-            <a:gs pos="100000">
-              <a:schemeClr val="phClr">
-                <a:shade val="30000"/>
-                <a:satMod val="200000"/>
-              </a:schemeClr>
-            </a:gs>
-          </a:gsLst>
-          <a:path path="circle">
-            <a:fillToRect l="50000" t="50000" r="50000" b="50000"/>
-          </a:path>
-        </a:gradFill>
-      </a:bgFillStyleLst>
-    </a:fmtScheme>
-  </a:themeElements>
-</a:theme>
 </file>
--- a/CIS4250_Retrospective.pptx
+++ b/CIS4250_Retrospective.pptx
@@ -797,7 +797,7 @@
   <p:cSld>
     <p:spTree>
       <p:nvGrpSpPr>
-        <p:cNvPr id="116" name="Shape 116"/>
+        <p:cNvPr id="115" name="Shape 115"/>
         <p:cNvGrpSpPr/>
         <p:nvPr/>
       </p:nvGrpSpPr>
@@ -811,7 +811,7 @@
       </p:grpSpPr>
       <p:sp>
         <p:nvSpPr>
-          <p:cNvPr id="117" name="Google Shape;117;p5:notes"/>
+          <p:cNvPr id="116" name="Google Shape;116;p5:notes"/>
           <p:cNvSpPr txBox="1"/>
           <p:nvPr>
             <p:ph idx="1" type="body"/>
@@ -850,7 +850,7 @@
       </p:sp>
       <p:sp>
         <p:nvSpPr>
-          <p:cNvPr id="118" name="Google Shape;118;p5:notes"/>
+          <p:cNvPr id="117" name="Google Shape;117;p5:notes"/>
           <p:cNvSpPr/>
           <p:nvPr>
             <p:ph idx="2" type="sldImg"/>
@@ -896,7 +896,7 @@
   <p:cSld>
     <p:spTree>
       <p:nvGrpSpPr>
-        <p:cNvPr id="122" name="Shape 122"/>
+        <p:cNvPr id="121" name="Shape 121"/>
         <p:cNvGrpSpPr/>
         <p:nvPr/>
       </p:nvGrpSpPr>
@@ -910,7 +910,7 @@
       </p:grpSpPr>
       <p:sp>
         <p:nvSpPr>
-          <p:cNvPr id="123" name="Google Shape;123;p6:notes"/>
+          <p:cNvPr id="122" name="Google Shape;122;p6:notes"/>
           <p:cNvSpPr txBox="1"/>
           <p:nvPr>
             <p:ph idx="1" type="body"/>
@@ -949,7 +949,7 @@
       </p:sp>
       <p:sp>
         <p:nvSpPr>
-          <p:cNvPr id="124" name="Google Shape;124;p6:notes"/>
+          <p:cNvPr id="123" name="Google Shape;123;p6:notes"/>
           <p:cNvSpPr/>
           <p:nvPr>
             <p:ph idx="2" type="sldImg"/>
@@ -995,7 +995,7 @@
   <p:cSld>
     <p:spTree>
       <p:nvGrpSpPr>
-        <p:cNvPr id="128" name="Shape 128"/>
+        <p:cNvPr id="127" name="Shape 127"/>
         <p:cNvGrpSpPr/>
         <p:nvPr/>
       </p:nvGrpSpPr>
@@ -1009,7 +1009,7 @@
       </p:grpSpPr>
       <p:sp>
         <p:nvSpPr>
-          <p:cNvPr id="129" name="Google Shape;129;p7:notes"/>
+          <p:cNvPr id="128" name="Google Shape;128;p7:notes"/>
           <p:cNvSpPr txBox="1"/>
           <p:nvPr>
             <p:ph idx="1" type="body"/>
@@ -1048,7 +1048,7 @@
       </p:sp>
       <p:sp>
         <p:nvSpPr>
-          <p:cNvPr id="130" name="Google Shape;130;p7:notes"/>
+          <p:cNvPr id="129" name="Google Shape;129;p7:notes"/>
           <p:cNvSpPr/>
           <p:nvPr>
             <p:ph idx="2" type="sldImg"/>
@@ -1094,7 +1094,7 @@
   <p:cSld>
     <p:spTree>
       <p:nvGrpSpPr>
-        <p:cNvPr id="134" name="Shape 134"/>
+        <p:cNvPr id="133" name="Shape 133"/>
         <p:cNvGrpSpPr/>
         <p:nvPr/>
       </p:nvGrpSpPr>
@@ -1108,7 +1108,7 @@
       </p:grpSpPr>
       <p:sp>
         <p:nvSpPr>
-          <p:cNvPr id="135" name="Google Shape;135;g2b19aebaf4f_0_5:notes"/>
+          <p:cNvPr id="134" name="Google Shape;134;g2b19aebaf4f_0_5:notes"/>
           <p:cNvSpPr/>
           <p:nvPr>
             <p:ph idx="2" type="sldImg"/>
@@ -1143,7 +1143,7 @@
       </p:sp>
       <p:sp>
         <p:nvSpPr>
-          <p:cNvPr id="136" name="Google Shape;136;g2b19aebaf4f_0_5:notes"/>
+          <p:cNvPr id="135" name="Google Shape;135;g2b19aebaf4f_0_5:notes"/>
           <p:cNvSpPr txBox="1"/>
           <p:nvPr>
             <p:ph idx="1" type="body"/>
@@ -1491,7 +1491,7 @@
       </p:grpSpPr>
       <p:sp>
         <p:nvSpPr>
-          <p:cNvPr id="80" name="Google Shape;80;g2664875a435_4_0:notes"/>
+          <p:cNvPr id="80" name="Google Shape;80;g26649be14ca_0_5:notes"/>
           <p:cNvSpPr/>
           <p:nvPr>
             <p:ph idx="2" type="sldImg"/>
@@ -1526,7 +1526,7 @@
       </p:sp>
       <p:sp>
         <p:nvSpPr>
-          <p:cNvPr id="81" name="Google Shape;81;g2664875a435_4_0:notes"/>
+          <p:cNvPr id="81" name="Google Shape;81;g26649be14ca_0_5:notes"/>
           <p:cNvSpPr txBox="1"/>
           <p:nvPr>
             <p:ph idx="1" type="body"/>
@@ -1590,46 +1590,7 @@
       </p:grpSpPr>
       <p:sp>
         <p:nvSpPr>
-          <p:cNvPr id="86" name="Google Shape;86;g2664875a435_5_0:notes"/>
-          <p:cNvSpPr txBox="1"/>
-          <p:nvPr>
-            <p:ph idx="1" type="body"/>
-          </p:nvPr>
-        </p:nvSpPr>
-        <p:spPr>
-          <a:xfrm>
-            <a:off x="685800" y="4343400"/>
-            <a:ext cx="5486400" cy="4114800"/>
-          </a:xfrm>
-          <a:prstGeom prst="rect">
-            <a:avLst/>
-          </a:prstGeom>
-        </p:spPr>
-        <p:txBody>
-          <a:bodyPr anchorCtr="0" anchor="t" bIns="91425" lIns="91425" spcFirstLastPara="1" rIns="91425" wrap="square" tIns="91425">
-            <a:noAutofit/>
-          </a:bodyPr>
-          <a:lstStyle/>
-          <a:p>
-            <a:pPr indent="0" lvl="0" marL="0" rtl="0" algn="l">
-              <a:spcBef>
-                <a:spcPts val="0"/>
-              </a:spcBef>
-              <a:spcAft>
-                <a:spcPts val="0"/>
-              </a:spcAft>
-              <a:buNone/>
-            </a:pPr>
-            <a:r>
-              <a:t/>
-            </a:r>
-            <a:endParaRPr/>
-          </a:p>
-        </p:txBody>
-      </p:sp>
-      <p:sp>
-        <p:nvSpPr>
-          <p:cNvPr id="87" name="Google Shape;87;g2664875a435_5_0:notes"/>
+          <p:cNvPr id="86" name="Google Shape;86;g2664875a435_4_0:notes"/>
           <p:cNvSpPr/>
           <p:nvPr>
             <p:ph idx="2" type="sldImg"/>
@@ -1662,6 +1623,45 @@
           </a:custGeom>
         </p:spPr>
       </p:sp>
+      <p:sp>
+        <p:nvSpPr>
+          <p:cNvPr id="87" name="Google Shape;87;g2664875a435_4_0:notes"/>
+          <p:cNvSpPr txBox="1"/>
+          <p:nvPr>
+            <p:ph idx="1" type="body"/>
+          </p:nvPr>
+        </p:nvSpPr>
+        <p:spPr>
+          <a:xfrm>
+            <a:off x="685800" y="4343400"/>
+            <a:ext cx="5486400" cy="4114800"/>
+          </a:xfrm>
+          <a:prstGeom prst="rect">
+            <a:avLst/>
+          </a:prstGeom>
+        </p:spPr>
+        <p:txBody>
+          <a:bodyPr anchorCtr="0" anchor="t" bIns="91425" lIns="91425" spcFirstLastPara="1" rIns="91425" wrap="square" tIns="91425">
+            <a:noAutofit/>
+          </a:bodyPr>
+          <a:lstStyle/>
+          <a:p>
+            <a:pPr indent="0" lvl="0" marL="0" rtl="0" algn="l">
+              <a:spcBef>
+                <a:spcPts val="0"/>
+              </a:spcBef>
+              <a:spcAft>
+                <a:spcPts val="0"/>
+              </a:spcAft>
+              <a:buNone/>
+            </a:pPr>
+            <a:r>
+              <a:t/>
+            </a:r>
+            <a:endParaRPr/>
+          </a:p>
+        </p:txBody>
+      </p:sp>
     </p:spTree>
   </p:cSld>
   <p:clrMapOvr>
@@ -1689,7 +1689,7 @@
       </p:grpSpPr>
       <p:sp>
         <p:nvSpPr>
-          <p:cNvPr id="92" name="Google Shape;92;p4:notes"/>
+          <p:cNvPr id="92" name="Google Shape;92;g2664875a435_5_0:notes"/>
           <p:cNvSpPr txBox="1"/>
           <p:nvPr>
             <p:ph idx="1" type="body"/>
@@ -1728,7 +1728,7 @@
       </p:sp>
       <p:sp>
         <p:nvSpPr>
-          <p:cNvPr id="93" name="Google Shape;93;p4:notes"/>
+          <p:cNvPr id="93" name="Google Shape;93;g2664875a435_5_0:notes"/>
           <p:cNvSpPr/>
           <p:nvPr>
             <p:ph idx="2" type="sldImg"/>
@@ -1737,7 +1737,7 @@
         <p:spPr>
           <a:xfrm>
             <a:off x="1143225" y="685800"/>
-            <a:ext cx="4572225" cy="3429000"/>
+            <a:ext cx="4572300" cy="3429000"/>
           </a:xfrm>
           <a:custGeom>
             <a:rect b="b" l="l" r="r" t="t"/>
@@ -1788,7 +1788,106 @@
       </p:grpSpPr>
       <p:sp>
         <p:nvSpPr>
-          <p:cNvPr id="98" name="Google Shape;98;g2b19aebb51d_0_0:notes"/>
+          <p:cNvPr id="98" name="Google Shape;98;p4:notes"/>
+          <p:cNvSpPr txBox="1"/>
+          <p:nvPr>
+            <p:ph idx="1" type="body"/>
+          </p:nvPr>
+        </p:nvSpPr>
+        <p:spPr>
+          <a:xfrm>
+            <a:off x="685800" y="4343400"/>
+            <a:ext cx="5486400" cy="4114800"/>
+          </a:xfrm>
+          <a:prstGeom prst="rect">
+            <a:avLst/>
+          </a:prstGeom>
+        </p:spPr>
+        <p:txBody>
+          <a:bodyPr anchorCtr="0" anchor="t" bIns="91425" lIns="91425" spcFirstLastPara="1" rIns="91425" wrap="square" tIns="91425">
+            <a:noAutofit/>
+          </a:bodyPr>
+          <a:lstStyle/>
+          <a:p>
+            <a:pPr indent="0" lvl="0" marL="0" rtl="0" algn="l">
+              <a:spcBef>
+                <a:spcPts val="0"/>
+              </a:spcBef>
+              <a:spcAft>
+                <a:spcPts val="0"/>
+              </a:spcAft>
+              <a:buNone/>
+            </a:pPr>
+            <a:r>
+              <a:t/>
+            </a:r>
+            <a:endParaRPr/>
+          </a:p>
+        </p:txBody>
+      </p:sp>
+      <p:sp>
+        <p:nvSpPr>
+          <p:cNvPr id="99" name="Google Shape;99;p4:notes"/>
+          <p:cNvSpPr/>
+          <p:nvPr>
+            <p:ph idx="2" type="sldImg"/>
+          </p:nvPr>
+        </p:nvSpPr>
+        <p:spPr>
+          <a:xfrm>
+            <a:off x="1143225" y="685800"/>
+            <a:ext cx="4572225" cy="3429000"/>
+          </a:xfrm>
+          <a:custGeom>
+            <a:rect b="b" l="l" r="r" t="t"/>
+            <a:pathLst>
+              <a:path extrusionOk="0" h="120000" w="120000">
+                <a:moveTo>
+                  <a:pt x="0" y="0"/>
+                </a:moveTo>
+                <a:lnTo>
+                  <a:pt x="120000" y="0"/>
+                </a:lnTo>
+                <a:lnTo>
+                  <a:pt x="120000" y="120000"/>
+                </a:lnTo>
+                <a:lnTo>
+                  <a:pt x="0" y="120000"/>
+                </a:lnTo>
+                <a:close/>
+              </a:path>
+            </a:pathLst>
+          </a:custGeom>
+        </p:spPr>
+      </p:sp>
+    </p:spTree>
+  </p:cSld>
+  <p:clrMapOvr>
+    <a:masterClrMapping/>
+  </p:clrMapOvr>
+</p:notes>
+</file>
+
+<file path=ppt/notesSlides/notesSlide8.xml><?xml version="1.0" encoding="utf-8"?>
+<p:notes xmlns:a="http://schemas.openxmlformats.org/drawingml/2006/main" xmlns:r="http://schemas.openxmlformats.org/officeDocument/2006/relationships" xmlns:mc="http://schemas.openxmlformats.org/markup-compatibility/2006" xmlns:mv="urn:schemas-microsoft-com:mac:vml" xmlns:p="http://schemas.openxmlformats.org/presentationml/2006/main" xmlns:c="http://schemas.openxmlformats.org/drawingml/2006/chart" xmlns:dgm="http://schemas.openxmlformats.org/drawingml/2006/diagram" xmlns:o="urn:schemas-microsoft-com:office:office" xmlns:v="urn:schemas-microsoft-com:vml" xmlns:pvml="urn:schemas-microsoft-com:office:powerpoint" xmlns:com="http://schemas.openxmlformats.org/drawingml/2006/compatibility" xmlns:p14="http://schemas.microsoft.com/office/powerpoint/2010/main" xmlns:p15="http://schemas.microsoft.com/office/powerpoint/2012/main" xmlns:ahyp="http://schemas.microsoft.com/office/drawing/2018/hyperlinkcolor" showMasterPhAnim="0" showMasterSp="0">
+  <p:cSld>
+    <p:spTree>
+      <p:nvGrpSpPr>
+        <p:cNvPr id="103" name="Shape 103"/>
+        <p:cNvGrpSpPr/>
+        <p:nvPr/>
+      </p:nvGrpSpPr>
+      <p:grpSpPr>
+        <a:xfrm>
+          <a:off x="0" y="0"/>
+          <a:ext cx="0" cy="0"/>
+          <a:chOff x="0" y="0"/>
+          <a:chExt cx="0" cy="0"/>
+        </a:xfrm>
+      </p:grpSpPr>
+      <p:sp>
+        <p:nvSpPr>
+          <p:cNvPr id="104" name="Google Shape;104;g2b19aebb51d_0_0:notes"/>
           <p:cNvSpPr/>
           <p:nvPr>
             <p:ph idx="2" type="sldImg"/>
@@ -1823,7 +1922,7 @@
       </p:sp>
       <p:sp>
         <p:nvSpPr>
-          <p:cNvPr id="99" name="Google Shape;99;g2b19aebb51d_0_0:notes"/>
+          <p:cNvPr id="105" name="Google Shape;105;g2b19aebb51d_0_0:notes"/>
           <p:cNvSpPr txBox="1"/>
           <p:nvPr>
             <p:ph idx="1" type="body"/>
@@ -1868,12 +1967,12 @@
 </p:notes>
 </file>
 
-<file path=ppt/notesSlides/notesSlide8.xml><?xml version="1.0" encoding="utf-8"?>
+<file path=ppt/notesSlides/notesSlide9.xml><?xml version="1.0" encoding="utf-8"?>
 <p:notes xmlns:a="http://schemas.openxmlformats.org/drawingml/2006/main" xmlns:r="http://schemas.openxmlformats.org/officeDocument/2006/relationships" xmlns:mc="http://schemas.openxmlformats.org/markup-compatibility/2006" xmlns:mv="urn:schemas-microsoft-com:mac:vml" xmlns:p="http://schemas.openxmlformats.org/presentationml/2006/main" xmlns:c="http://schemas.openxmlformats.org/drawingml/2006/chart" xmlns:dgm="http://schemas.openxmlformats.org/drawingml/2006/diagram" xmlns:o="urn:schemas-microsoft-com:office:office" xmlns:v="urn:schemas-microsoft-com:vml" xmlns:pvml="urn:schemas-microsoft-com:office:powerpoint" xmlns:com="http://schemas.openxmlformats.org/drawingml/2006/compatibility" xmlns:p14="http://schemas.microsoft.com/office/powerpoint/2010/main" xmlns:p15="http://schemas.microsoft.com/office/powerpoint/2012/main" xmlns:ahyp="http://schemas.microsoft.com/office/drawing/2018/hyperlinkcolor" showMasterPhAnim="0" showMasterSp="0">
   <p:cSld>
     <p:spTree>
       <p:nvGrpSpPr>
-        <p:cNvPr id="103" name="Shape 103"/>
+        <p:cNvPr id="109" name="Shape 109"/>
         <p:cNvGrpSpPr/>
         <p:nvPr/>
       </p:nvGrpSpPr>
@@ -1887,7 +1986,7 @@
       </p:grpSpPr>
       <p:sp>
         <p:nvSpPr>
-          <p:cNvPr id="104" name="Google Shape;104;g2b1a2e806fe_0_0:notes"/>
+          <p:cNvPr id="110" name="Google Shape;110;g2b1a2e806fe_0_0:notes"/>
           <p:cNvSpPr txBox="1"/>
           <p:nvPr>
             <p:ph idx="1" type="body"/>
@@ -1926,7 +2025,7 @@
       </p:sp>
       <p:sp>
         <p:nvSpPr>
-          <p:cNvPr id="105" name="Google Shape;105;g2b1a2e806fe_0_0:notes"/>
+          <p:cNvPr id="111" name="Google Shape;111;g2b1a2e806fe_0_0:notes"/>
           <p:cNvSpPr/>
           <p:nvPr>
             <p:ph idx="2" type="sldImg"/>
@@ -1958,105 +2057,6 @@
             </a:pathLst>
           </a:custGeom>
         </p:spPr>
-      </p:sp>
-    </p:spTree>
-  </p:cSld>
-  <p:clrMapOvr>
-    <a:masterClrMapping/>
-  </p:clrMapOvr>
-</p:notes>
-</file>
-
-<file path=ppt/notesSlides/notesSlide9.xml><?xml version="1.0" encoding="utf-8"?>
-<p:notes xmlns:a="http://schemas.openxmlformats.org/drawingml/2006/main" xmlns:r="http://schemas.openxmlformats.org/officeDocument/2006/relationships" xmlns:mc="http://schemas.openxmlformats.org/markup-compatibility/2006" xmlns:mv="urn:schemas-microsoft-com:mac:vml" xmlns:p="http://schemas.openxmlformats.org/presentationml/2006/main" xmlns:c="http://schemas.openxmlformats.org/drawingml/2006/chart" xmlns:dgm="http://schemas.openxmlformats.org/drawingml/2006/diagram" xmlns:o="urn:schemas-microsoft-com:office:office" xmlns:v="urn:schemas-microsoft-com:vml" xmlns:pvml="urn:schemas-microsoft-com:office:powerpoint" xmlns:com="http://schemas.openxmlformats.org/drawingml/2006/compatibility" xmlns:p14="http://schemas.microsoft.com/office/powerpoint/2010/main" xmlns:p15="http://schemas.microsoft.com/office/powerpoint/2012/main" xmlns:ahyp="http://schemas.microsoft.com/office/drawing/2018/hyperlinkcolor" showMasterPhAnim="0" showMasterSp="0">
-  <p:cSld>
-    <p:spTree>
-      <p:nvGrpSpPr>
-        <p:cNvPr id="109" name="Shape 109"/>
-        <p:cNvGrpSpPr/>
-        <p:nvPr/>
-      </p:nvGrpSpPr>
-      <p:grpSpPr>
-        <a:xfrm>
-          <a:off x="0" y="0"/>
-          <a:ext cx="0" cy="0"/>
-          <a:chOff x="0" y="0"/>
-          <a:chExt cx="0" cy="0"/>
-        </a:xfrm>
-      </p:grpSpPr>
-      <p:sp>
-        <p:nvSpPr>
-          <p:cNvPr id="110" name="Google Shape;110;g26649be14ca_0_5:notes"/>
-          <p:cNvSpPr/>
-          <p:nvPr>
-            <p:ph idx="2" type="sldImg"/>
-          </p:nvPr>
-        </p:nvSpPr>
-        <p:spPr>
-          <a:xfrm>
-            <a:off x="1143225" y="685800"/>
-            <a:ext cx="4572300" cy="3429000"/>
-          </a:xfrm>
-          <a:custGeom>
-            <a:rect b="b" l="l" r="r" t="t"/>
-            <a:pathLst>
-              <a:path extrusionOk="0" h="120000" w="120000">
-                <a:moveTo>
-                  <a:pt x="0" y="0"/>
-                </a:moveTo>
-                <a:lnTo>
-                  <a:pt x="120000" y="0"/>
-                </a:lnTo>
-                <a:lnTo>
-                  <a:pt x="120000" y="120000"/>
-                </a:lnTo>
-                <a:lnTo>
-                  <a:pt x="0" y="120000"/>
-                </a:lnTo>
-                <a:close/>
-              </a:path>
-            </a:pathLst>
-          </a:custGeom>
-        </p:spPr>
-      </p:sp>
-      <p:sp>
-        <p:nvSpPr>
-          <p:cNvPr id="111" name="Google Shape;111;g26649be14ca_0_5:notes"/>
-          <p:cNvSpPr txBox="1"/>
-          <p:nvPr>
-            <p:ph idx="1" type="body"/>
-          </p:nvPr>
-        </p:nvSpPr>
-        <p:spPr>
-          <a:xfrm>
-            <a:off x="685800" y="4343400"/>
-            <a:ext cx="5486400" cy="4114800"/>
-          </a:xfrm>
-          <a:prstGeom prst="rect">
-            <a:avLst/>
-          </a:prstGeom>
-        </p:spPr>
-        <p:txBody>
-          <a:bodyPr anchorCtr="0" anchor="t" bIns="91425" lIns="91425" spcFirstLastPara="1" rIns="91425" wrap="square" tIns="91425">
-            <a:noAutofit/>
-          </a:bodyPr>
-          <a:lstStyle/>
-          <a:p>
-            <a:pPr indent="0" lvl="0" marL="0" rtl="0" algn="l">
-              <a:spcBef>
-                <a:spcPts val="0"/>
-              </a:spcBef>
-              <a:spcAft>
-                <a:spcPts val="0"/>
-              </a:spcAft>
-              <a:buNone/>
-            </a:pPr>
-            <a:r>
-              <a:t/>
-            </a:r>
-            <a:endParaRPr/>
-          </a:p>
-        </p:txBody>
       </p:sp>
     </p:spTree>
   </p:cSld>
@@ -8064,7 +8064,7 @@
             </a:pPr>
             <a:r>
               <a:rPr lang="en-US"/>
-              <a:t>Sprint 3</a:t>
+              <a:t>Sprint 4</a:t>
             </a:r>
             <a:endParaRPr/>
           </a:p>
@@ -8142,7 +8142,15 @@
             </a:r>
             <a:r>
               <a:rPr lang="en-US"/>
-              <a:t>: Ivan Magtangob, Harikrishan Singh, Nour Tayem, Thulasi Jothiravi, </a:t>
+              <a:t>: Ivan Magtangob, Harikrishan Singh, Nour Tayem, </a:t>
+            </a:r>
+            <a:r>
+              <a:rPr lang="en-US"/>
+              <a:t>Harir Al-Rubaye</a:t>
+            </a:r>
+            <a:r>
+              <a:rPr lang="en-US"/>
+              <a:t>, </a:t>
             </a:r>
             <a:r>
               <a:rPr lang="en-US"/>
@@ -8173,7 +8181,11 @@
             </a:r>
             <a:r>
               <a:rPr lang="en-US"/>
-              <a:t>: Harir Al-Rubaye</a:t>
+              <a:t>: </a:t>
+            </a:r>
+            <a:r>
+              <a:rPr lang="en-US"/>
+              <a:t>Thulasi Jothiravi</a:t>
             </a:r>
             <a:endParaRPr/>
           </a:p>
@@ -8192,7 +8204,7 @@
   <p:cSld>
     <p:spTree>
       <p:nvGrpSpPr>
-        <p:cNvPr id="119" name="Shape 119"/>
+        <p:cNvPr id="118" name="Shape 118"/>
         <p:cNvGrpSpPr/>
         <p:nvPr/>
       </p:nvGrpSpPr>
@@ -8206,7 +8218,7 @@
       </p:grpSpPr>
       <p:sp>
         <p:nvSpPr>
-          <p:cNvPr id="120" name="Google Shape;120;p23"/>
+          <p:cNvPr id="119" name="Google Shape;119;p23"/>
           <p:cNvSpPr txBox="1"/>
           <p:nvPr>
             <p:ph type="title"/>
@@ -8250,7 +8262,15 @@
             </a:pPr>
             <a:r>
               <a:rPr lang="en-US"/>
-              <a:t>Reflection – what didn’t go well</a:t>
+              <a:t>Reflection – </a:t>
+            </a:r>
+            <a:r>
+              <a:rPr lang="en-US"/>
+              <a:t>w</a:t>
+            </a:r>
+            <a:r>
+              <a:rPr lang="en-US"/>
+              <a:t>hat didn’t go well</a:t>
             </a:r>
             <a:endParaRPr/>
           </a:p>
@@ -8258,7 +8278,7 @@
       </p:sp>
       <p:sp>
         <p:nvSpPr>
-          <p:cNvPr id="121" name="Google Shape;121;p23"/>
+          <p:cNvPr id="120" name="Google Shape;120;p23"/>
           <p:cNvSpPr txBox="1"/>
           <p:nvPr>
             <p:ph idx="1" type="body"/>
@@ -8298,7 +8318,11 @@
             </a:pPr>
             <a:r>
               <a:rPr lang="en-US"/>
-              <a:t>Dependent tasks delays</a:t>
+              <a:t>R</a:t>
+            </a:r>
+            <a:r>
+              <a:rPr lang="en-US"/>
+              <a:t>esolving lingering bugs earlier in the sprint cycle</a:t>
             </a:r>
             <a:endParaRPr/>
           </a:p>
@@ -8318,7 +8342,45 @@
             </a:pPr>
             <a:r>
               <a:rPr lang="en-US"/>
-              <a:t>Copyright :(</a:t>
+              <a:t>Dependent tasks delayed us a lot</a:t>
+            </a:r>
+            <a:endParaRPr/>
+          </a:p>
+          <a:p>
+            <a:pPr indent="-342900" lvl="1" marL="914400" rtl="0" algn="l">
+              <a:lnSpc>
+                <a:spcPct val="150000"/>
+              </a:lnSpc>
+              <a:spcBef>
+                <a:spcPts val="0"/>
+              </a:spcBef>
+              <a:spcAft>
+                <a:spcPts val="0"/>
+              </a:spcAft>
+              <a:buSzPts val="1800"/>
+              <a:buChar char="○"/>
+            </a:pPr>
+            <a:r>
+              <a:rPr lang="en-US"/>
+              <a:t>ex: Backend work depended on rough Frontend to be completed sooner</a:t>
+            </a:r>
+            <a:endParaRPr/>
+          </a:p>
+          <a:p>
+            <a:pPr indent="0" lvl="0" marL="914400" rtl="0" algn="l">
+              <a:lnSpc>
+                <a:spcPct val="150000"/>
+              </a:lnSpc>
+              <a:spcBef>
+                <a:spcPts val="0"/>
+              </a:spcBef>
+              <a:spcAft>
+                <a:spcPts val="0"/>
+              </a:spcAft>
+              <a:buNone/>
+            </a:pPr>
+            <a:r>
+              <a:t/>
             </a:r>
             <a:endParaRPr/>
           </a:p>
@@ -8337,7 +8399,7 @@
   <p:cSld>
     <p:spTree>
       <p:nvGrpSpPr>
-        <p:cNvPr id="125" name="Shape 125"/>
+        <p:cNvPr id="124" name="Shape 124"/>
         <p:cNvGrpSpPr/>
         <p:nvPr/>
       </p:nvGrpSpPr>
@@ -8351,7 +8413,7 @@
       </p:grpSpPr>
       <p:sp>
         <p:nvSpPr>
-          <p:cNvPr id="126" name="Google Shape;126;p24"/>
+          <p:cNvPr id="125" name="Google Shape;125;p24"/>
           <p:cNvSpPr txBox="1"/>
           <p:nvPr>
             <p:ph type="title"/>
@@ -8403,7 +8465,7 @@
       </p:sp>
       <p:sp>
         <p:nvSpPr>
-          <p:cNvPr id="127" name="Google Shape;127;p24"/>
+          <p:cNvPr id="126" name="Google Shape;126;p24"/>
           <p:cNvSpPr txBox="1"/>
           <p:nvPr>
             <p:ph idx="1" type="body"/>
@@ -8443,11 +8505,27 @@
             </a:pPr>
             <a:r>
               <a:rPr lang="en-US"/>
-              <a:t>Early m</a:t>
+              <a:t>Asking for help, support from each other</a:t>
             </a:r>
+            <a:endParaRPr/>
+          </a:p>
+          <a:p>
+            <a:pPr indent="-342900" lvl="1" marL="914400" rtl="0" algn="l">
+              <a:lnSpc>
+                <a:spcPct val="150000"/>
+              </a:lnSpc>
+              <a:spcBef>
+                <a:spcPts val="0"/>
+              </a:spcBef>
+              <a:spcAft>
+                <a:spcPts val="0"/>
+              </a:spcAft>
+              <a:buSzPts val="1800"/>
+              <a:buChar char="○"/>
+            </a:pPr>
             <a:r>
               <a:rPr lang="en-US"/>
-              <a:t>erge requests reviews</a:t>
+              <a:t>Pair programming when necessary</a:t>
             </a:r>
             <a:endParaRPr/>
           </a:p>
@@ -8467,7 +8545,7 @@
             </a:pPr>
             <a:r>
               <a:rPr lang="en-US"/>
-              <a:t>Effective ticket planning and assignments</a:t>
+              <a:t>We added a complete Hangman game with 3 levels</a:t>
             </a:r>
             <a:endParaRPr/>
           </a:p>
@@ -8487,7 +8565,47 @@
             </a:pPr>
             <a:r>
               <a:rPr lang="en-US"/>
-              <a:t>Improved communication</a:t>
+              <a:t>Breaking down the task into tickets</a:t>
+            </a:r>
+            <a:endParaRPr/>
+          </a:p>
+          <a:p>
+            <a:pPr indent="-342900" lvl="0" marL="457200" rtl="0" algn="l">
+              <a:lnSpc>
+                <a:spcPct val="150000"/>
+              </a:lnSpc>
+              <a:spcBef>
+                <a:spcPts val="0"/>
+              </a:spcBef>
+              <a:spcAft>
+                <a:spcPts val="0"/>
+              </a:spcAft>
+              <a:buSzPts val="1800"/>
+              <a:buChar char="●"/>
+            </a:pPr>
+            <a:r>
+              <a:rPr lang="en-US"/>
+              <a:t>Smoother branch merging throughout the week</a:t>
+            </a:r>
+            <a:endParaRPr/>
+          </a:p>
+          <a:p>
+            <a:pPr indent="-342900" lvl="0" marL="457200" rtl="0" algn="l">
+              <a:lnSpc>
+                <a:spcPct val="150000"/>
+              </a:lnSpc>
+              <a:spcBef>
+                <a:spcPts val="0"/>
+              </a:spcBef>
+              <a:spcAft>
+                <a:spcPts val="0"/>
+              </a:spcAft>
+              <a:buSzPts val="1800"/>
+              <a:buChar char="●"/>
+            </a:pPr>
+            <a:r>
+              <a:rPr lang="en-US"/>
+              <a:t>Less merge conflicts</a:t>
             </a:r>
             <a:endParaRPr/>
           </a:p>
@@ -8524,7 +8642,7 @@
   <p:cSld>
     <p:spTree>
       <p:nvGrpSpPr>
-        <p:cNvPr id="131" name="Shape 131"/>
+        <p:cNvPr id="130" name="Shape 130"/>
         <p:cNvGrpSpPr/>
         <p:nvPr/>
       </p:nvGrpSpPr>
@@ -8538,7 +8656,7 @@
       </p:grpSpPr>
       <p:sp>
         <p:nvSpPr>
-          <p:cNvPr id="132" name="Google Shape;132;p25"/>
+          <p:cNvPr id="131" name="Google Shape;131;p25"/>
           <p:cNvSpPr txBox="1"/>
           <p:nvPr>
             <p:ph type="title"/>
@@ -8590,7 +8708,7 @@
       </p:sp>
       <p:sp>
         <p:nvSpPr>
-          <p:cNvPr id="133" name="Google Shape;133;p25"/>
+          <p:cNvPr id="132" name="Google Shape;132;p25"/>
           <p:cNvSpPr txBox="1"/>
           <p:nvPr>
             <p:ph idx="1" type="body"/>
@@ -8654,7 +8772,105 @@
             </a:pPr>
             <a:r>
               <a:rPr lang="en-US"/>
-              <a:t>Setting internal deadlines</a:t>
+              <a:t>Setting internal deadlines, placing priority over dependent tasks</a:t>
+            </a:r>
+            <a:endParaRPr/>
+          </a:p>
+          <a:p>
+            <a:pPr indent="-342900" lvl="0" marL="457200" rtl="0" algn="l">
+              <a:lnSpc>
+                <a:spcPct val="150000"/>
+              </a:lnSpc>
+              <a:spcBef>
+                <a:spcPts val="0"/>
+              </a:spcBef>
+              <a:spcAft>
+                <a:spcPts val="0"/>
+              </a:spcAft>
+              <a:buSzPts val="1800"/>
+              <a:buChar char="●"/>
+            </a:pPr>
+            <a:r>
+              <a:rPr lang="en-US"/>
+              <a:t>Hint button for the games</a:t>
+            </a:r>
+            <a:endParaRPr/>
+          </a:p>
+          <a:p>
+            <a:pPr indent="-342900" lvl="0" marL="457200" rtl="0" algn="l">
+              <a:lnSpc>
+                <a:spcPct val="150000"/>
+              </a:lnSpc>
+              <a:spcBef>
+                <a:spcPts val="0"/>
+              </a:spcBef>
+              <a:spcAft>
+                <a:spcPts val="0"/>
+              </a:spcAft>
+              <a:buSzPts val="1800"/>
+              <a:buChar char="●"/>
+            </a:pPr>
+            <a:r>
+              <a:rPr lang="en-US"/>
+              <a:t>Possibly a new game??</a:t>
+            </a:r>
+            <a:endParaRPr/>
+          </a:p>
+          <a:p>
+            <a:pPr indent="-342900" lvl="0" marL="457200" rtl="0" algn="l">
+              <a:lnSpc>
+                <a:spcPct val="150000"/>
+              </a:lnSpc>
+              <a:spcBef>
+                <a:spcPts val="0"/>
+              </a:spcBef>
+              <a:spcAft>
+                <a:spcPts val="0"/>
+              </a:spcAft>
+              <a:buSzPts val="1800"/>
+              <a:buChar char="●"/>
+            </a:pPr>
+            <a:r>
+              <a:rPr lang="en-US"/>
+              <a:t>For future sprints → Polishing the overall layout</a:t>
+            </a:r>
+            <a:endParaRPr/>
+          </a:p>
+          <a:p>
+            <a:pPr indent="-342900" lvl="0" marL="457200" rtl="0" algn="l">
+              <a:lnSpc>
+                <a:spcPct val="150000"/>
+              </a:lnSpc>
+              <a:spcBef>
+                <a:spcPts val="0"/>
+              </a:spcBef>
+              <a:spcAft>
+                <a:spcPts val="0"/>
+              </a:spcAft>
+              <a:buSzPts val="1800"/>
+              <a:buChar char="●"/>
+            </a:pPr>
+            <a:r>
+              <a:rPr lang="en-US"/>
+              <a:t>Integrating SQL</a:t>
+            </a:r>
+            <a:endParaRPr/>
+          </a:p>
+          <a:p>
+            <a:pPr indent="0" lvl="0" marL="0" rtl="0" algn="l">
+              <a:lnSpc>
+                <a:spcPct val="150000"/>
+              </a:lnSpc>
+              <a:spcBef>
+                <a:spcPts val="0"/>
+              </a:spcBef>
+              <a:spcAft>
+                <a:spcPts val="0"/>
+              </a:spcAft>
+              <a:buNone/>
+            </a:pPr>
+            <a:r>
+              <a:t/>
             </a:r>
             <a:endParaRPr/>
           </a:p>
@@ -8673,7 +8889,7 @@
   <p:cSld>
     <p:spTree>
       <p:nvGrpSpPr>
-        <p:cNvPr id="137" name="Shape 137"/>
+        <p:cNvPr id="136" name="Shape 136"/>
         <p:cNvGrpSpPr/>
         <p:nvPr/>
       </p:nvGrpSpPr>
@@ -8687,7 +8903,7 @@
       </p:grpSpPr>
       <p:sp>
         <p:nvSpPr>
-          <p:cNvPr id="138" name="Google Shape;138;p26"/>
+          <p:cNvPr id="137" name="Google Shape;137;p26"/>
           <p:cNvSpPr txBox="1"/>
           <p:nvPr>
             <p:ph type="title"/>
@@ -8727,21 +8943,22 @@
       </p:sp>
       <p:pic>
         <p:nvPicPr>
-          <p:cNvPr id="139" name="Google Shape;139;p26"/>
+          <p:cNvPr id="138" name="Google Shape;138;p26"/>
           <p:cNvPicPr preferRelativeResize="0"/>
           <p:nvPr/>
         </p:nvPicPr>
-        <p:blipFill rotWithShape="1">
+        <p:blipFill>
           <a:blip r:embed="rId3">
             <a:alphaModFix/>
           </a:blip>
-          <a:srcRect b="0" l="21875" r="21875" t="0"/>
-          <a:stretch/>
+          <a:stretch>
+            <a:fillRect/>
+          </a:stretch>
         </p:blipFill>
         <p:spPr>
           <a:xfrm>
-            <a:off x="4820900" y="3164900"/>
-            <a:ext cx="2550200" cy="2550199"/>
+            <a:off x="4917150" y="2825925"/>
+            <a:ext cx="2425400" cy="2403750"/>
           </a:xfrm>
           <a:prstGeom prst="rect">
             <a:avLst/>
@@ -8870,15 +9087,12 @@
             </a:pPr>
             <a:r>
               <a:rPr lang="en-US"/>
-              <a:t>For sprint 3:</a:t>
+              <a:t>For sprint 4:</a:t>
             </a:r>
             <a:endParaRPr sz="2400"/>
           </a:p>
           <a:p>
-            <a:pPr indent="-260350" lvl="1" marL="685800" marR="0" rtl="0" algn="l">
-              <a:lnSpc>
-                <a:spcPct val="90000"/>
-              </a:lnSpc>
+            <a:pPr indent="-260350" lvl="1" marL="685800" rtl="0" algn="l">
               <a:spcBef>
                 <a:spcPts val="1000"/>
               </a:spcBef>
@@ -8890,15 +9104,12 @@
             </a:pPr>
             <a:r>
               <a:rPr lang="en-US" sz="2300"/>
-              <a:t>Added custom visuals to avoid copyright issues</a:t>
+              <a:t>Refactoring sprint 3 codebase</a:t>
             </a:r>
             <a:endParaRPr sz="2300"/>
           </a:p>
           <a:p>
-            <a:pPr indent="-260350" lvl="1" marL="685800" marR="0" rtl="0" algn="l">
-              <a:lnSpc>
-                <a:spcPct val="90000"/>
-              </a:lnSpc>
+            <a:pPr indent="-260350" lvl="1" marL="685800" rtl="0" algn="l">
               <a:spcBef>
                 <a:spcPts val="1000"/>
               </a:spcBef>
@@ -8910,15 +9121,29 @@
             </a:pPr>
             <a:r>
               <a:rPr lang="en-US" sz="2300"/>
-              <a:t>Expanded game features with new levels</a:t>
+              <a:t>Selected new game for implementation → Hangman CS Edition!</a:t>
             </a:r>
             <a:endParaRPr sz="2300"/>
           </a:p>
           <a:p>
-            <a:pPr indent="-260350" lvl="1" marL="685800" marR="0" rtl="0" algn="l">
-              <a:lnSpc>
-                <a:spcPct val="90000"/>
-              </a:lnSpc>
+            <a:pPr indent="-260350" lvl="2" marL="1143000" rtl="0" algn="l">
+              <a:spcBef>
+                <a:spcPts val="1000"/>
+              </a:spcBef>
+              <a:spcAft>
+                <a:spcPts val="0"/>
+              </a:spcAft>
+              <a:buSzPts val="2300"/>
+              <a:buChar char="■"/>
+            </a:pPr>
+            <a:r>
+              <a:rPr lang="en-US" sz="2300"/>
+              <a:t>With 3 different levels of difficulty!</a:t>
+            </a:r>
+            <a:endParaRPr sz="2300"/>
+          </a:p>
+          <a:p>
+            <a:pPr indent="-260350" lvl="1" marL="685800" rtl="0" algn="l">
               <a:spcBef>
                 <a:spcPts val="1000"/>
               </a:spcBef>
@@ -8930,15 +9155,29 @@
             </a:pPr>
             <a:r>
               <a:rPr lang="en-US" sz="2300"/>
-              <a:t>Improved code quality through unit tests and linting fixes</a:t>
+              <a:t>Implemented frontend, backend and unit testing for Hangman game</a:t>
             </a:r>
             <a:endParaRPr sz="2300"/>
           </a:p>
           <a:p>
-            <a:pPr indent="-260350" lvl="1" marL="685800" marR="0" rtl="0" algn="l">
-              <a:lnSpc>
-                <a:spcPct val="90000"/>
-              </a:lnSpc>
+            <a:pPr indent="-260350" lvl="2" marL="1143000" rtl="0" algn="l">
+              <a:spcBef>
+                <a:spcPts val="1000"/>
+              </a:spcBef>
+              <a:spcAft>
+                <a:spcPts val="0"/>
+              </a:spcAft>
+              <a:buSzPts val="2300"/>
+              <a:buChar char="■"/>
+            </a:pPr>
+            <a:r>
+              <a:rPr lang="en-US" sz="2300"/>
+              <a:t>Adding and displaying new assets</a:t>
+            </a:r>
+            <a:endParaRPr sz="2300"/>
+          </a:p>
+          <a:p>
+            <a:pPr indent="-260350" lvl="1" marL="685800" rtl="0" algn="l">
               <a:spcBef>
                 <a:spcPts val="1000"/>
               </a:spcBef>
@@ -8950,7 +9189,41 @@
             </a:pPr>
             <a:r>
               <a:rPr lang="en-US" sz="2300"/>
-              <a:t>Prioritized user experience with UI updates and fullscreen option</a:t>
+              <a:t>Designed and conducted user test script</a:t>
+            </a:r>
+            <a:endParaRPr sz="2300"/>
+          </a:p>
+          <a:p>
+            <a:pPr indent="-260350" lvl="1" marL="685800" rtl="0" algn="l">
+              <a:spcBef>
+                <a:spcPts val="1000"/>
+              </a:spcBef>
+              <a:spcAft>
+                <a:spcPts val="0"/>
+              </a:spcAft>
+              <a:buSzPts val="2300"/>
+              <a:buChar char="○"/>
+            </a:pPr>
+            <a:r>
+              <a:rPr lang="en-US" sz="2300"/>
+              <a:t>Fixing PHP/CSS Linting issues</a:t>
+            </a:r>
+            <a:endParaRPr sz="2300"/>
+          </a:p>
+          <a:p>
+            <a:pPr indent="-260350" lvl="1" marL="685800" rtl="0" algn="l">
+              <a:spcBef>
+                <a:spcPts val="1000"/>
+              </a:spcBef>
+              <a:spcAft>
+                <a:spcPts val="0"/>
+              </a:spcAft>
+              <a:buSzPts val="2300"/>
+              <a:buChar char="○"/>
+            </a:pPr>
+            <a:r>
+              <a:rPr lang="en-US" sz="2300"/>
+              <a:t>Documentation (Game description/instructions, README, Project Wiki)</a:t>
             </a:r>
             <a:endParaRPr sz="2300"/>
           </a:p>
@@ -9027,7 +9300,7 @@
             </a:pPr>
             <a:r>
               <a:rPr lang="en-US"/>
-              <a:t>Sprint 3 burndown chart</a:t>
+              <a:t>Sprint 4 burndown chart</a:t>
             </a:r>
             <a:endParaRPr/>
           </a:p>
@@ -9039,18 +9312,17 @@
           <p:cNvPicPr preferRelativeResize="0"/>
           <p:nvPr/>
         </p:nvPicPr>
-        <p:blipFill>
+        <p:blipFill rotWithShape="1">
           <a:blip r:embed="rId3">
             <a:alphaModFix/>
           </a:blip>
-          <a:stretch>
-            <a:fillRect/>
-          </a:stretch>
+          <a:srcRect b="0" l="0" r="1632" t="0"/>
+          <a:stretch/>
         </p:blipFill>
         <p:spPr>
           <a:xfrm>
-            <a:off x="2092950" y="1548413"/>
-            <a:ext cx="8558378" cy="4862512"/>
+            <a:off x="617413" y="1436425"/>
+            <a:ext cx="10957174" cy="4862500"/>
           </a:xfrm>
           <a:prstGeom prst="rect">
             <a:avLst/>
@@ -9120,19 +9392,11 @@
             </a:pPr>
             <a:r>
               <a:rPr lang="en-US"/>
-              <a:t>Harir </a:t>
+              <a:t>Thulasi </a:t>
             </a:r>
             <a:r>
               <a:rPr lang="en-US"/>
-              <a:t>- Weights C</a:t>
-            </a:r>
-            <a:r>
-              <a:rPr lang="en-US"/>
-              <a:t>ompleted: </a:t>
-            </a:r>
-            <a:r>
-              <a:rPr lang="en-US"/>
-              <a:t>13</a:t>
+              <a:t>- Weights Completed: 16</a:t>
             </a:r>
             <a:endParaRPr/>
           </a:p>
@@ -9148,7 +9412,7 @@
         </p:nvSpPr>
         <p:spPr>
           <a:xfrm>
-            <a:off x="838203" y="1968794"/>
+            <a:off x="838200" y="1825625"/>
             <a:ext cx="10515600" cy="4351200"/>
           </a:xfrm>
           <a:prstGeom prst="rect">
@@ -9157,16 +9421,16 @@
         </p:spPr>
         <p:txBody>
           <a:bodyPr anchorCtr="0" anchor="t" bIns="45700" lIns="91425" spcFirstLastPara="1" rIns="91425" wrap="square" tIns="45700">
-            <a:normAutofit/>
+            <a:normAutofit lnSpcReduction="10000"/>
           </a:bodyPr>
           <a:lstStyle/>
           <a:p>
-            <a:pPr indent="-342900" lvl="0" marL="457200" rtl="0" algn="l">
+            <a:pPr indent="-342900" lvl="0" marL="457200" marR="0" rtl="0" algn="l">
               <a:lnSpc>
                 <a:spcPct val="150000"/>
               </a:lnSpc>
               <a:spcBef>
-                <a:spcPts val="1000"/>
+                <a:spcPts val="0"/>
               </a:spcBef>
               <a:spcAft>
                 <a:spcPts val="0"/>
@@ -9176,14 +9440,14 @@
             </a:pPr>
             <a:r>
               <a:rPr lang="en-US"/>
-              <a:t>Added new levels to the game with Rehan</a:t>
+              <a:t>Sprint Planning</a:t>
             </a:r>
             <a:endParaRPr/>
           </a:p>
           <a:p>
             <a:pPr indent="-342900" lvl="0" marL="457200" rtl="0" algn="l">
               <a:lnSpc>
-                <a:spcPct val="150000"/>
+                <a:spcPct val="115000"/>
               </a:lnSpc>
               <a:spcBef>
                 <a:spcPts val="0"/>
@@ -9196,12 +9460,12 @@
             </a:pPr>
             <a:r>
               <a:rPr lang="en-US"/>
-              <a:t>Optimized the about us game</a:t>
+              <a:t>Support with frontend (UI) + backend (Game Logic) for new Hangman game</a:t>
             </a:r>
             <a:endParaRPr/>
           </a:p>
           <a:p>
-            <a:pPr indent="-342900" lvl="0" marL="457200" rtl="0" algn="l">
+            <a:pPr indent="-342900" lvl="0" marL="457200" marR="0" rtl="0" algn="l">
               <a:lnSpc>
                 <a:spcPct val="150000"/>
               </a:lnSpc>
@@ -9216,7 +9480,70 @@
             </a:pPr>
             <a:r>
               <a:rPr lang="en-US"/>
-              <a:t>Updated the website documentation</a:t>
+              <a:t>Front end unit testing + User testing</a:t>
+            </a:r>
+            <a:endParaRPr/>
+          </a:p>
+          <a:p>
+            <a:pPr indent="0" lvl="0" marL="0" marR="0" rtl="0" algn="l">
+              <a:lnSpc>
+                <a:spcPct val="150000"/>
+              </a:lnSpc>
+              <a:spcBef>
+                <a:spcPts val="1600"/>
+              </a:spcBef>
+              <a:spcAft>
+                <a:spcPts val="0"/>
+              </a:spcAft>
+              <a:buNone/>
+            </a:pPr>
+            <a:r>
+              <a:t/>
+            </a:r>
+            <a:endParaRPr/>
+          </a:p>
+          <a:p>
+            <a:pPr indent="0" lvl="0" marL="0" rtl="0" algn="l">
+              <a:spcBef>
+                <a:spcPts val="1600"/>
+              </a:spcBef>
+              <a:spcAft>
+                <a:spcPts val="0"/>
+              </a:spcAft>
+              <a:buNone/>
+            </a:pPr>
+            <a:r>
+              <a:t/>
+            </a:r>
+            <a:endParaRPr/>
+          </a:p>
+          <a:p>
+            <a:pPr indent="0" lvl="0" marL="0" rtl="0" algn="l">
+              <a:spcBef>
+                <a:spcPts val="1600"/>
+              </a:spcBef>
+              <a:spcAft>
+                <a:spcPts val="0"/>
+              </a:spcAft>
+              <a:buNone/>
+            </a:pPr>
+            <a:r>
+              <a:t/>
+            </a:r>
+            <a:endParaRPr/>
+          </a:p>
+          <a:p>
+            <a:pPr indent="0" lvl="0" marL="0" rtl="0" algn="l">
+              <a:spcBef>
+                <a:spcPts val="1600"/>
+              </a:spcBef>
+              <a:spcAft>
+                <a:spcPts val="1600"/>
+              </a:spcAft>
+              <a:buNone/>
+            </a:pPr>
+            <a:r>
+              <a:t/>
             </a:r>
             <a:endParaRPr/>
           </a:p>
@@ -9263,10 +9590,6 @@
           <a:prstGeom prst="rect">
             <a:avLst/>
           </a:prstGeom>
-          <a:noFill/>
-          <a:ln>
-            <a:noFill/>
-          </a:ln>
         </p:spPr>
         <p:txBody>
           <a:bodyPr anchorCtr="0" anchor="ctr" bIns="45700" lIns="91425" spcFirstLastPara="1" rIns="91425" wrap="square" tIns="45700">
@@ -9275,25 +9598,29 @@
           <a:lstStyle/>
           <a:p>
             <a:pPr indent="0" lvl="0" marL="0" rtl="0" algn="l">
-              <a:lnSpc>
-                <a:spcPct val="90000"/>
-              </a:lnSpc>
-              <a:spcBef>
-                <a:spcPts val="0"/>
-              </a:spcBef>
-              <a:spcAft>
-                <a:spcPts val="0"/>
-              </a:spcAft>
-              <a:buClr>
-                <a:schemeClr val="dk1"/>
-              </a:buClr>
-              <a:buSzPts val="4400"/>
-              <a:buFont typeface="Calibri"/>
+              <a:spcBef>
+                <a:spcPts val="0"/>
+              </a:spcBef>
+              <a:spcAft>
+                <a:spcPts val="0"/>
+              </a:spcAft>
               <a:buNone/>
             </a:pPr>
             <a:r>
               <a:rPr lang="en-US"/>
-              <a:t>Ivan - Weights Completed: 17</a:t>
+              <a:t>Harir </a:t>
+            </a:r>
+            <a:r>
+              <a:rPr lang="en-US"/>
+              <a:t>- Weights C</a:t>
+            </a:r>
+            <a:r>
+              <a:rPr lang="en-US"/>
+              <a:t>ompleted: </a:t>
+            </a:r>
+            <a:r>
+              <a:rPr lang="en-US"/>
+              <a:t>13</a:t>
             </a:r>
             <a:endParaRPr/>
           </a:p>
@@ -9309,16 +9636,12 @@
         </p:nvSpPr>
         <p:spPr>
           <a:xfrm>
-            <a:off x="838200" y="1825625"/>
+            <a:off x="838203" y="1968794"/>
             <a:ext cx="10515600" cy="4351200"/>
           </a:xfrm>
           <a:prstGeom prst="rect">
             <a:avLst/>
           </a:prstGeom>
-          <a:noFill/>
-          <a:ln>
-            <a:noFill/>
-          </a:ln>
         </p:spPr>
         <p:txBody>
           <a:bodyPr anchorCtr="0" anchor="t" bIns="45700" lIns="91425" spcFirstLastPara="1" rIns="91425" wrap="square" tIns="45700">
@@ -9341,7 +9664,7 @@
             </a:pPr>
             <a:r>
               <a:rPr lang="en-US"/>
-              <a:t>Configured + fixed PHP linting</a:t>
+              <a:t>Added new levels to the game with Rehan</a:t>
             </a:r>
             <a:endParaRPr/>
           </a:p>
@@ -9361,7 +9684,7 @@
             </a:pPr>
             <a:r>
               <a:rPr lang="en-US"/>
-              <a:t>Fixed inconsistent CSS with Rehan</a:t>
+              <a:t>Optimized the about us game</a:t>
             </a:r>
             <a:endParaRPr/>
           </a:p>
@@ -9381,7 +9704,7 @@
             </a:pPr>
             <a:r>
               <a:rPr lang="en-US"/>
-              <a:t>Added navigation to other I-Spot levels</a:t>
+              <a:t>Updated the website documentation</a:t>
             </a:r>
             <a:endParaRPr/>
           </a:p>
@@ -9423,7 +9746,7 @@
         <p:spPr>
           <a:xfrm>
             <a:off x="838200" y="365125"/>
-            <a:ext cx="10515600" cy="1325563"/>
+            <a:ext cx="10515600" cy="1325700"/>
           </a:xfrm>
           <a:prstGeom prst="rect">
             <a:avLst/>
@@ -9458,7 +9781,7 @@
             </a:pPr>
             <a:r>
               <a:rPr lang="en-US"/>
-              <a:t>Rehan - Weights Completed: 16</a:t>
+              <a:t>Ivan - Weights Completed: 14</a:t>
             </a:r>
             <a:endParaRPr/>
           </a:p>
@@ -9475,7 +9798,7 @@
         <p:spPr>
           <a:xfrm>
             <a:off x="838200" y="1825625"/>
-            <a:ext cx="10515600" cy="4351338"/>
+            <a:ext cx="10515600" cy="4351200"/>
           </a:xfrm>
           <a:prstGeom prst="rect">
             <a:avLst/>
@@ -9506,7 +9829,7 @@
             </a:pPr>
             <a:r>
               <a:rPr lang="en-US"/>
-              <a:t>Add new I-Spy levels with Harir </a:t>
+              <a:t>Worked on hangman backend with Rehan</a:t>
             </a:r>
             <a:endParaRPr/>
           </a:p>
@@ -9526,7 +9849,7 @@
             </a:pPr>
             <a:r>
               <a:rPr lang="en-US"/>
-              <a:t>added stage navigation and made navbar consistent with Ivan</a:t>
+              <a:t>Added hangman game navigation</a:t>
             </a:r>
             <a:endParaRPr/>
           </a:p>
@@ -9546,7 +9869,25 @@
             </a:pPr>
             <a:r>
               <a:rPr lang="en-US"/>
-              <a:t>cleaned css files and final day linting</a:t>
+              <a:t>Fixed screen resolution bugs with Rehan</a:t>
+            </a:r>
+            <a:endParaRPr/>
+          </a:p>
+          <a:p>
+            <a:pPr indent="0" lvl="0" marL="0" rtl="0" algn="l">
+              <a:lnSpc>
+                <a:spcPct val="150000"/>
+              </a:lnSpc>
+              <a:spcBef>
+                <a:spcPts val="1000"/>
+              </a:spcBef>
+              <a:spcAft>
+                <a:spcPts val="0"/>
+              </a:spcAft>
+              <a:buNone/>
+            </a:pPr>
+            <a:r>
+              <a:t/>
             </a:r>
             <a:endParaRPr/>
           </a:p>
@@ -9588,11 +9929,15 @@
         <p:spPr>
           <a:xfrm>
             <a:off x="838200" y="365125"/>
-            <a:ext cx="10515600" cy="1325700"/>
+            <a:ext cx="10515600" cy="1325563"/>
           </a:xfrm>
           <a:prstGeom prst="rect">
             <a:avLst/>
           </a:prstGeom>
+          <a:noFill/>
+          <a:ln>
+            <a:noFill/>
+          </a:ln>
         </p:spPr>
         <p:txBody>
           <a:bodyPr anchorCtr="0" anchor="ctr" bIns="45700" lIns="91425" spcFirstLastPara="1" rIns="91425" wrap="square" tIns="45700">
@@ -9601,17 +9946,25 @@
           <a:lstStyle/>
           <a:p>
             <a:pPr indent="0" lvl="0" marL="0" rtl="0" algn="l">
-              <a:spcBef>
-                <a:spcPts val="0"/>
-              </a:spcBef>
-              <a:spcAft>
-                <a:spcPts val="0"/>
-              </a:spcAft>
+              <a:lnSpc>
+                <a:spcPct val="90000"/>
+              </a:lnSpc>
+              <a:spcBef>
+                <a:spcPts val="0"/>
+              </a:spcBef>
+              <a:spcAft>
+                <a:spcPts val="0"/>
+              </a:spcAft>
+              <a:buClr>
+                <a:schemeClr val="dk1"/>
+              </a:buClr>
+              <a:buSzPts val="4400"/>
+              <a:buFont typeface="Calibri"/>
               <a:buNone/>
             </a:pPr>
             <a:r>
               <a:rPr lang="en-US"/>
-              <a:t>Nour - Weights Completed: 13</a:t>
+              <a:t>Rehan - Weights Completed: 12</a:t>
             </a:r>
             <a:endParaRPr/>
           </a:p>
@@ -9628,11 +9981,15 @@
         <p:spPr>
           <a:xfrm>
             <a:off x="838200" y="1825625"/>
-            <a:ext cx="10515600" cy="4351200"/>
+            <a:ext cx="10515600" cy="4351338"/>
           </a:xfrm>
           <a:prstGeom prst="rect">
             <a:avLst/>
           </a:prstGeom>
+          <a:noFill/>
+          <a:ln>
+            <a:noFill/>
+          </a:ln>
         </p:spPr>
         <p:txBody>
           <a:bodyPr anchorCtr="0" anchor="t" bIns="45700" lIns="91425" spcFirstLastPara="1" rIns="91425" wrap="square" tIns="45700">
@@ -9655,7 +10012,11 @@
             </a:pPr>
             <a:r>
               <a:rPr lang="en-US"/>
-              <a:t>Added Waldo Fullscreen Option on our Website</a:t>
+              <a:t>🪢</a:t>
+            </a:r>
+            <a:r>
+              <a:rPr lang="en-US"/>
+              <a:t>Worked on hangman backend + appropriate UI/Navigation with Ivan</a:t>
             </a:r>
             <a:endParaRPr/>
           </a:p>
@@ -9675,7 +10036,11 @@
             </a:pPr>
             <a:r>
               <a:rPr lang="en-US"/>
-              <a:t>Changed Waldo Images for our Website</a:t>
+              <a:t>📝</a:t>
+            </a:r>
+            <a:r>
+              <a:rPr lang="en-US"/>
+              <a:t>User Testing</a:t>
             </a:r>
             <a:endParaRPr/>
           </a:p>
@@ -9694,34 +10059,32 @@
               <a:buChar char="●"/>
             </a:pPr>
             <a:r>
-              <a:rPr lang="en-US">
-                <a:solidFill>
-                  <a:srgbClr val="CACACA"/>
-                </a:solidFill>
-              </a:rPr>
-              <a:t>Helped with the branch clean up</a:t>
+              <a:rPr lang="en-US"/>
+              <a:t>☁️Added linting to Docker</a:t>
             </a:r>
-            <a:endParaRPr>
-              <a:solidFill>
-                <a:srgbClr val="CACACA"/>
-              </a:solidFill>
-            </a:endParaRPr>
+            <a:endParaRPr/>
           </a:p>
           <a:p>
-            <a:pPr indent="0" lvl="0" marL="0" rtl="0" algn="l">
+            <a:pPr indent="-342900" lvl="0" marL="457200" rtl="0" algn="l">
               <a:lnSpc>
                 <a:spcPct val="150000"/>
               </a:lnSpc>
               <a:spcBef>
-                <a:spcPts val="1000"/>
-              </a:spcBef>
-              <a:spcAft>
-                <a:spcPts val="0"/>
-              </a:spcAft>
-              <a:buNone/>
+                <a:spcPts val="0"/>
+              </a:spcBef>
+              <a:spcAft>
+                <a:spcPts val="0"/>
+              </a:spcAft>
+              <a:buSzPts val="1800"/>
+              <a:buChar char="●"/>
             </a:pPr>
             <a:r>
-              <a:t/>
+              <a:rPr lang="en-US"/>
+              <a:t>👾</a:t>
+            </a:r>
+            <a:r>
+              <a:rPr lang="en-US"/>
+              <a:t>Fixing screen resolution bugs</a:t>
             </a:r>
             <a:endParaRPr/>
           </a:p>
@@ -9768,10 +10131,6 @@
           <a:prstGeom prst="rect">
             <a:avLst/>
           </a:prstGeom>
-          <a:noFill/>
-          <a:ln>
-            <a:noFill/>
-          </a:ln>
         </p:spPr>
         <p:txBody>
           <a:bodyPr anchorCtr="0" anchor="ctr" bIns="45700" lIns="91425" spcFirstLastPara="1" rIns="91425" wrap="square" tIns="45700">
@@ -9780,29 +10139,17 @@
           <a:lstStyle/>
           <a:p>
             <a:pPr indent="0" lvl="0" marL="0" rtl="0" algn="l">
-              <a:lnSpc>
-                <a:spcPct val="90000"/>
-              </a:lnSpc>
-              <a:spcBef>
-                <a:spcPts val="0"/>
-              </a:spcBef>
-              <a:spcAft>
-                <a:spcPts val="0"/>
-              </a:spcAft>
-              <a:buClr>
-                <a:schemeClr val="dk1"/>
-              </a:buClr>
-              <a:buSzPts val="4400"/>
-              <a:buFont typeface="Calibri"/>
+              <a:spcBef>
+                <a:spcPts val="0"/>
+              </a:spcBef>
+              <a:spcAft>
+                <a:spcPts val="0"/>
+              </a:spcAft>
               <a:buNone/>
             </a:pPr>
             <a:r>
               <a:rPr lang="en-US"/>
-              <a:t>Harikrishan</a:t>
-            </a:r>
-            <a:r>
-              <a:rPr lang="en-US"/>
-              <a:t> - Weights Completed: 15</a:t>
+              <a:t>Nour - Weights Completed: 14</a:t>
             </a:r>
             <a:endParaRPr/>
           </a:p>
@@ -9824,10 +10171,6 @@
           <a:prstGeom prst="rect">
             <a:avLst/>
           </a:prstGeom>
-          <a:noFill/>
-          <a:ln>
-            <a:noFill/>
-          </a:ln>
         </p:spPr>
         <p:txBody>
           <a:bodyPr anchorCtr="0" anchor="t" bIns="45700" lIns="91425" spcFirstLastPara="1" rIns="91425" wrap="square" tIns="45700">
@@ -9840,7 +10183,7 @@
                 <a:spcPct val="150000"/>
               </a:lnSpc>
               <a:spcBef>
-                <a:spcPts val="0"/>
+                <a:spcPts val="1000"/>
               </a:spcBef>
               <a:spcAft>
                 <a:spcPts val="0"/>
@@ -9850,7 +10193,11 @@
             </a:pPr>
             <a:r>
               <a:rPr lang="en-US"/>
-              <a:t>Worked on setting up unit test using jest.</a:t>
+              <a:t>Worked on the frontend on making the game page </a:t>
+            </a:r>
+            <a:r>
+              <a:rPr lang="en-US"/>
+              <a:t>with Harir</a:t>
             </a:r>
             <a:endParaRPr/>
           </a:p>
@@ -9870,7 +10217,7 @@
             </a:pPr>
             <a:r>
               <a:rPr lang="en-US"/>
-              <a:t>Updated the game over screen and updated the css .</a:t>
+              <a:t>Conducted User Testing and Gathered Feedback </a:t>
             </a:r>
             <a:endParaRPr/>
           </a:p>
@@ -9889,13 +10236,21 @@
               <a:buChar char="●"/>
             </a:pPr>
             <a:r>
-              <a:rPr lang="en-US"/>
-              <a:t>Parallel programming with nour for full screen option.</a:t>
+              <a:rPr lang="en-US">
+                <a:solidFill>
+                  <a:srgbClr val="CACACA"/>
+                </a:solidFill>
+              </a:rPr>
+              <a:t>Helped with the branch clean up</a:t>
             </a:r>
-            <a:endParaRPr/>
+            <a:endParaRPr>
+              <a:solidFill>
+                <a:srgbClr val="CACACA"/>
+              </a:solidFill>
+            </a:endParaRPr>
           </a:p>
           <a:p>
-            <a:pPr indent="0" lvl="0" marL="457200" rtl="0" algn="l">
+            <a:pPr indent="0" lvl="0" marL="0" rtl="0" algn="l">
               <a:lnSpc>
                 <a:spcPct val="150000"/>
               </a:lnSpc>
@@ -9955,6 +10310,10 @@
           <a:prstGeom prst="rect">
             <a:avLst/>
           </a:prstGeom>
+          <a:noFill/>
+          <a:ln>
+            <a:noFill/>
+          </a:ln>
         </p:spPr>
         <p:txBody>
           <a:bodyPr anchorCtr="0" anchor="ctr" bIns="45700" lIns="91425" spcFirstLastPara="1" rIns="91425" wrap="square" tIns="45700">
@@ -9963,21 +10322,29 @@
           <a:lstStyle/>
           <a:p>
             <a:pPr indent="0" lvl="0" marL="0" rtl="0" algn="l">
-              <a:spcBef>
-                <a:spcPts val="0"/>
-              </a:spcBef>
-              <a:spcAft>
-                <a:spcPts val="0"/>
-              </a:spcAft>
+              <a:lnSpc>
+                <a:spcPct val="90000"/>
+              </a:lnSpc>
+              <a:spcBef>
+                <a:spcPts val="0"/>
+              </a:spcBef>
+              <a:spcAft>
+                <a:spcPts val="0"/>
+              </a:spcAft>
+              <a:buClr>
+                <a:schemeClr val="dk1"/>
+              </a:buClr>
+              <a:buSzPts val="4400"/>
+              <a:buFont typeface="Calibri"/>
               <a:buNone/>
             </a:pPr>
             <a:r>
               <a:rPr lang="en-US"/>
-              <a:t>Thulasi </a:t>
+              <a:t>Harikrishan</a:t>
             </a:r>
             <a:r>
               <a:rPr lang="en-US"/>
-              <a:t>- Weights Completed: 15</a:t>
+              <a:t> - Weights Completed: 15</a:t>
             </a:r>
             <a:endParaRPr/>
           </a:p>
@@ -9999,14 +10366,18 @@
           <a:prstGeom prst="rect">
             <a:avLst/>
           </a:prstGeom>
+          <a:noFill/>
+          <a:ln>
+            <a:noFill/>
+          </a:ln>
         </p:spPr>
         <p:txBody>
           <a:bodyPr anchorCtr="0" anchor="t" bIns="45700" lIns="91425" spcFirstLastPara="1" rIns="91425" wrap="square" tIns="45700">
-            <a:normAutofit lnSpcReduction="20000"/>
+            <a:normAutofit/>
           </a:bodyPr>
           <a:lstStyle/>
           <a:p>
-            <a:pPr indent="-342900" lvl="0" marL="457200" marR="0" rtl="0" algn="l">
+            <a:pPr indent="-342900" lvl="0" marL="457200" rtl="0" algn="l">
               <a:lnSpc>
                 <a:spcPct val="150000"/>
               </a:lnSpc>
@@ -10021,14 +10392,22 @@
             </a:pPr>
             <a:r>
               <a:rPr lang="en-US"/>
-              <a:t>Frontend Unit Testing Research (Frameworks? Types of testing?)</a:t>
+              <a:t>Hangman - Displaying assets on screen and </a:t>
+            </a:r>
+            <a:r>
+              <a:rPr lang="en-US"/>
+              <a:t>positioning</a:t>
+            </a:r>
+            <a:r>
+              <a:rPr lang="en-US"/>
+              <a:t> them.</a:t>
             </a:r>
             <a:endParaRPr/>
           </a:p>
           <a:p>
             <a:pPr indent="-342900" lvl="0" marL="457200" rtl="0" algn="l">
               <a:lnSpc>
-                <a:spcPct val="115000"/>
+                <a:spcPct val="150000"/>
               </a:lnSpc>
               <a:spcBef>
                 <a:spcPts val="0"/>
@@ -10041,52 +10420,12 @@
             </a:pPr>
             <a:r>
               <a:rPr lang="en-US"/>
-              <a:t>Created 20 frontend unit tests (PHPUnit) + 34 unique assertions.</a:t>
+              <a:t>Update Game documentation (Rules + Description).</a:t>
             </a:r>
             <a:endParaRPr/>
           </a:p>
           <a:p>
-            <a:pPr indent="-342900" lvl="1" marL="914400" rtl="0" algn="l">
-              <a:lnSpc>
-                <a:spcPct val="115000"/>
-              </a:lnSpc>
-              <a:spcBef>
-                <a:spcPts val="0"/>
-              </a:spcBef>
-              <a:spcAft>
-                <a:spcPts val="0"/>
-              </a:spcAft>
-              <a:buSzPts val="1800"/>
-              <a:buChar char="○"/>
-            </a:pPr>
-            <a:r>
-              <a:rPr lang="en-US"/>
-              <a:t>Integration Testing – Are the PHP scripts correctly integrated with external resources (ex: CSS files, components and snippets for each team member)?</a:t>
-            </a:r>
-            <a:endParaRPr/>
-          </a:p>
-          <a:p>
-            <a:pPr indent="-342900" lvl="1" marL="914400" rtl="0" algn="l">
-              <a:lnSpc>
-                <a:spcPct val="115000"/>
-              </a:lnSpc>
-              <a:spcBef>
-                <a:spcPts val="0"/>
-              </a:spcBef>
-              <a:spcAft>
-                <a:spcPts val="0"/>
-              </a:spcAft>
-              <a:buSzPts val="1800"/>
-              <a:buChar char="○"/>
-            </a:pPr>
-            <a:r>
-              <a:rPr lang="en-US"/>
-              <a:t>Functional Testing – to verify that all components render as expected.</a:t>
-            </a:r>
-            <a:endParaRPr/>
-          </a:p>
-          <a:p>
-            <a:pPr indent="-342900" lvl="0" marL="457200" marR="0" rtl="0" algn="l">
+            <a:pPr indent="-342900" lvl="0" marL="457200" rtl="0" algn="l">
               <a:lnSpc>
                 <a:spcPct val="150000"/>
               </a:lnSpc>
@@ -10101,65 +10440,28 @@
             </a:pPr>
             <a:r>
               <a:rPr lang="en-US"/>
-              <a:t>Updated CI/CD Pipeline to run front end tests</a:t>
+              <a:t>Waldo game fixes - score becomes negative webpage resolution </a:t>
+            </a:r>
+            <a:r>
+              <a:rPr lang="en-US"/>
+              <a:t>compatibility</a:t>
+            </a:r>
+            <a:r>
+              <a:rPr lang="en-US"/>
+              <a:t>. </a:t>
             </a:r>
             <a:endParaRPr/>
           </a:p>
           <a:p>
-            <a:pPr indent="0" lvl="0" marL="0" marR="0" rtl="0" algn="l">
+            <a:pPr indent="0" lvl="0" marL="457200" rtl="0" algn="l">
               <a:lnSpc>
                 <a:spcPct val="150000"/>
               </a:lnSpc>
               <a:spcBef>
-                <a:spcPts val="1600"/>
-              </a:spcBef>
-              <a:spcAft>
-                <a:spcPts val="0"/>
-              </a:spcAft>
-              <a:buNone/>
-            </a:pPr>
-            <a:r>
-              <a:t/>
-            </a:r>
-            <a:endParaRPr/>
-          </a:p>
-          <a:p>
-            <a:pPr indent="0" lvl="0" marL="0" rtl="0" algn="l">
-              <a:spcBef>
-                <a:spcPts val="1600"/>
-              </a:spcBef>
-              <a:spcAft>
-                <a:spcPts val="0"/>
-              </a:spcAft>
-              <a:buNone/>
-            </a:pPr>
-            <a:r>
-              <a:t/>
-            </a:r>
-            <a:endParaRPr/>
-          </a:p>
-          <a:p>
-            <a:pPr indent="0" lvl="0" marL="0" rtl="0" algn="l">
-              <a:spcBef>
-                <a:spcPts val="1600"/>
-              </a:spcBef>
-              <a:spcAft>
-                <a:spcPts val="0"/>
-              </a:spcAft>
-              <a:buNone/>
-            </a:pPr>
-            <a:r>
-              <a:t/>
-            </a:r>
-            <a:endParaRPr/>
-          </a:p>
-          <a:p>
-            <a:pPr indent="0" lvl="0" marL="0" rtl="0" algn="l">
-              <a:spcBef>
-                <a:spcPts val="1600"/>
-              </a:spcBef>
-              <a:spcAft>
-                <a:spcPts val="1600"/>
+                <a:spcPts val="1000"/>
+              </a:spcBef>
+              <a:spcAft>
+                <a:spcPts val="0"/>
               </a:spcAft>
               <a:buNone/>
             </a:pPr>
@@ -10170,34 +10472,6 @@
           </a:p>
         </p:txBody>
       </p:sp>
-      <p:pic>
-        <p:nvPicPr>
-          <p:cNvPr id="115" name="Google Shape;115;p22"/>
-          <p:cNvPicPr preferRelativeResize="0"/>
-          <p:nvPr/>
-        </p:nvPicPr>
-        <p:blipFill>
-          <a:blip r:embed="rId3">
-            <a:alphaModFix/>
-          </a:blip>
-          <a:stretch>
-            <a:fillRect/>
-          </a:stretch>
-        </p:blipFill>
-        <p:spPr>
-          <a:xfrm>
-            <a:off x="1029600" y="4395475"/>
-            <a:ext cx="6771149" cy="1454950"/>
-          </a:xfrm>
-          <a:prstGeom prst="rect">
-            <a:avLst/>
-          </a:prstGeom>
-          <a:noFill/>
-          <a:ln>
-            <a:noFill/>
-          </a:ln>
-        </p:spPr>
-      </p:pic>
     </p:spTree>
   </p:cSld>
   <p:clrMapOvr>

--- a/CIS4250_Retrospective.pptx
+++ b/CIS4250_Retrospective.pptx
@@ -9620,7 +9620,7 @@
             </a:r>
             <a:r>
               <a:rPr lang="en-US"/>
-              <a:t>13</a:t>
+              <a:t>15</a:t>
             </a:r>
             <a:endParaRPr/>
           </a:p>
@@ -9636,8 +9636,8 @@
         </p:nvSpPr>
         <p:spPr>
           <a:xfrm>
-            <a:off x="838203" y="1968794"/>
-            <a:ext cx="10515600" cy="4351200"/>
+            <a:off x="645150" y="1711650"/>
+            <a:ext cx="10515600" cy="3434700"/>
           </a:xfrm>
           <a:prstGeom prst="rect">
             <a:avLst/>
@@ -9664,7 +9664,7 @@
             </a:pPr>
             <a:r>
               <a:rPr lang="en-US"/>
-              <a:t>Added new levels to the game with Rehan</a:t>
+              <a:t>Worked on fixing bugs and updating UI/Frontend for I - Spot</a:t>
             </a:r>
             <a:endParaRPr/>
           </a:p>
@@ -9684,7 +9684,15 @@
             </a:pPr>
             <a:r>
               <a:rPr lang="en-US"/>
-              <a:t>Optimized the about us game</a:t>
+              <a:t>Created the </a:t>
+            </a:r>
+            <a:r>
+              <a:rPr lang="en-US"/>
+              <a:t>game</a:t>
+            </a:r>
+            <a:r>
+              <a:rPr lang="en-US"/>
+              <a:t> page for hangman</a:t>
             </a:r>
             <a:endParaRPr/>
           </a:p>
@@ -9704,7 +9712,27 @@
             </a:pPr>
             <a:r>
               <a:rPr lang="en-US"/>
-              <a:t>Updated the website documentation</a:t>
+              <a:t>Generated pool of CS-related words and/or phrases and stored in a json file.</a:t>
+            </a:r>
+            <a:endParaRPr/>
+          </a:p>
+          <a:p>
+            <a:pPr indent="-342900" lvl="0" marL="457200" rtl="0" algn="l">
+              <a:lnSpc>
+                <a:spcPct val="150000"/>
+              </a:lnSpc>
+              <a:spcBef>
+                <a:spcPts val="0"/>
+              </a:spcBef>
+              <a:spcAft>
+                <a:spcPts val="0"/>
+              </a:spcAft>
+              <a:buSzPts val="1800"/>
+              <a:buChar char="●"/>
+            </a:pPr>
+            <a:r>
+              <a:rPr lang="en-US"/>
+              <a:t>User Testing and Feedback</a:t>
             </a:r>
             <a:endParaRPr/>
           </a:p>

--- a/CIS4250_Retrospective.pptx
+++ b/CIS4250_Retrospective.pptx
@@ -9809,7 +9809,7 @@
             </a:pPr>
             <a:r>
               <a:rPr lang="en-US"/>
-              <a:t>Ivan - Weights Completed: 14</a:t>
+              <a:t>Ivan - Weights Completed: 12</a:t>
             </a:r>
             <a:endParaRPr/>
           </a:p>
@@ -10372,7 +10372,7 @@
             </a:r>
             <a:r>
               <a:rPr lang="en-US"/>
-              <a:t> - Weights Completed: 15</a:t>
+              <a:t> - Weights Completed: 16</a:t>
             </a:r>
             <a:endParaRPr/>
           </a:p>
@@ -10509,6 +10509,285 @@
 </file>
 
 <file path=ppt/theme/theme1.xml><?xml version="1.0" encoding="utf-8"?>
+<a:theme xmlns:a="http://schemas.openxmlformats.org/drawingml/2006/main" xmlns:r="http://schemas.openxmlformats.org/officeDocument/2006/relationships">
+  <a:themeElements>
+    <a:clrScheme name="Default">
+      <a:dk1>
+        <a:srgbClr val="000000"/>
+      </a:dk1>
+      <a:lt1>
+        <a:srgbClr val="FFFFFF"/>
+      </a:lt1>
+      <a:dk2>
+        <a:srgbClr val="158158"/>
+      </a:dk2>
+      <a:lt2>
+        <a:srgbClr val="F3F3F3"/>
+      </a:lt2>
+      <a:accent1>
+        <a:srgbClr val="058DC7"/>
+      </a:accent1>
+      <a:accent2>
+        <a:srgbClr val="50B432"/>
+      </a:accent2>
+      <a:accent3>
+        <a:srgbClr val="ED561B"/>
+      </a:accent3>
+      <a:accent4>
+        <a:srgbClr val="EDEF00"/>
+      </a:accent4>
+      <a:accent5>
+        <a:srgbClr val="24CBE5"/>
+      </a:accent5>
+      <a:accent6>
+        <a:srgbClr val="64E572"/>
+      </a:accent6>
+      <a:hlink>
+        <a:srgbClr val="2200CC"/>
+      </a:hlink>
+      <a:folHlink>
+        <a:srgbClr val="551A8B"/>
+      </a:folHlink>
+    </a:clrScheme>
+    <a:fontScheme name="Office">
+      <a:majorFont>
+        <a:latin typeface="Arial"/>
+        <a:ea typeface=""/>
+        <a:cs typeface=""/>
+        <a:font script="Jpan" typeface="ＭＳ Ｐゴシック"/>
+        <a:font script="Hang" typeface="맑은 고딕"/>
+        <a:font script="Hans" typeface="宋体"/>
+        <a:font script="Hant" typeface="新細明體"/>
+        <a:font script="Arab" typeface="Times New Roman"/>
+        <a:font script="Hebr" typeface="Times New Roman"/>
+        <a:font script="Thai" typeface="Angsana New"/>
+        <a:font script="Ethi" typeface="Nyala"/>
+        <a:font script="Beng" typeface="Vrinda"/>
+        <a:font script="Gujr" typeface="Shruti"/>
+        <a:font script="Khmr" typeface="MoolBoran"/>
+        <a:font script="Knda" typeface="Tunga"/>
+        <a:font script="Guru" typeface="Raavi"/>
+        <a:font script="Cans" typeface="Euphemia"/>
+        <a:font script="Cher" typeface="Plantagenet Cherokee"/>
+        <a:font script="Yiii" typeface="Microsoft Yi Baiti"/>
+        <a:font script="Tibt" typeface="Microsoft Himalaya"/>
+        <a:font script="Thaa" typeface="MV Boli"/>
+        <a:font script="Deva" typeface="Mangal"/>
+        <a:font script="Telu" typeface="Gautami"/>
+        <a:font script="Taml" typeface="Latha"/>
+        <a:font script="Syrc" typeface="Estrangelo Edessa"/>
+        <a:font script="Orya" typeface="Kalinga"/>
+        <a:font script="Mlym" typeface="Kartika"/>
+        <a:font script="Laoo" typeface="DokChampa"/>
+        <a:font script="Sinh" typeface="Iskoola Pota"/>
+        <a:font script="Mong" typeface="Mongolian Baiti"/>
+        <a:font script="Viet" typeface="Times New Roman"/>
+        <a:font script="Uigh" typeface="Microsoft Uighur"/>
+        <a:font script="Geor" typeface="Sylfaen"/>
+      </a:majorFont>
+      <a:minorFont>
+        <a:latin typeface="Arial"/>
+        <a:ea typeface=""/>
+        <a:cs typeface=""/>
+        <a:font script="Jpan" typeface="ＭＳ Ｐゴシック"/>
+        <a:font script="Hang" typeface="맑은 고딕"/>
+        <a:font script="Hans" typeface="宋体"/>
+        <a:font script="Hant" typeface="新細明體"/>
+        <a:font script="Arab" typeface="Arial"/>
+        <a:font script="Hebr" typeface="Arial"/>
+        <a:font script="Thai" typeface="Cordia New"/>
+        <a:font script="Ethi" typeface="Nyala"/>
+        <a:font script="Beng" typeface="Vrinda"/>
+        <a:font script="Gujr" typeface="Shruti"/>
+        <a:font script="Khmr" typeface="DaunPenh"/>
+        <a:font script="Knda" typeface="Tunga"/>
+        <a:font script="Guru" typeface="Raavi"/>
+        <a:font script="Cans" typeface="Euphemia"/>
+        <a:font script="Cher" typeface="Plantagenet Cherokee"/>
+        <a:font script="Yiii" typeface="Microsoft Yi Baiti"/>
+        <a:font script="Tibt" typeface="Microsoft Himalaya"/>
+        <a:font script="Thaa" typeface="MV Boli"/>
+        <a:font script="Deva" typeface="Mangal"/>
+        <a:font script="Telu" typeface="Gautami"/>
+        <a:font script="Taml" typeface="Latha"/>
+        <a:font script="Syrc" typeface="Estrangelo Edessa"/>
+        <a:font script="Orya" typeface="Kalinga"/>
+        <a:font script="Mlym" typeface="Kartika"/>
+        <a:font script="Laoo" typeface="DokChampa"/>
+        <a:font script="Sinh" typeface="Iskoola Pota"/>
+        <a:font script="Mong" typeface="Mongolian Baiti"/>
+        <a:font script="Viet" typeface="Arial"/>
+        <a:font script="Uigh" typeface="Microsoft Uighur"/>
+        <a:font script="Geor" typeface="Sylfaen"/>
+      </a:minorFont>
+    </a:fontScheme>
+    <a:fmtScheme name="Office">
+      <a:fillStyleLst>
+        <a:solidFill>
+          <a:schemeClr val="phClr"/>
+        </a:solidFill>
+        <a:gradFill rotWithShape="1">
+          <a:gsLst>
+            <a:gs pos="0">
+              <a:schemeClr val="phClr">
+                <a:tint val="50000"/>
+                <a:satMod val="300000"/>
+              </a:schemeClr>
+            </a:gs>
+            <a:gs pos="35000">
+              <a:schemeClr val="phClr">
+                <a:tint val="37000"/>
+                <a:satMod val="300000"/>
+              </a:schemeClr>
+            </a:gs>
+            <a:gs pos="100000">
+              <a:schemeClr val="phClr">
+                <a:tint val="15000"/>
+                <a:satMod val="350000"/>
+              </a:schemeClr>
+            </a:gs>
+          </a:gsLst>
+          <a:lin ang="16200000" scaled="1"/>
+        </a:gradFill>
+        <a:gradFill rotWithShape="1">
+          <a:gsLst>
+            <a:gs pos="0">
+              <a:schemeClr val="phClr">
+                <a:tint val="100000"/>
+                <a:shade val="100000"/>
+                <a:satMod val="130000"/>
+              </a:schemeClr>
+            </a:gs>
+            <a:gs pos="100000">
+              <a:schemeClr val="phClr">
+                <a:tint val="50000"/>
+                <a:shade val="100000"/>
+                <a:satMod val="350000"/>
+              </a:schemeClr>
+            </a:gs>
+          </a:gsLst>
+          <a:lin ang="16200000" scaled="0"/>
+        </a:gradFill>
+      </a:fillStyleLst>
+      <a:lnStyleLst>
+        <a:ln w="9525" cap="flat" cmpd="sng" algn="ctr">
+          <a:solidFill>
+            <a:schemeClr val="phClr">
+              <a:shade val="95000"/>
+              <a:satMod val="105000"/>
+            </a:schemeClr>
+          </a:solidFill>
+          <a:prstDash val="solid"/>
+        </a:ln>
+        <a:ln w="25400" cap="flat" cmpd="sng" algn="ctr">
+          <a:solidFill>
+            <a:schemeClr val="phClr"/>
+          </a:solidFill>
+          <a:prstDash val="solid"/>
+        </a:ln>
+        <a:ln w="38100" cap="flat" cmpd="sng" algn="ctr">
+          <a:solidFill>
+            <a:schemeClr val="phClr"/>
+          </a:solidFill>
+          <a:prstDash val="solid"/>
+        </a:ln>
+      </a:lnStyleLst>
+      <a:effectStyleLst>
+        <a:effectStyle>
+          <a:effectLst>
+            <a:outerShdw blurRad="40000" dist="20000" dir="5400000" rotWithShape="0">
+              <a:srgbClr val="000000">
+                <a:alpha val="38000"/>
+              </a:srgbClr>
+            </a:outerShdw>
+          </a:effectLst>
+        </a:effectStyle>
+        <a:effectStyle>
+          <a:effectLst>
+            <a:outerShdw blurRad="40000" dist="23000" dir="5400000" rotWithShape="0">
+              <a:srgbClr val="000000">
+                <a:alpha val="35000"/>
+              </a:srgbClr>
+            </a:outerShdw>
+          </a:effectLst>
+        </a:effectStyle>
+        <a:effectStyle>
+          <a:effectLst>
+            <a:outerShdw blurRad="40000" dist="23000" dir="5400000" rotWithShape="0">
+              <a:srgbClr val="000000">
+                <a:alpha val="35000"/>
+              </a:srgbClr>
+            </a:outerShdw>
+          </a:effectLst>
+          <a:scene3d>
+            <a:camera prst="orthographicFront">
+              <a:rot lat="0" lon="0" rev="0"/>
+            </a:camera>
+            <a:lightRig rig="threePt" dir="t">
+              <a:rot lat="0" lon="0" rev="1200000"/>
+            </a:lightRig>
+          </a:scene3d>
+          <a:sp3d>
+            <a:bevelT w="63500" h="25400"/>
+          </a:sp3d>
+        </a:effectStyle>
+      </a:effectStyleLst>
+      <a:bgFillStyleLst>
+        <a:solidFill>
+          <a:schemeClr val="phClr"/>
+        </a:solidFill>
+        <a:gradFill rotWithShape="1">
+          <a:gsLst>
+            <a:gs pos="0">
+              <a:schemeClr val="phClr">
+                <a:tint val="40000"/>
+                <a:satMod val="350000"/>
+              </a:schemeClr>
+            </a:gs>
+            <a:gs pos="40000">
+              <a:schemeClr val="phClr">
+                <a:tint val="45000"/>
+                <a:shade val="99000"/>
+                <a:satMod val="350000"/>
+              </a:schemeClr>
+            </a:gs>
+            <a:gs pos="100000">
+              <a:schemeClr val="phClr">
+                <a:shade val="20000"/>
+                <a:satMod val="255000"/>
+              </a:schemeClr>
+            </a:gs>
+          </a:gsLst>
+          <a:path path="circle">
+            <a:fillToRect l="50000" t="-80000" r="50000" b="180000"/>
+          </a:path>
+        </a:gradFill>
+        <a:gradFill rotWithShape="1">
+          <a:gsLst>
+            <a:gs pos="0">
+              <a:schemeClr val="phClr">
+                <a:tint val="80000"/>
+                <a:satMod val="300000"/>
+              </a:schemeClr>
+            </a:gs>
+            <a:gs pos="100000">
+              <a:schemeClr val="phClr">
+                <a:shade val="30000"/>
+                <a:satMod val="200000"/>
+              </a:schemeClr>
+            </a:gs>
+          </a:gsLst>
+          <a:path path="circle">
+            <a:fillToRect l="50000" t="50000" r="50000" b="50000"/>
+          </a:path>
+        </a:gradFill>
+      </a:bgFillStyleLst>
+    </a:fmtScheme>
+  </a:themeElements>
+</a:theme>
+</file>
+
+<file path=ppt/theme/theme2.xml><?xml version="1.0" encoding="utf-8"?>
 <a:theme xmlns:a="http://schemas.openxmlformats.org/drawingml/2006/main" xmlns:r="http://schemas.openxmlformats.org/officeDocument/2006/relationships" name="Slate">
   <a:themeElements>
     <a:clrScheme name="Slate">
@@ -10785,283 +11064,4 @@
     </a:fmtScheme>
   </a:themeElements>
 </a:theme>
-</file>
-
-<file path=ppt/theme/theme2.xml><?xml version="1.0" encoding="utf-8"?>
-<a:theme xmlns:a="http://schemas.openxmlformats.org/drawingml/2006/main" xmlns:r="http://schemas.openxmlformats.org/officeDocument/2006/relationships">
-  <a:themeElements>
-    <a:clrScheme name="Default">
-      <a:dk1>
-        <a:srgbClr val="000000"/>
-      </a:dk1>
-      <a:lt1>
-        <a:srgbClr val="FFFFFF"/>
-      </a:lt1>
-      <a:dk2>
-        <a:srgbClr val="158158"/>
-      </a:dk2>
-      <a:lt2>
-        <a:srgbClr val="F3F3F3"/>
-      </a:lt2>
-      <a:accent1>
-        <a:srgbClr val="058DC7"/>
-      </a:accent1>
-      <a:accent2>
-        <a:srgbClr val="50B432"/>
-      </a:accent2>
-      <a:accent3>
-        <a:srgbClr val="ED561B"/>
-      </a:accent3>
-      <a:accent4>
-        <a:srgbClr val="EDEF00"/>
-      </a:accent4>
-      <a:accent5>
-        <a:srgbClr val="24CBE5"/>
-      </a:accent5>
-      <a:accent6>
-        <a:srgbClr val="64E572"/>
-      </a:accent6>
-      <a:hlink>
-        <a:srgbClr val="2200CC"/>
-      </a:hlink>
-      <a:folHlink>
-        <a:srgbClr val="551A8B"/>
-      </a:folHlink>
-    </a:clrScheme>
-    <a:fontScheme name="Office">
-      <a:majorFont>
-        <a:latin typeface="Arial"/>
-        <a:ea typeface=""/>
-        <a:cs typeface=""/>
-        <a:font script="Jpan" typeface="ＭＳ Ｐゴシック"/>
-        <a:font script="Hang" typeface="맑은 고딕"/>
-        <a:font script="Hans" typeface="宋体"/>
-        <a:font script="Hant" typeface="新細明體"/>
-        <a:font script="Arab" typeface="Times New Roman"/>
-        <a:font script="Hebr" typeface="Times New Roman"/>
-        <a:font script="Thai" typeface="Angsana New"/>
-        <a:font script="Ethi" typeface="Nyala"/>
-        <a:font script="Beng" typeface="Vrinda"/>
-        <a:font script="Gujr" typeface="Shruti"/>
-        <a:font script="Khmr" typeface="MoolBoran"/>
-        <a:font script="Knda" typeface="Tunga"/>
-        <a:font script="Guru" typeface="Raavi"/>
-        <a:font script="Cans" typeface="Euphemia"/>
-        <a:font script="Cher" typeface="Plantagenet Cherokee"/>
-        <a:font script="Yiii" typeface="Microsoft Yi Baiti"/>
-        <a:font script="Tibt" typeface="Microsoft Himalaya"/>
-        <a:font script="Thaa" typeface="MV Boli"/>
-        <a:font script="Deva" typeface="Mangal"/>
-        <a:font script="Telu" typeface="Gautami"/>
-        <a:font script="Taml" typeface="Latha"/>
-        <a:font script="Syrc" typeface="Estrangelo Edessa"/>
-        <a:font script="Orya" typeface="Kalinga"/>
-        <a:font script="Mlym" typeface="Kartika"/>
-        <a:font script="Laoo" typeface="DokChampa"/>
-        <a:font script="Sinh" typeface="Iskoola Pota"/>
-        <a:font script="Mong" typeface="Mongolian Baiti"/>
-        <a:font script="Viet" typeface="Times New Roman"/>
-        <a:font script="Uigh" typeface="Microsoft Uighur"/>
-        <a:font script="Geor" typeface="Sylfaen"/>
-      </a:majorFont>
-      <a:minorFont>
-        <a:latin typeface="Arial"/>
-        <a:ea typeface=""/>
-        <a:cs typeface=""/>
-        <a:font script="Jpan" typeface="ＭＳ Ｐゴシック"/>
-        <a:font script="Hang" typeface="맑은 고딕"/>
-        <a:font script="Hans" typeface="宋体"/>
-        <a:font script="Hant" typeface="新細明體"/>
-        <a:font script="Arab" typeface="Arial"/>
-        <a:font script="Hebr" typeface="Arial"/>
-        <a:font script="Thai" typeface="Cordia New"/>
-        <a:font script="Ethi" typeface="Nyala"/>
-        <a:font script="Beng" typeface="Vrinda"/>
-        <a:font script="Gujr" typeface="Shruti"/>
-        <a:font script="Khmr" typeface="DaunPenh"/>
-        <a:font script="Knda" typeface="Tunga"/>
-        <a:font script="Guru" typeface="Raavi"/>
-        <a:font script="Cans" typeface="Euphemia"/>
-        <a:font script="Cher" typeface="Plantagenet Cherokee"/>
-        <a:font script="Yiii" typeface="Microsoft Yi Baiti"/>
-        <a:font script="Tibt" typeface="Microsoft Himalaya"/>
-        <a:font script="Thaa" typeface="MV Boli"/>
-        <a:font script="Deva" typeface="Mangal"/>
-        <a:font script="Telu" typeface="Gautami"/>
-        <a:font script="Taml" typeface="Latha"/>
-        <a:font script="Syrc" typeface="Estrangelo Edessa"/>
-        <a:font script="Orya" typeface="Kalinga"/>
-        <a:font script="Mlym" typeface="Kartika"/>
-        <a:font script="Laoo" typeface="DokChampa"/>
-        <a:font script="Sinh" typeface="Iskoola Pota"/>
-        <a:font script="Mong" typeface="Mongolian Baiti"/>
-        <a:font script="Viet" typeface="Arial"/>
-        <a:font script="Uigh" typeface="Microsoft Uighur"/>
-        <a:font script="Geor" typeface="Sylfaen"/>
-      </a:minorFont>
-    </a:fontScheme>
-    <a:fmtScheme name="Office">
-      <a:fillStyleLst>
-        <a:solidFill>
-          <a:schemeClr val="phClr"/>
-        </a:solidFill>
-        <a:gradFill rotWithShape="1">
-          <a:gsLst>
-            <a:gs pos="0">
-              <a:schemeClr val="phClr">
-                <a:tint val="50000"/>
-                <a:satMod val="300000"/>
-              </a:schemeClr>
-            </a:gs>
-            <a:gs pos="35000">
-              <a:schemeClr val="phClr">
-                <a:tint val="37000"/>
-                <a:satMod val="300000"/>
-              </a:schemeClr>
-            </a:gs>
-            <a:gs pos="100000">
-              <a:schemeClr val="phClr">
-                <a:tint val="15000"/>
-                <a:satMod val="350000"/>
-              </a:schemeClr>
-            </a:gs>
-          </a:gsLst>
-          <a:lin ang="16200000" scaled="1"/>
-        </a:gradFill>
-        <a:gradFill rotWithShape="1">
-          <a:gsLst>
-            <a:gs pos="0">
-              <a:schemeClr val="phClr">
-                <a:tint val="100000"/>
-                <a:shade val="100000"/>
-                <a:satMod val="130000"/>
-              </a:schemeClr>
-            </a:gs>
-            <a:gs pos="100000">
-              <a:schemeClr val="phClr">
-                <a:tint val="50000"/>
-                <a:shade val="100000"/>
-                <a:satMod val="350000"/>
-              </a:schemeClr>
-            </a:gs>
-          </a:gsLst>
-          <a:lin ang="16200000" scaled="0"/>
-        </a:gradFill>
-      </a:fillStyleLst>
-      <a:lnStyleLst>
-        <a:ln w="9525" cap="flat" cmpd="sng" algn="ctr">
-          <a:solidFill>
-            <a:schemeClr val="phClr">
-              <a:shade val="95000"/>
-              <a:satMod val="105000"/>
-            </a:schemeClr>
-          </a:solidFill>
-          <a:prstDash val="solid"/>
-        </a:ln>
-        <a:ln w="25400" cap="flat" cmpd="sng" algn="ctr">
-          <a:solidFill>
-            <a:schemeClr val="phClr"/>
-          </a:solidFill>
-          <a:prstDash val="solid"/>
-        </a:ln>
-        <a:ln w="38100" cap="flat" cmpd="sng" algn="ctr">
-          <a:solidFill>
-            <a:schemeClr val="phClr"/>
-          </a:solidFill>
-          <a:prstDash val="solid"/>
-        </a:ln>
-      </a:lnStyleLst>
-      <a:effectStyleLst>
-        <a:effectStyle>
-          <a:effectLst>
-            <a:outerShdw blurRad="40000" dist="20000" dir="5400000" rotWithShape="0">
-              <a:srgbClr val="000000">
-                <a:alpha val="38000"/>
-              </a:srgbClr>
-            </a:outerShdw>
-          </a:effectLst>
-        </a:effectStyle>
-        <a:effectStyle>
-          <a:effectLst>
-            <a:outerShdw blurRad="40000" dist="23000" dir="5400000" rotWithShape="0">
-              <a:srgbClr val="000000">
-                <a:alpha val="35000"/>
-              </a:srgbClr>
-            </a:outerShdw>
-          </a:effectLst>
-        </a:effectStyle>
-        <a:effectStyle>
-          <a:effectLst>
-            <a:outerShdw blurRad="40000" dist="23000" dir="5400000" rotWithShape="0">
-              <a:srgbClr val="000000">
-                <a:alpha val="35000"/>
-              </a:srgbClr>
-            </a:outerShdw>
-          </a:effectLst>
-          <a:scene3d>
-            <a:camera prst="orthographicFront">
-              <a:rot lat="0" lon="0" rev="0"/>
-            </a:camera>
-            <a:lightRig rig="threePt" dir="t">
-              <a:rot lat="0" lon="0" rev="1200000"/>
-            </a:lightRig>
-          </a:scene3d>
-          <a:sp3d>
-            <a:bevelT w="63500" h="25400"/>
-          </a:sp3d>
-        </a:effectStyle>
-      </a:effectStyleLst>
-      <a:bgFillStyleLst>
-        <a:solidFill>
-          <a:schemeClr val="phClr"/>
-        </a:solidFill>
-        <a:gradFill rotWithShape="1">
-          <a:gsLst>
-            <a:gs pos="0">
-              <a:schemeClr val="phClr">
-                <a:tint val="40000"/>
-                <a:satMod val="350000"/>
-              </a:schemeClr>
-            </a:gs>
-            <a:gs pos="40000">
-              <a:schemeClr val="phClr">
-                <a:tint val="45000"/>
-                <a:shade val="99000"/>
-                <a:satMod val="350000"/>
-              </a:schemeClr>
-            </a:gs>
-            <a:gs pos="100000">
-              <a:schemeClr val="phClr">
-                <a:shade val="20000"/>
-                <a:satMod val="255000"/>
-              </a:schemeClr>
-            </a:gs>
-          </a:gsLst>
-          <a:path path="circle">
-            <a:fillToRect l="50000" t="-80000" r="50000" b="180000"/>
-          </a:path>
-        </a:gradFill>
-        <a:gradFill rotWithShape="1">
-          <a:gsLst>
-            <a:gs pos="0">
-              <a:schemeClr val="phClr">
-                <a:tint val="80000"/>
-                <a:satMod val="300000"/>
-              </a:schemeClr>
-            </a:gs>
-            <a:gs pos="100000">
-              <a:schemeClr val="phClr">
-                <a:shade val="30000"/>
-                <a:satMod val="200000"/>
-              </a:schemeClr>
-            </a:gs>
-          </a:gsLst>
-          <a:path path="circle">
-            <a:fillToRect l="50000" t="50000" r="50000" b="50000"/>
-          </a:path>
-        </a:gradFill>
-      </a:bgFillStyleLst>
-    </a:fmtScheme>
-  </a:themeElements>
-</a:theme>
 </file>
--- a/CIS4250_Retrospective.pptx
+++ b/CIS4250_Retrospective.pptx
@@ -8852,6 +8852,26 @@
             </a:pPr>
             <a:r>
               <a:rPr lang="en-US"/>
+              <a:t>Further enhancements based on User Testing Results</a:t>
+            </a:r>
+            <a:endParaRPr/>
+          </a:p>
+          <a:p>
+            <a:pPr indent="-342900" lvl="0" marL="457200" rtl="0" algn="l">
+              <a:lnSpc>
+                <a:spcPct val="150000"/>
+              </a:lnSpc>
+              <a:spcBef>
+                <a:spcPts val="0"/>
+              </a:spcBef>
+              <a:spcAft>
+                <a:spcPts val="0"/>
+              </a:spcAft>
+              <a:buSzPts val="1800"/>
+              <a:buChar char="●"/>
+            </a:pPr>
+            <a:r>
+              <a:rPr lang="en-US"/>
               <a:t>Integrating SQL</a:t>
             </a:r>
             <a:endParaRPr/>
@@ -10509,6 +10529,285 @@
 </file>
 
 <file path=ppt/theme/theme1.xml><?xml version="1.0" encoding="utf-8"?>
+<a:theme xmlns:a="http://schemas.openxmlformats.org/drawingml/2006/main" xmlns:r="http://schemas.openxmlformats.org/officeDocument/2006/relationships" name="Slate">
+  <a:themeElements>
+    <a:clrScheme name="Slate">
+      <a:dk1>
+        <a:srgbClr val="FFFFFF"/>
+      </a:dk1>
+      <a:lt1>
+        <a:srgbClr val="37474F"/>
+      </a:lt1>
+      <a:dk2>
+        <a:srgbClr val="9E9E9E"/>
+      </a:dk2>
+      <a:lt2>
+        <a:srgbClr val="E0E0E0"/>
+      </a:lt2>
+      <a:accent1>
+        <a:srgbClr val="616161"/>
+      </a:accent1>
+      <a:accent2>
+        <a:srgbClr val="78909C"/>
+      </a:accent2>
+      <a:accent3>
+        <a:srgbClr val="CACACA"/>
+      </a:accent3>
+      <a:accent4>
+        <a:srgbClr val="64FFDA"/>
+      </a:accent4>
+      <a:accent5>
+        <a:srgbClr val="FFD966"/>
+      </a:accent5>
+      <a:accent6>
+        <a:srgbClr val="F5F5F5"/>
+      </a:accent6>
+      <a:hlink>
+        <a:srgbClr val="FFD966"/>
+      </a:hlink>
+      <a:folHlink>
+        <a:srgbClr val="FFD966"/>
+      </a:folHlink>
+    </a:clrScheme>
+    <a:fontScheme name="Office">
+      <a:majorFont>
+        <a:latin typeface="Arial"/>
+        <a:ea typeface=""/>
+        <a:cs typeface=""/>
+        <a:font script="Jpan" typeface="ＭＳ Ｐゴシック"/>
+        <a:font script="Hang" typeface="맑은 고딕"/>
+        <a:font script="Hans" typeface="宋体"/>
+        <a:font script="Hant" typeface="新細明體"/>
+        <a:font script="Arab" typeface="Times New Roman"/>
+        <a:font script="Hebr" typeface="Times New Roman"/>
+        <a:font script="Thai" typeface="Angsana New"/>
+        <a:font script="Ethi" typeface="Nyala"/>
+        <a:font script="Beng" typeface="Vrinda"/>
+        <a:font script="Gujr" typeface="Shruti"/>
+        <a:font script="Khmr" typeface="MoolBoran"/>
+        <a:font script="Knda" typeface="Tunga"/>
+        <a:font script="Guru" typeface="Raavi"/>
+        <a:font script="Cans" typeface="Euphemia"/>
+        <a:font script="Cher" typeface="Plantagenet Cherokee"/>
+        <a:font script="Yiii" typeface="Microsoft Yi Baiti"/>
+        <a:font script="Tibt" typeface="Microsoft Himalaya"/>
+        <a:font script="Thaa" typeface="MV Boli"/>
+        <a:font script="Deva" typeface="Mangal"/>
+        <a:font script="Telu" typeface="Gautami"/>
+        <a:font script="Taml" typeface="Latha"/>
+        <a:font script="Syrc" typeface="Estrangelo Edessa"/>
+        <a:font script="Orya" typeface="Kalinga"/>
+        <a:font script="Mlym" typeface="Kartika"/>
+        <a:font script="Laoo" typeface="DokChampa"/>
+        <a:font script="Sinh" typeface="Iskoola Pota"/>
+        <a:font script="Mong" typeface="Mongolian Baiti"/>
+        <a:font script="Viet" typeface="Times New Roman"/>
+        <a:font script="Uigh" typeface="Microsoft Uighur"/>
+        <a:font script="Geor" typeface="Sylfaen"/>
+      </a:majorFont>
+      <a:minorFont>
+        <a:latin typeface="Arial"/>
+        <a:ea typeface=""/>
+        <a:cs typeface=""/>
+        <a:font script="Jpan" typeface="ＭＳ Ｐゴシック"/>
+        <a:font script="Hang" typeface="맑은 고딕"/>
+        <a:font script="Hans" typeface="宋体"/>
+        <a:font script="Hant" typeface="新細明體"/>
+        <a:font script="Arab" typeface="Arial"/>
+        <a:font script="Hebr" typeface="Arial"/>
+        <a:font script="Thai" typeface="Cordia New"/>
+        <a:font script="Ethi" typeface="Nyala"/>
+        <a:font script="Beng" typeface="Vrinda"/>
+        <a:font script="Gujr" typeface="Shruti"/>
+        <a:font script="Khmr" typeface="DaunPenh"/>
+        <a:font script="Knda" typeface="Tunga"/>
+        <a:font script="Guru" typeface="Raavi"/>
+        <a:font script="Cans" typeface="Euphemia"/>
+        <a:font script="Cher" typeface="Plantagenet Cherokee"/>
+        <a:font script="Yiii" typeface="Microsoft Yi Baiti"/>
+        <a:font script="Tibt" typeface="Microsoft Himalaya"/>
+        <a:font script="Thaa" typeface="MV Boli"/>
+        <a:font script="Deva" typeface="Mangal"/>
+        <a:font script="Telu" typeface="Gautami"/>
+        <a:font script="Taml" typeface="Latha"/>
+        <a:font script="Syrc" typeface="Estrangelo Edessa"/>
+        <a:font script="Orya" typeface="Kalinga"/>
+        <a:font script="Mlym" typeface="Kartika"/>
+        <a:font script="Laoo" typeface="DokChampa"/>
+        <a:font script="Sinh" typeface="Iskoola Pota"/>
+        <a:font script="Mong" typeface="Mongolian Baiti"/>
+        <a:font script="Viet" typeface="Arial"/>
+        <a:font script="Uigh" typeface="Microsoft Uighur"/>
+        <a:font script="Geor" typeface="Sylfaen"/>
+      </a:minorFont>
+    </a:fontScheme>
+    <a:fmtScheme name="Office">
+      <a:fillStyleLst>
+        <a:solidFill>
+          <a:schemeClr val="phClr"/>
+        </a:solidFill>
+        <a:gradFill rotWithShape="1">
+          <a:gsLst>
+            <a:gs pos="0">
+              <a:schemeClr val="phClr">
+                <a:tint val="50000"/>
+                <a:satMod val="300000"/>
+              </a:schemeClr>
+            </a:gs>
+            <a:gs pos="35000">
+              <a:schemeClr val="phClr">
+                <a:tint val="37000"/>
+                <a:satMod val="300000"/>
+              </a:schemeClr>
+            </a:gs>
+            <a:gs pos="100000">
+              <a:schemeClr val="phClr">
+                <a:tint val="15000"/>
+                <a:satMod val="350000"/>
+              </a:schemeClr>
+            </a:gs>
+          </a:gsLst>
+          <a:lin ang="16200000" scaled="1"/>
+        </a:gradFill>
+        <a:gradFill rotWithShape="1">
+          <a:gsLst>
+            <a:gs pos="0">
+              <a:schemeClr val="phClr">
+                <a:tint val="100000"/>
+                <a:shade val="100000"/>
+                <a:satMod val="130000"/>
+              </a:schemeClr>
+            </a:gs>
+            <a:gs pos="100000">
+              <a:schemeClr val="phClr">
+                <a:tint val="50000"/>
+                <a:shade val="100000"/>
+                <a:satMod val="350000"/>
+              </a:schemeClr>
+            </a:gs>
+          </a:gsLst>
+          <a:lin ang="16200000" scaled="0"/>
+        </a:gradFill>
+      </a:fillStyleLst>
+      <a:lnStyleLst>
+        <a:ln w="9525" cap="flat" cmpd="sng" algn="ctr">
+          <a:solidFill>
+            <a:schemeClr val="phClr">
+              <a:shade val="95000"/>
+              <a:satMod val="105000"/>
+            </a:schemeClr>
+          </a:solidFill>
+          <a:prstDash val="solid"/>
+        </a:ln>
+        <a:ln w="25400" cap="flat" cmpd="sng" algn="ctr">
+          <a:solidFill>
+            <a:schemeClr val="phClr"/>
+          </a:solidFill>
+          <a:prstDash val="solid"/>
+        </a:ln>
+        <a:ln w="38100" cap="flat" cmpd="sng" algn="ctr">
+          <a:solidFill>
+            <a:schemeClr val="phClr"/>
+          </a:solidFill>
+          <a:prstDash val="solid"/>
+        </a:ln>
+      </a:lnStyleLst>
+      <a:effectStyleLst>
+        <a:effectStyle>
+          <a:effectLst>
+            <a:outerShdw blurRad="40000" dist="20000" dir="5400000" rotWithShape="0">
+              <a:srgbClr val="000000">
+                <a:alpha val="38000"/>
+              </a:srgbClr>
+            </a:outerShdw>
+          </a:effectLst>
+        </a:effectStyle>
+        <a:effectStyle>
+          <a:effectLst>
+            <a:outerShdw blurRad="40000" dist="23000" dir="5400000" rotWithShape="0">
+              <a:srgbClr val="000000">
+                <a:alpha val="35000"/>
+              </a:srgbClr>
+            </a:outerShdw>
+          </a:effectLst>
+        </a:effectStyle>
+        <a:effectStyle>
+          <a:effectLst>
+            <a:outerShdw blurRad="40000" dist="23000" dir="5400000" rotWithShape="0">
+              <a:srgbClr val="000000">
+                <a:alpha val="35000"/>
+              </a:srgbClr>
+            </a:outerShdw>
+          </a:effectLst>
+          <a:scene3d>
+            <a:camera prst="orthographicFront">
+              <a:rot lat="0" lon="0" rev="0"/>
+            </a:camera>
+            <a:lightRig rig="threePt" dir="t">
+              <a:rot lat="0" lon="0" rev="1200000"/>
+            </a:lightRig>
+          </a:scene3d>
+          <a:sp3d>
+            <a:bevelT w="63500" h="25400"/>
+          </a:sp3d>
+        </a:effectStyle>
+      </a:effectStyleLst>
+      <a:bgFillStyleLst>
+        <a:solidFill>
+          <a:schemeClr val="phClr"/>
+        </a:solidFill>
+        <a:gradFill rotWithShape="1">
+          <a:gsLst>
+            <a:gs pos="0">
+              <a:schemeClr val="phClr">
+                <a:tint val="40000"/>
+                <a:satMod val="350000"/>
+              </a:schemeClr>
+            </a:gs>
+            <a:gs pos="40000">
+              <a:schemeClr val="phClr">
+                <a:tint val="45000"/>
+                <a:shade val="99000"/>
+                <a:satMod val="350000"/>
+              </a:schemeClr>
+            </a:gs>
+            <a:gs pos="100000">
+              <a:schemeClr val="phClr">
+                <a:shade val="20000"/>
+                <a:satMod val="255000"/>
+              </a:schemeClr>
+            </a:gs>
+          </a:gsLst>
+          <a:path path="circle">
+            <a:fillToRect l="50000" t="-80000" r="50000" b="180000"/>
+          </a:path>
+        </a:gradFill>
+        <a:gradFill rotWithShape="1">
+          <a:gsLst>
+            <a:gs pos="0">
+              <a:schemeClr val="phClr">
+                <a:tint val="80000"/>
+                <a:satMod val="300000"/>
+              </a:schemeClr>
+            </a:gs>
+            <a:gs pos="100000">
+              <a:schemeClr val="phClr">
+                <a:shade val="30000"/>
+                <a:satMod val="200000"/>
+              </a:schemeClr>
+            </a:gs>
+          </a:gsLst>
+          <a:path path="circle">
+            <a:fillToRect l="50000" t="50000" r="50000" b="50000"/>
+          </a:path>
+        </a:gradFill>
+      </a:bgFillStyleLst>
+    </a:fmtScheme>
+  </a:themeElements>
+</a:theme>
+</file>
+
+<file path=ppt/theme/theme2.xml><?xml version="1.0" encoding="utf-8"?>
 <a:theme xmlns:a="http://schemas.openxmlformats.org/drawingml/2006/main" xmlns:r="http://schemas.openxmlformats.org/officeDocument/2006/relationships">
   <a:themeElements>
     <a:clrScheme name="Default">
@@ -10785,283 +11084,4 @@
     </a:fmtScheme>
   </a:themeElements>
 </a:theme>
-</file>
-
-<file path=ppt/theme/theme2.xml><?xml version="1.0" encoding="utf-8"?>
-<a:theme xmlns:a="http://schemas.openxmlformats.org/drawingml/2006/main" xmlns:r="http://schemas.openxmlformats.org/officeDocument/2006/relationships" name="Slate">
-  <a:themeElements>
-    <a:clrScheme name="Slate">
-      <a:dk1>
-        <a:srgbClr val="FFFFFF"/>
-      </a:dk1>
-      <a:lt1>
-        <a:srgbClr val="37474F"/>
-      </a:lt1>
-      <a:dk2>
-        <a:srgbClr val="9E9E9E"/>
-      </a:dk2>
-      <a:lt2>
-        <a:srgbClr val="E0E0E0"/>
-      </a:lt2>
-      <a:accent1>
-        <a:srgbClr val="616161"/>
-      </a:accent1>
-      <a:accent2>
-        <a:srgbClr val="78909C"/>
-      </a:accent2>
-      <a:accent3>
-        <a:srgbClr val="CACACA"/>
-      </a:accent3>
-      <a:accent4>
-        <a:srgbClr val="64FFDA"/>
-      </a:accent4>
-      <a:accent5>
-        <a:srgbClr val="FFD966"/>
-      </a:accent5>
-      <a:accent6>
-        <a:srgbClr val="F5F5F5"/>
-      </a:accent6>
-      <a:hlink>
-        <a:srgbClr val="FFD966"/>
-      </a:hlink>
-      <a:folHlink>
-        <a:srgbClr val="FFD966"/>
-      </a:folHlink>
-    </a:clrScheme>
-    <a:fontScheme name="Office">
-      <a:majorFont>
-        <a:latin typeface="Arial"/>
-        <a:ea typeface=""/>
-        <a:cs typeface=""/>
-        <a:font script="Jpan" typeface="ＭＳ Ｐゴシック"/>
-        <a:font script="Hang" typeface="맑은 고딕"/>
-        <a:font script="Hans" typeface="宋体"/>
-        <a:font script="Hant" typeface="新細明體"/>
-        <a:font script="Arab" typeface="Times New Roman"/>
-        <a:font script="Hebr" typeface="Times New Roman"/>
-        <a:font script="Thai" typeface="Angsana New"/>
-        <a:font script="Ethi" typeface="Nyala"/>
-        <a:font script="Beng" typeface="Vrinda"/>
-        <a:font script="Gujr" typeface="Shruti"/>
-        <a:font script="Khmr" typeface="MoolBoran"/>
-        <a:font script="Knda" typeface="Tunga"/>
-        <a:font script="Guru" typeface="Raavi"/>
-        <a:font script="Cans" typeface="Euphemia"/>
-        <a:font script="Cher" typeface="Plantagenet Cherokee"/>
-        <a:font script="Yiii" typeface="Microsoft Yi Baiti"/>
-        <a:font script="Tibt" typeface="Microsoft Himalaya"/>
-        <a:font script="Thaa" typeface="MV Boli"/>
-        <a:font script="Deva" typeface="Mangal"/>
-        <a:font script="Telu" typeface="Gautami"/>
-        <a:font script="Taml" typeface="Latha"/>
-        <a:font script="Syrc" typeface="Estrangelo Edessa"/>
-        <a:font script="Orya" typeface="Kalinga"/>
-        <a:font script="Mlym" typeface="Kartika"/>
-        <a:font script="Laoo" typeface="DokChampa"/>
-        <a:font script="Sinh" typeface="Iskoola Pota"/>
-        <a:font script="Mong" typeface="Mongolian Baiti"/>
-        <a:font script="Viet" typeface="Times New Roman"/>
-        <a:font script="Uigh" typeface="Microsoft Uighur"/>
-        <a:font script="Geor" typeface="Sylfaen"/>
-      </a:majorFont>
-      <a:minorFont>
-        <a:latin typeface="Arial"/>
-        <a:ea typeface=""/>
-        <a:cs typeface=""/>
-        <a:font script="Jpan" typeface="ＭＳ Ｐゴシック"/>
-        <a:font script="Hang" typeface="맑은 고딕"/>
-        <a:font script="Hans" typeface="宋体"/>
-        <a:font script="Hant" typeface="新細明體"/>
-        <a:font script="Arab" typeface="Arial"/>
-        <a:font script="Hebr" typeface="Arial"/>
-        <a:font script="Thai" typeface="Cordia New"/>
-        <a:font script="Ethi" typeface="Nyala"/>
-        <a:font script="Beng" typeface="Vrinda"/>
-        <a:font script="Gujr" typeface="Shruti"/>
-        <a:font script="Khmr" typeface="DaunPenh"/>
-        <a:font script="Knda" typeface="Tunga"/>
-        <a:font script="Guru" typeface="Raavi"/>
-        <a:font script="Cans" typeface="Euphemia"/>
-        <a:font script="Cher" typeface="Plantagenet Cherokee"/>
-        <a:font script="Yiii" typeface="Microsoft Yi Baiti"/>
-        <a:font script="Tibt" typeface="Microsoft Himalaya"/>
-        <a:font script="Thaa" typeface="MV Boli"/>
-        <a:font script="Deva" typeface="Mangal"/>
-        <a:font script="Telu" typeface="Gautami"/>
-        <a:font script="Taml" typeface="Latha"/>
-        <a:font script="Syrc" typeface="Estrangelo Edessa"/>
-        <a:font script="Orya" typeface="Kalinga"/>
-        <a:font script="Mlym" typeface="Kartika"/>
-        <a:font script="Laoo" typeface="DokChampa"/>
-        <a:font script="Sinh" typeface="Iskoola Pota"/>
-        <a:font script="Mong" typeface="Mongolian Baiti"/>
-        <a:font script="Viet" typeface="Arial"/>
-        <a:font script="Uigh" typeface="Microsoft Uighur"/>
-        <a:font script="Geor" typeface="Sylfaen"/>
-      </a:minorFont>
-    </a:fontScheme>
-    <a:fmtScheme name="Office">
-      <a:fillStyleLst>
-        <a:solidFill>
-          <a:schemeClr val="phClr"/>
-        </a:solidFill>
-        <a:gradFill rotWithShape="1">
-          <a:gsLst>
-            <a:gs pos="0">
-              <a:schemeClr val="phClr">
-                <a:tint val="50000"/>
-                <a:satMod val="300000"/>
-              </a:schemeClr>
-            </a:gs>
-            <a:gs pos="35000">
-              <a:schemeClr val="phClr">
-                <a:tint val="37000"/>
-                <a:satMod val="300000"/>
-              </a:schemeClr>
-            </a:gs>
-            <a:gs pos="100000">
-              <a:schemeClr val="phClr">
-                <a:tint val="15000"/>
-                <a:satMod val="350000"/>
-              </a:schemeClr>
-            </a:gs>
-          </a:gsLst>
-          <a:lin ang="16200000" scaled="1"/>
-        </a:gradFill>
-        <a:gradFill rotWithShape="1">
-          <a:gsLst>
-            <a:gs pos="0">
-              <a:schemeClr val="phClr">
-                <a:tint val="100000"/>
-                <a:shade val="100000"/>
-                <a:satMod val="130000"/>
-              </a:schemeClr>
-            </a:gs>
-            <a:gs pos="100000">
-              <a:schemeClr val="phClr">
-                <a:tint val="50000"/>
-                <a:shade val="100000"/>
-                <a:satMod val="350000"/>
-              </a:schemeClr>
-            </a:gs>
-          </a:gsLst>
-          <a:lin ang="16200000" scaled="0"/>
-        </a:gradFill>
-      </a:fillStyleLst>
-      <a:lnStyleLst>
-        <a:ln w="9525" cap="flat" cmpd="sng" algn="ctr">
-          <a:solidFill>
-            <a:schemeClr val="phClr">
-              <a:shade val="95000"/>
-              <a:satMod val="105000"/>
-            </a:schemeClr>
-          </a:solidFill>
-          <a:prstDash val="solid"/>
-        </a:ln>
-        <a:ln w="25400" cap="flat" cmpd="sng" algn="ctr">
-          <a:solidFill>
-            <a:schemeClr val="phClr"/>
-          </a:solidFill>
-          <a:prstDash val="solid"/>
-        </a:ln>
-        <a:ln w="38100" cap="flat" cmpd="sng" algn="ctr">
-          <a:solidFill>
-            <a:schemeClr val="phClr"/>
-          </a:solidFill>
-          <a:prstDash val="solid"/>
-        </a:ln>
-      </a:lnStyleLst>
-      <a:effectStyleLst>
-        <a:effectStyle>
-          <a:effectLst>
-            <a:outerShdw blurRad="40000" dist="20000" dir="5400000" rotWithShape="0">
-              <a:srgbClr val="000000">
-                <a:alpha val="38000"/>
-              </a:srgbClr>
-            </a:outerShdw>
-          </a:effectLst>
-        </a:effectStyle>
-        <a:effectStyle>
-          <a:effectLst>
-            <a:outerShdw blurRad="40000" dist="23000" dir="5400000" rotWithShape="0">
-              <a:srgbClr val="000000">
-                <a:alpha val="35000"/>
-              </a:srgbClr>
-            </a:outerShdw>
-          </a:effectLst>
-        </a:effectStyle>
-        <a:effectStyle>
-          <a:effectLst>
-            <a:outerShdw blurRad="40000" dist="23000" dir="5400000" rotWithShape="0">
-              <a:srgbClr val="000000">
-                <a:alpha val="35000"/>
-              </a:srgbClr>
-            </a:outerShdw>
-          </a:effectLst>
-          <a:scene3d>
-            <a:camera prst="orthographicFront">
-              <a:rot lat="0" lon="0" rev="0"/>
-            </a:camera>
-            <a:lightRig rig="threePt" dir="t">
-              <a:rot lat="0" lon="0" rev="1200000"/>
-            </a:lightRig>
-          </a:scene3d>
-          <a:sp3d>
-            <a:bevelT w="63500" h="25400"/>
-          </a:sp3d>
-        </a:effectStyle>
-      </a:effectStyleLst>
-      <a:bgFillStyleLst>
-        <a:solidFill>
-          <a:schemeClr val="phClr"/>
-        </a:solidFill>
-        <a:gradFill rotWithShape="1">
-          <a:gsLst>
-            <a:gs pos="0">
-              <a:schemeClr val="phClr">
-                <a:tint val="40000"/>
-                <a:satMod val="350000"/>
-              </a:schemeClr>
-            </a:gs>
-            <a:gs pos="40000">
-              <a:schemeClr val="phClr">
-                <a:tint val="45000"/>
-                <a:shade val="99000"/>
-                <a:satMod val="350000"/>
-              </a:schemeClr>
-            </a:gs>
-            <a:gs pos="100000">
-              <a:schemeClr val="phClr">
-                <a:shade val="20000"/>
-                <a:satMod val="255000"/>
-              </a:schemeClr>
-            </a:gs>
-          </a:gsLst>
-          <a:path path="circle">
-            <a:fillToRect l="50000" t="-80000" r="50000" b="180000"/>
-          </a:path>
-        </a:gradFill>
-        <a:gradFill rotWithShape="1">
-          <a:gsLst>
-            <a:gs pos="0">
-              <a:schemeClr val="phClr">
-                <a:tint val="80000"/>
-                <a:satMod val="300000"/>
-              </a:schemeClr>
-            </a:gs>
-            <a:gs pos="100000">
-              <a:schemeClr val="phClr">
-                <a:shade val="30000"/>
-                <a:satMod val="200000"/>
-              </a:schemeClr>
-            </a:gs>
-          </a:gsLst>
-          <a:path path="circle">
-            <a:fillToRect l="50000" t="50000" r="50000" b="50000"/>
-          </a:path>
-        </a:gradFill>
-      </a:bgFillStyleLst>
-    </a:fmtScheme>
-  </a:themeElements>
-</a:theme>
 </file>